--- a/Lassonde Hackathon 2019.pptx
+++ b/Lassonde Hackathon 2019.pptx
@@ -2,7 +2,7 @@
 <file path=ppt/presentation.xml><?xml version="1.0" encoding="utf-8"?>
 <p:presentation xmlns:a="http://schemas.openxmlformats.org/drawingml/2006/main" xmlns:r="http://schemas.openxmlformats.org/officeDocument/2006/relationships" xmlns:p="http://schemas.openxmlformats.org/presentationml/2006/main" saveSubsetFonts="1">
   <p:sldMasterIdLst>
-    <p:sldMasterId id="2147483648" r:id="rId1"/>
+    <p:sldMasterId id="2147483672" r:id="rId1"/>
   </p:sldMasterIdLst>
   <p:notesMasterIdLst>
     <p:notesMasterId r:id="rId12"/>
@@ -2376,6 +2376,927 @@
 </dgm:colorsDef>
 </file>
 
+<file path=ppt/diagrams/colors4.xml><?xml version="1.0" encoding="utf-8"?>
+<dgm:colorsDef xmlns:dgm="http://schemas.openxmlformats.org/drawingml/2006/diagram" xmlns:a="http://schemas.openxmlformats.org/drawingml/2006/main" uniqueId="urn:microsoft.com/office/officeart/2018/5/colors/Iconchunking_neutralicontext_colorful1">
+  <dgm:title val=""/>
+  <dgm:desc val=""/>
+  <dgm:catLst>
+    <dgm:cat type="colorful" pri="10100"/>
+  </dgm:catLst>
+  <dgm:styleLbl name="node0">
+    <dgm:fillClrLst meth="repeat">
+      <a:schemeClr val="accent1"/>
+    </dgm:fillClrLst>
+    <dgm:linClrLst meth="repeat">
+      <a:schemeClr val="lt1"/>
+    </dgm:linClrLst>
+    <dgm:effectClrLst/>
+    <dgm:txLinClrLst/>
+    <dgm:txFillClrLst/>
+    <dgm:txEffectClrLst/>
+  </dgm:styleLbl>
+  <dgm:styleLbl name="node1">
+    <dgm:fillClrLst meth="repeat">
+      <a:schemeClr val="bg1"/>
+    </dgm:fillClrLst>
+    <dgm:linClrLst meth="repeat">
+      <a:schemeClr val="lt1">
+        <a:alpha val="0"/>
+      </a:schemeClr>
+    </dgm:linClrLst>
+    <dgm:effectClrLst/>
+    <dgm:txLinClrLst/>
+    <dgm:txFillClrLst meth="repeat">
+      <a:schemeClr val="dk1"/>
+    </dgm:txFillClrLst>
+    <dgm:txEffectClrLst/>
+  </dgm:styleLbl>
+  <dgm:styleLbl name="alignNode1">
+    <dgm:fillClrLst meth="repeat">
+      <a:schemeClr val="accent2"/>
+      <a:schemeClr val="accent3"/>
+      <a:schemeClr val="accent4"/>
+      <a:schemeClr val="accent5"/>
+      <a:schemeClr val="accent6"/>
+    </dgm:fillClrLst>
+    <dgm:linClrLst meth="repeat">
+      <a:schemeClr val="accent2"/>
+      <a:schemeClr val="accent3"/>
+      <a:schemeClr val="accent4"/>
+      <a:schemeClr val="accent5"/>
+      <a:schemeClr val="accent6"/>
+    </dgm:linClrLst>
+    <dgm:effectClrLst/>
+    <dgm:txLinClrLst/>
+    <dgm:txFillClrLst/>
+    <dgm:txEffectClrLst/>
+  </dgm:styleLbl>
+  <dgm:styleLbl name="lnNode1">
+    <dgm:fillClrLst meth="repeat">
+      <a:schemeClr val="accent2"/>
+      <a:schemeClr val="accent3"/>
+      <a:schemeClr val="accent4"/>
+      <a:schemeClr val="accent5"/>
+      <a:schemeClr val="accent6"/>
+    </dgm:fillClrLst>
+    <dgm:linClrLst meth="repeat">
+      <a:schemeClr val="lt1"/>
+    </dgm:linClrLst>
+    <dgm:effectClrLst/>
+    <dgm:txLinClrLst/>
+    <dgm:txFillClrLst/>
+    <dgm:txEffectClrLst/>
+  </dgm:styleLbl>
+  <dgm:styleLbl name="vennNode1">
+    <dgm:fillClrLst meth="repeat">
+      <a:schemeClr val="accent2">
+        <a:alpha val="50000"/>
+      </a:schemeClr>
+      <a:schemeClr val="accent3">
+        <a:alpha val="50000"/>
+      </a:schemeClr>
+      <a:schemeClr val="accent4">
+        <a:alpha val="50000"/>
+      </a:schemeClr>
+      <a:schemeClr val="accent5">
+        <a:alpha val="50000"/>
+      </a:schemeClr>
+      <a:schemeClr val="accent6">
+        <a:alpha val="50000"/>
+      </a:schemeClr>
+    </dgm:fillClrLst>
+    <dgm:linClrLst meth="repeat">
+      <a:schemeClr val="lt1"/>
+    </dgm:linClrLst>
+    <dgm:effectClrLst/>
+    <dgm:txLinClrLst/>
+    <dgm:txFillClrLst/>
+    <dgm:txEffectClrLst/>
+  </dgm:styleLbl>
+  <dgm:styleLbl name="node2">
+    <dgm:fillClrLst>
+      <a:schemeClr val="accent2"/>
+    </dgm:fillClrLst>
+    <dgm:linClrLst meth="repeat">
+      <a:schemeClr val="lt1"/>
+    </dgm:linClrLst>
+    <dgm:effectClrLst/>
+    <dgm:txLinClrLst/>
+    <dgm:txFillClrLst/>
+    <dgm:txEffectClrLst/>
+  </dgm:styleLbl>
+  <dgm:styleLbl name="node3">
+    <dgm:fillClrLst>
+      <a:schemeClr val="accent3"/>
+    </dgm:fillClrLst>
+    <dgm:linClrLst meth="repeat">
+      <a:schemeClr val="lt1"/>
+    </dgm:linClrLst>
+    <dgm:effectClrLst/>
+    <dgm:txLinClrLst/>
+    <dgm:txFillClrLst/>
+    <dgm:txEffectClrLst/>
+  </dgm:styleLbl>
+  <dgm:styleLbl name="node4">
+    <dgm:fillClrLst>
+      <a:schemeClr val="accent4"/>
+    </dgm:fillClrLst>
+    <dgm:linClrLst meth="repeat">
+      <a:schemeClr val="lt1"/>
+    </dgm:linClrLst>
+    <dgm:effectClrLst/>
+    <dgm:txLinClrLst/>
+    <dgm:txFillClrLst/>
+    <dgm:txEffectClrLst/>
+  </dgm:styleLbl>
+  <dgm:styleLbl name="fgImgPlace1">
+    <dgm:fillClrLst meth="repeat">
+      <a:schemeClr val="accent2">
+        <a:tint val="50000"/>
+      </a:schemeClr>
+      <a:schemeClr val="accent3">
+        <a:tint val="50000"/>
+      </a:schemeClr>
+      <a:schemeClr val="accent4">
+        <a:tint val="50000"/>
+      </a:schemeClr>
+      <a:schemeClr val="accent5">
+        <a:tint val="50000"/>
+      </a:schemeClr>
+      <a:schemeClr val="accent6">
+        <a:tint val="50000"/>
+      </a:schemeClr>
+    </dgm:fillClrLst>
+    <dgm:linClrLst meth="repeat">
+      <a:schemeClr val="lt1"/>
+    </dgm:linClrLst>
+    <dgm:effectClrLst/>
+    <dgm:txLinClrLst/>
+    <dgm:txFillClrLst meth="repeat">
+      <a:schemeClr val="lt1"/>
+    </dgm:txFillClrLst>
+    <dgm:txEffectClrLst/>
+  </dgm:styleLbl>
+  <dgm:styleLbl name="alignImgPlace1">
+    <dgm:fillClrLst>
+      <a:schemeClr val="accent1">
+        <a:tint val="50000"/>
+      </a:schemeClr>
+      <a:schemeClr val="accent2">
+        <a:tint val="20000"/>
+      </a:schemeClr>
+    </dgm:fillClrLst>
+    <dgm:linClrLst meth="repeat">
+      <a:schemeClr val="lt1"/>
+    </dgm:linClrLst>
+    <dgm:effectClrLst/>
+    <dgm:txLinClrLst/>
+    <dgm:txFillClrLst meth="repeat">
+      <a:schemeClr val="lt1"/>
+    </dgm:txFillClrLst>
+    <dgm:txEffectClrLst/>
+  </dgm:styleLbl>
+  <dgm:styleLbl name="bgImgPlace1">
+    <dgm:fillClrLst>
+      <a:schemeClr val="accent1">
+        <a:tint val="50000"/>
+      </a:schemeClr>
+      <a:schemeClr val="accent2">
+        <a:tint val="20000"/>
+      </a:schemeClr>
+    </dgm:fillClrLst>
+    <dgm:linClrLst meth="repeat">
+      <a:schemeClr val="lt1"/>
+    </dgm:linClrLst>
+    <dgm:effectClrLst/>
+    <dgm:txLinClrLst/>
+    <dgm:txFillClrLst meth="repeat">
+      <a:schemeClr val="lt1"/>
+    </dgm:txFillClrLst>
+    <dgm:txEffectClrLst/>
+  </dgm:styleLbl>
+  <dgm:styleLbl name="sibTrans2D1">
+    <dgm:fillClrLst meth="repeat">
+      <a:schemeClr val="accent2"/>
+      <a:schemeClr val="accent3"/>
+      <a:schemeClr val="accent4"/>
+      <a:schemeClr val="accent5"/>
+      <a:schemeClr val="accent6"/>
+    </dgm:fillClrLst>
+    <dgm:linClrLst meth="cycle">
+      <a:schemeClr val="lt1"/>
+    </dgm:linClrLst>
+    <dgm:effectClrLst/>
+    <dgm:txLinClrLst/>
+    <dgm:txFillClrLst/>
+    <dgm:txEffectClrLst/>
+  </dgm:styleLbl>
+  <dgm:styleLbl name="fgSibTrans2D1">
+    <dgm:fillClrLst meth="repeat">
+      <a:schemeClr val="accent2"/>
+      <a:schemeClr val="accent3"/>
+      <a:schemeClr val="accent4"/>
+      <a:schemeClr val="accent5"/>
+      <a:schemeClr val="accent6"/>
+    </dgm:fillClrLst>
+    <dgm:linClrLst meth="cycle">
+      <a:schemeClr val="lt1"/>
+    </dgm:linClrLst>
+    <dgm:effectClrLst/>
+    <dgm:txLinClrLst/>
+    <dgm:txFillClrLst meth="repeat">
+      <a:schemeClr val="lt1"/>
+    </dgm:txFillClrLst>
+    <dgm:txEffectClrLst/>
+  </dgm:styleLbl>
+  <dgm:styleLbl name="bgSibTrans2D1">
+    <dgm:fillClrLst meth="repeat">
+      <a:schemeClr val="accent2"/>
+      <a:schemeClr val="accent3"/>
+      <a:schemeClr val="accent4"/>
+      <a:schemeClr val="accent5"/>
+      <a:schemeClr val="accent6"/>
+    </dgm:fillClrLst>
+    <dgm:linClrLst meth="cycle">
+      <a:schemeClr val="lt1"/>
+    </dgm:linClrLst>
+    <dgm:effectClrLst/>
+    <dgm:txLinClrLst/>
+    <dgm:txFillClrLst meth="repeat">
+      <a:schemeClr val="lt1"/>
+    </dgm:txFillClrLst>
+    <dgm:txEffectClrLst/>
+  </dgm:styleLbl>
+  <dgm:styleLbl name="sibTrans1D1">
+    <dgm:fillClrLst meth="repeat">
+      <a:schemeClr val="accent2"/>
+      <a:schemeClr val="accent3"/>
+      <a:schemeClr val="accent4"/>
+      <a:schemeClr val="accent5"/>
+      <a:schemeClr val="accent6"/>
+    </dgm:fillClrLst>
+    <dgm:linClrLst meth="repeat">
+      <a:schemeClr val="accent2"/>
+      <a:schemeClr val="accent3"/>
+      <a:schemeClr val="accent4"/>
+      <a:schemeClr val="accent5"/>
+      <a:schemeClr val="accent6"/>
+    </dgm:linClrLst>
+    <dgm:effectClrLst/>
+    <dgm:txLinClrLst/>
+    <dgm:txFillClrLst meth="repeat">
+      <a:schemeClr val="tx1"/>
+    </dgm:txFillClrLst>
+    <dgm:txEffectClrLst/>
+  </dgm:styleLbl>
+  <dgm:styleLbl name="callout">
+    <dgm:fillClrLst meth="repeat">
+      <a:schemeClr val="accent2"/>
+    </dgm:fillClrLst>
+    <dgm:linClrLst meth="repeat">
+      <a:schemeClr val="accent2">
+        <a:tint val="50000"/>
+      </a:schemeClr>
+    </dgm:linClrLst>
+    <dgm:effectClrLst/>
+    <dgm:txLinClrLst/>
+    <dgm:txFillClrLst meth="repeat">
+      <a:schemeClr val="tx1"/>
+    </dgm:txFillClrLst>
+    <dgm:txEffectClrLst/>
+  </dgm:styleLbl>
+  <dgm:styleLbl name="asst0">
+    <dgm:fillClrLst meth="repeat">
+      <a:schemeClr val="accent1"/>
+    </dgm:fillClrLst>
+    <dgm:linClrLst meth="repeat">
+      <a:schemeClr val="lt1"/>
+    </dgm:linClrLst>
+    <dgm:effectClrLst/>
+    <dgm:txLinClrLst/>
+    <dgm:txFillClrLst/>
+    <dgm:txEffectClrLst/>
+  </dgm:styleLbl>
+  <dgm:styleLbl name="asst1">
+    <dgm:fillClrLst meth="repeat">
+      <a:schemeClr val="accent2"/>
+    </dgm:fillClrLst>
+    <dgm:linClrLst meth="repeat">
+      <a:schemeClr val="lt1"/>
+    </dgm:linClrLst>
+    <dgm:effectClrLst/>
+    <dgm:txLinClrLst/>
+    <dgm:txFillClrLst/>
+    <dgm:txEffectClrLst/>
+  </dgm:styleLbl>
+  <dgm:styleLbl name="asst2">
+    <dgm:fillClrLst>
+      <a:schemeClr val="accent3"/>
+    </dgm:fillClrLst>
+    <dgm:linClrLst meth="repeat">
+      <a:schemeClr val="lt1"/>
+    </dgm:linClrLst>
+    <dgm:effectClrLst/>
+    <dgm:txLinClrLst/>
+    <dgm:txFillClrLst/>
+    <dgm:txEffectClrLst/>
+  </dgm:styleLbl>
+  <dgm:styleLbl name="asst3">
+    <dgm:fillClrLst>
+      <a:schemeClr val="accent4"/>
+    </dgm:fillClrLst>
+    <dgm:linClrLst meth="repeat">
+      <a:schemeClr val="lt1"/>
+    </dgm:linClrLst>
+    <dgm:effectClrLst/>
+    <dgm:txLinClrLst/>
+    <dgm:txFillClrLst/>
+    <dgm:txEffectClrLst/>
+  </dgm:styleLbl>
+  <dgm:styleLbl name="asst4">
+    <dgm:fillClrLst>
+      <a:schemeClr val="accent5"/>
+    </dgm:fillClrLst>
+    <dgm:linClrLst meth="repeat">
+      <a:schemeClr val="lt1"/>
+    </dgm:linClrLst>
+    <dgm:effectClrLst/>
+    <dgm:txLinClrLst/>
+    <dgm:txFillClrLst/>
+    <dgm:txEffectClrLst/>
+  </dgm:styleLbl>
+  <dgm:styleLbl name="parChTrans2D1">
+    <dgm:fillClrLst meth="repeat">
+      <a:schemeClr val="accent2"/>
+    </dgm:fillClrLst>
+    <dgm:linClrLst meth="repeat">
+      <a:schemeClr val="lt1"/>
+    </dgm:linClrLst>
+    <dgm:effectClrLst/>
+    <dgm:txLinClrLst/>
+    <dgm:txFillClrLst meth="repeat">
+      <a:schemeClr val="lt1"/>
+    </dgm:txFillClrLst>
+    <dgm:txEffectClrLst/>
+  </dgm:styleLbl>
+  <dgm:styleLbl name="parChTrans2D2">
+    <dgm:fillClrLst meth="repeat">
+      <a:schemeClr val="accent3"/>
+    </dgm:fillClrLst>
+    <dgm:linClrLst meth="repeat">
+      <a:schemeClr val="lt1"/>
+    </dgm:linClrLst>
+    <dgm:effectClrLst/>
+    <dgm:txLinClrLst/>
+    <dgm:txFillClrLst/>
+    <dgm:txEffectClrLst/>
+  </dgm:styleLbl>
+  <dgm:styleLbl name="parChTrans2D3">
+    <dgm:fillClrLst meth="repeat">
+      <a:schemeClr val="accent4"/>
+    </dgm:fillClrLst>
+    <dgm:linClrLst meth="repeat">
+      <a:schemeClr val="lt1"/>
+    </dgm:linClrLst>
+    <dgm:effectClrLst/>
+    <dgm:txLinClrLst/>
+    <dgm:txFillClrLst/>
+    <dgm:txEffectClrLst/>
+  </dgm:styleLbl>
+  <dgm:styleLbl name="parChTrans2D4">
+    <dgm:fillClrLst meth="repeat">
+      <a:schemeClr val="accent5"/>
+    </dgm:fillClrLst>
+    <dgm:linClrLst meth="repeat">
+      <a:schemeClr val="lt1"/>
+    </dgm:linClrLst>
+    <dgm:effectClrLst/>
+    <dgm:txLinClrLst/>
+    <dgm:txFillClrLst meth="repeat">
+      <a:schemeClr val="lt1"/>
+    </dgm:txFillClrLst>
+    <dgm:txEffectClrLst/>
+  </dgm:styleLbl>
+  <dgm:styleLbl name="parChTrans1D1">
+    <dgm:fillClrLst meth="repeat">
+      <a:schemeClr val="accent2"/>
+    </dgm:fillClrLst>
+    <dgm:linClrLst meth="repeat">
+      <a:schemeClr val="accent1"/>
+    </dgm:linClrLst>
+    <dgm:effectClrLst/>
+    <dgm:txLinClrLst/>
+    <dgm:txFillClrLst meth="repeat">
+      <a:schemeClr val="tx1"/>
+    </dgm:txFillClrLst>
+    <dgm:txEffectClrLst/>
+  </dgm:styleLbl>
+  <dgm:styleLbl name="parChTrans1D2">
+    <dgm:fillClrLst meth="repeat">
+      <a:schemeClr val="accent3">
+        <a:tint val="90000"/>
+      </a:schemeClr>
+    </dgm:fillClrLst>
+    <dgm:linClrLst meth="repeat">
+      <a:schemeClr val="accent2"/>
+    </dgm:linClrLst>
+    <dgm:effectClrLst/>
+    <dgm:txLinClrLst/>
+    <dgm:txFillClrLst meth="repeat">
+      <a:schemeClr val="tx1"/>
+    </dgm:txFillClrLst>
+    <dgm:txEffectClrLst/>
+  </dgm:styleLbl>
+  <dgm:styleLbl name="parChTrans1D3">
+    <dgm:fillClrLst meth="repeat">
+      <a:schemeClr val="accent4">
+        <a:tint val="70000"/>
+      </a:schemeClr>
+    </dgm:fillClrLst>
+    <dgm:linClrLst meth="repeat">
+      <a:schemeClr val="accent3"/>
+    </dgm:linClrLst>
+    <dgm:effectClrLst/>
+    <dgm:txLinClrLst/>
+    <dgm:txFillClrLst meth="repeat">
+      <a:schemeClr val="tx1"/>
+    </dgm:txFillClrLst>
+    <dgm:txEffectClrLst/>
+  </dgm:styleLbl>
+  <dgm:styleLbl name="parChTrans1D4">
+    <dgm:fillClrLst meth="repeat">
+      <a:schemeClr val="accent5">
+        <a:tint val="50000"/>
+      </a:schemeClr>
+    </dgm:fillClrLst>
+    <dgm:linClrLst meth="repeat">
+      <a:schemeClr val="accent4"/>
+    </dgm:linClrLst>
+    <dgm:effectClrLst/>
+    <dgm:txLinClrLst/>
+    <dgm:txFillClrLst meth="repeat">
+      <a:schemeClr val="tx1"/>
+    </dgm:txFillClrLst>
+    <dgm:txEffectClrLst/>
+  </dgm:styleLbl>
+  <dgm:styleLbl name="fgAcc1">
+    <dgm:fillClrLst meth="repeat">
+      <a:schemeClr val="lt1">
+        <a:alpha val="90000"/>
+      </a:schemeClr>
+    </dgm:fillClrLst>
+    <dgm:linClrLst meth="repeat">
+      <a:schemeClr val="accent2"/>
+      <a:schemeClr val="accent3"/>
+      <a:schemeClr val="accent4"/>
+      <a:schemeClr val="accent5"/>
+      <a:schemeClr val="accent6"/>
+    </dgm:linClrLst>
+    <dgm:effectClrLst/>
+    <dgm:txLinClrLst/>
+    <dgm:txFillClrLst meth="repeat">
+      <a:schemeClr val="dk1"/>
+    </dgm:txFillClrLst>
+    <dgm:txEffectClrLst/>
+  </dgm:styleLbl>
+  <dgm:styleLbl name="conFgAcc1">
+    <dgm:fillClrLst meth="repeat">
+      <a:schemeClr val="lt1">
+        <a:alpha val="90000"/>
+      </a:schemeClr>
+    </dgm:fillClrLst>
+    <dgm:linClrLst meth="repeat">
+      <a:schemeClr val="accent2"/>
+      <a:schemeClr val="accent3"/>
+      <a:schemeClr val="accent4"/>
+      <a:schemeClr val="accent5"/>
+      <a:schemeClr val="accent6"/>
+    </dgm:linClrLst>
+    <dgm:effectClrLst/>
+    <dgm:txLinClrLst/>
+    <dgm:txFillClrLst meth="repeat">
+      <a:schemeClr val="dk1"/>
+    </dgm:txFillClrLst>
+    <dgm:txEffectClrLst/>
+  </dgm:styleLbl>
+  <dgm:styleLbl name="alignAcc1">
+    <dgm:fillClrLst meth="repeat">
+      <a:schemeClr val="lt1">
+        <a:alpha val="90000"/>
+      </a:schemeClr>
+    </dgm:fillClrLst>
+    <dgm:linClrLst meth="repeat">
+      <a:schemeClr val="accent2"/>
+      <a:schemeClr val="accent3"/>
+      <a:schemeClr val="accent4"/>
+      <a:schemeClr val="accent5"/>
+      <a:schemeClr val="accent6"/>
+    </dgm:linClrLst>
+    <dgm:effectClrLst/>
+    <dgm:txLinClrLst/>
+    <dgm:txFillClrLst meth="repeat">
+      <a:schemeClr val="dk1"/>
+    </dgm:txFillClrLst>
+    <dgm:txEffectClrLst/>
+  </dgm:styleLbl>
+  <dgm:styleLbl name="trAlignAcc1">
+    <dgm:fillClrLst meth="repeat">
+      <a:schemeClr val="lt1">
+        <a:alpha val="40000"/>
+      </a:schemeClr>
+    </dgm:fillClrLst>
+    <dgm:linClrLst meth="repeat">
+      <a:schemeClr val="accent1"/>
+    </dgm:linClrLst>
+    <dgm:effectClrLst/>
+    <dgm:txLinClrLst/>
+    <dgm:txFillClrLst meth="repeat">
+      <a:schemeClr val="dk1"/>
+    </dgm:txFillClrLst>
+    <dgm:txEffectClrLst/>
+  </dgm:styleLbl>
+  <dgm:styleLbl name="bgAcc1">
+    <dgm:fillClrLst meth="repeat">
+      <a:schemeClr val="lt1">
+        <a:alpha val="90000"/>
+      </a:schemeClr>
+    </dgm:fillClrLst>
+    <dgm:linClrLst meth="repeat">
+      <a:schemeClr val="accent2"/>
+      <a:schemeClr val="accent3"/>
+      <a:schemeClr val="accent4"/>
+      <a:schemeClr val="accent5"/>
+      <a:schemeClr val="accent6"/>
+    </dgm:linClrLst>
+    <dgm:effectClrLst/>
+    <dgm:txLinClrLst/>
+    <dgm:txFillClrLst meth="repeat">
+      <a:schemeClr val="dk1"/>
+    </dgm:txFillClrLst>
+    <dgm:txEffectClrLst/>
+  </dgm:styleLbl>
+  <dgm:styleLbl name="solidFgAcc1">
+    <dgm:fillClrLst meth="repeat">
+      <a:schemeClr val="lt1"/>
+    </dgm:fillClrLst>
+    <dgm:linClrLst meth="repeat">
+      <a:schemeClr val="accent2"/>
+      <a:schemeClr val="accent3"/>
+      <a:schemeClr val="accent4"/>
+      <a:schemeClr val="accent5"/>
+      <a:schemeClr val="accent6"/>
+    </dgm:linClrLst>
+    <dgm:effectClrLst/>
+    <dgm:txLinClrLst/>
+    <dgm:txFillClrLst meth="repeat">
+      <a:schemeClr val="dk1"/>
+    </dgm:txFillClrLst>
+    <dgm:txEffectClrLst/>
+  </dgm:styleLbl>
+  <dgm:styleLbl name="solidAlignAcc1">
+    <dgm:fillClrLst meth="repeat">
+      <a:schemeClr val="lt1"/>
+    </dgm:fillClrLst>
+    <dgm:linClrLst meth="repeat">
+      <a:schemeClr val="accent2"/>
+      <a:schemeClr val="accent3"/>
+      <a:schemeClr val="accent4"/>
+      <a:schemeClr val="accent5"/>
+      <a:schemeClr val="accent6"/>
+    </dgm:linClrLst>
+    <dgm:effectClrLst/>
+    <dgm:txLinClrLst/>
+    <dgm:txFillClrLst meth="repeat">
+      <a:schemeClr val="dk1"/>
+    </dgm:txFillClrLst>
+    <dgm:txEffectClrLst/>
+  </dgm:styleLbl>
+  <dgm:styleLbl name="solidBgAcc1">
+    <dgm:fillClrLst meth="repeat">
+      <a:schemeClr val="lt1"/>
+    </dgm:fillClrLst>
+    <dgm:linClrLst meth="repeat">
+      <a:schemeClr val="accent2"/>
+      <a:schemeClr val="accent3"/>
+      <a:schemeClr val="accent4"/>
+      <a:schemeClr val="accent5"/>
+      <a:schemeClr val="accent6"/>
+    </dgm:linClrLst>
+    <dgm:effectClrLst/>
+    <dgm:txLinClrLst/>
+    <dgm:txFillClrLst meth="repeat">
+      <a:schemeClr val="dk1"/>
+    </dgm:txFillClrLst>
+    <dgm:txEffectClrLst/>
+  </dgm:styleLbl>
+  <dgm:styleLbl name="fgAccFollowNode1">
+    <dgm:fillClrLst meth="repeat">
+      <a:schemeClr val="accent2">
+        <a:tint val="40000"/>
+        <a:alpha val="90000"/>
+      </a:schemeClr>
+      <a:schemeClr val="accent3">
+        <a:tint val="40000"/>
+        <a:alpha val="90000"/>
+      </a:schemeClr>
+      <a:schemeClr val="accent4">
+        <a:tint val="40000"/>
+        <a:alpha val="90000"/>
+      </a:schemeClr>
+      <a:schemeClr val="accent5">
+        <a:tint val="40000"/>
+        <a:alpha val="90000"/>
+      </a:schemeClr>
+      <a:schemeClr val="accent6">
+        <a:tint val="40000"/>
+        <a:alpha val="90000"/>
+      </a:schemeClr>
+    </dgm:fillClrLst>
+    <dgm:linClrLst meth="repeat">
+      <a:schemeClr val="accent2">
+        <a:tint val="40000"/>
+        <a:alpha val="90000"/>
+      </a:schemeClr>
+      <a:schemeClr val="accent3">
+        <a:tint val="40000"/>
+        <a:alpha val="90000"/>
+      </a:schemeClr>
+      <a:schemeClr val="accent4">
+        <a:tint val="40000"/>
+        <a:alpha val="90000"/>
+      </a:schemeClr>
+      <a:schemeClr val="accent5">
+        <a:tint val="40000"/>
+        <a:alpha val="90000"/>
+      </a:schemeClr>
+      <a:schemeClr val="accent6">
+        <a:tint val="40000"/>
+        <a:alpha val="90000"/>
+      </a:schemeClr>
+    </dgm:linClrLst>
+    <dgm:effectClrLst/>
+    <dgm:txLinClrLst/>
+    <dgm:txFillClrLst meth="repeat">
+      <a:schemeClr val="dk1"/>
+    </dgm:txFillClrLst>
+    <dgm:txEffectClrLst/>
+  </dgm:styleLbl>
+  <dgm:styleLbl name="alignAccFollowNode1">
+    <dgm:fillClrLst meth="repeat">
+      <a:schemeClr val="accent2">
+        <a:tint val="40000"/>
+        <a:alpha val="90000"/>
+      </a:schemeClr>
+      <a:schemeClr val="accent3">
+        <a:tint val="40000"/>
+        <a:alpha val="90000"/>
+      </a:schemeClr>
+      <a:schemeClr val="accent4">
+        <a:tint val="40000"/>
+        <a:alpha val="90000"/>
+      </a:schemeClr>
+      <a:schemeClr val="accent5">
+        <a:tint val="40000"/>
+        <a:alpha val="90000"/>
+      </a:schemeClr>
+      <a:schemeClr val="accent6">
+        <a:tint val="40000"/>
+        <a:alpha val="90000"/>
+      </a:schemeClr>
+    </dgm:fillClrLst>
+    <dgm:linClrLst meth="repeat">
+      <a:schemeClr val="accent2">
+        <a:tint val="40000"/>
+        <a:alpha val="90000"/>
+      </a:schemeClr>
+      <a:schemeClr val="accent3">
+        <a:tint val="40000"/>
+        <a:alpha val="90000"/>
+      </a:schemeClr>
+      <a:schemeClr val="accent4">
+        <a:tint val="40000"/>
+        <a:alpha val="90000"/>
+      </a:schemeClr>
+      <a:schemeClr val="accent5">
+        <a:tint val="40000"/>
+        <a:alpha val="90000"/>
+      </a:schemeClr>
+      <a:schemeClr val="accent6">
+        <a:tint val="40000"/>
+        <a:alpha val="90000"/>
+      </a:schemeClr>
+    </dgm:linClrLst>
+    <dgm:effectClrLst/>
+    <dgm:txLinClrLst/>
+    <dgm:txFillClrLst meth="repeat">
+      <a:schemeClr val="dk1"/>
+    </dgm:txFillClrLst>
+    <dgm:txEffectClrLst/>
+  </dgm:styleLbl>
+  <dgm:styleLbl name="bgAccFollowNode1">
+    <dgm:fillClrLst meth="repeat">
+      <a:schemeClr val="accent2">
+        <a:tint val="40000"/>
+        <a:alpha val="90000"/>
+      </a:schemeClr>
+      <a:schemeClr val="accent3">
+        <a:tint val="40000"/>
+        <a:alpha val="90000"/>
+      </a:schemeClr>
+      <a:schemeClr val="accent4">
+        <a:tint val="40000"/>
+        <a:alpha val="90000"/>
+      </a:schemeClr>
+      <a:schemeClr val="accent5">
+        <a:tint val="40000"/>
+        <a:alpha val="90000"/>
+      </a:schemeClr>
+      <a:schemeClr val="accent6">
+        <a:tint val="40000"/>
+        <a:alpha val="90000"/>
+      </a:schemeClr>
+    </dgm:fillClrLst>
+    <dgm:linClrLst meth="repeat">
+      <a:schemeClr val="accent2">
+        <a:tint val="40000"/>
+        <a:alpha val="90000"/>
+      </a:schemeClr>
+      <a:schemeClr val="accent3">
+        <a:tint val="40000"/>
+        <a:alpha val="90000"/>
+      </a:schemeClr>
+      <a:schemeClr val="accent4">
+        <a:tint val="40000"/>
+        <a:alpha val="90000"/>
+      </a:schemeClr>
+      <a:schemeClr val="accent5">
+        <a:tint val="40000"/>
+        <a:alpha val="90000"/>
+      </a:schemeClr>
+      <a:schemeClr val="accent6">
+        <a:tint val="40000"/>
+        <a:alpha val="90000"/>
+      </a:schemeClr>
+    </dgm:linClrLst>
+    <dgm:effectClrLst/>
+    <dgm:txLinClrLst/>
+    <dgm:txFillClrLst meth="repeat">
+      <a:schemeClr val="dk1"/>
+    </dgm:txFillClrLst>
+    <dgm:txEffectClrLst/>
+  </dgm:styleLbl>
+  <dgm:styleLbl name="fgAcc0">
+    <dgm:fillClrLst meth="repeat">
+      <a:schemeClr val="lt1">
+        <a:alpha val="90000"/>
+      </a:schemeClr>
+    </dgm:fillClrLst>
+    <dgm:linClrLst>
+      <a:schemeClr val="accent1"/>
+    </dgm:linClrLst>
+    <dgm:effectClrLst/>
+    <dgm:txLinClrLst/>
+    <dgm:txFillClrLst meth="repeat">
+      <a:schemeClr val="dk1"/>
+    </dgm:txFillClrLst>
+    <dgm:txEffectClrLst/>
+  </dgm:styleLbl>
+  <dgm:styleLbl name="fgAcc2">
+    <dgm:fillClrLst meth="repeat">
+      <a:schemeClr val="lt1">
+        <a:alpha val="90000"/>
+      </a:schemeClr>
+    </dgm:fillClrLst>
+    <dgm:linClrLst>
+      <a:schemeClr val="accent2"/>
+    </dgm:linClrLst>
+    <dgm:effectClrLst/>
+    <dgm:txLinClrLst/>
+    <dgm:txFillClrLst meth="repeat">
+      <a:schemeClr val="dk1"/>
+    </dgm:txFillClrLst>
+    <dgm:txEffectClrLst/>
+  </dgm:styleLbl>
+  <dgm:styleLbl name="fgAcc3">
+    <dgm:fillClrLst meth="repeat">
+      <a:schemeClr val="lt1">
+        <a:alpha val="90000"/>
+      </a:schemeClr>
+    </dgm:fillClrLst>
+    <dgm:linClrLst>
+      <a:schemeClr val="accent3"/>
+    </dgm:linClrLst>
+    <dgm:effectClrLst/>
+    <dgm:txLinClrLst/>
+    <dgm:txFillClrLst meth="repeat">
+      <a:schemeClr val="dk1"/>
+    </dgm:txFillClrLst>
+    <dgm:txEffectClrLst/>
+  </dgm:styleLbl>
+  <dgm:styleLbl name="fgAcc4">
+    <dgm:fillClrLst meth="repeat">
+      <a:schemeClr val="lt1">
+        <a:alpha val="90000"/>
+      </a:schemeClr>
+    </dgm:fillClrLst>
+    <dgm:linClrLst>
+      <a:schemeClr val="accent4"/>
+    </dgm:linClrLst>
+    <dgm:effectClrLst/>
+    <dgm:txLinClrLst/>
+    <dgm:txFillClrLst meth="repeat">
+      <a:schemeClr val="dk1"/>
+    </dgm:txFillClrLst>
+    <dgm:txEffectClrLst/>
+  </dgm:styleLbl>
+  <dgm:styleLbl name="bgShp">
+    <dgm:fillClrLst meth="repeat">
+      <a:schemeClr val="accent2"/>
+      <a:schemeClr val="accent3"/>
+      <a:schemeClr val="accent4"/>
+      <a:schemeClr val="accent5"/>
+      <a:schemeClr val="accent6"/>
+    </dgm:fillClrLst>
+    <dgm:linClrLst meth="repeat">
+      <a:schemeClr val="lt1">
+        <a:alpha val="0"/>
+      </a:schemeClr>
+    </dgm:linClrLst>
+    <dgm:effectClrLst/>
+    <dgm:txLinClrLst/>
+    <dgm:txFillClrLst/>
+    <dgm:txEffectClrLst/>
+  </dgm:styleLbl>
+  <dgm:styleLbl name="dkBgShp">
+    <dgm:fillClrLst meth="repeat">
+      <a:schemeClr val="accent2">
+        <a:shade val="90000"/>
+      </a:schemeClr>
+    </dgm:fillClrLst>
+    <dgm:linClrLst meth="repeat">
+      <a:schemeClr val="dk1"/>
+    </dgm:linClrLst>
+    <dgm:effectClrLst/>
+    <dgm:txLinClrLst/>
+    <dgm:txFillClrLst meth="repeat">
+      <a:schemeClr val="lt1"/>
+    </dgm:txFillClrLst>
+    <dgm:txEffectClrLst/>
+  </dgm:styleLbl>
+  <dgm:styleLbl name="trBgShp">
+    <dgm:fillClrLst meth="repeat">
+      <a:schemeClr val="accent1">
+        <a:tint val="50000"/>
+        <a:alpha val="40000"/>
+      </a:schemeClr>
+    </dgm:fillClrLst>
+    <dgm:linClrLst meth="repeat">
+      <a:schemeClr val="accent2"/>
+    </dgm:linClrLst>
+    <dgm:effectClrLst/>
+    <dgm:txLinClrLst/>
+    <dgm:txFillClrLst meth="repeat">
+      <a:schemeClr val="lt1"/>
+    </dgm:txFillClrLst>
+    <dgm:txEffectClrLst/>
+  </dgm:styleLbl>
+  <dgm:styleLbl name="fgShp">
+    <dgm:fillClrLst meth="repeat">
+      <a:schemeClr val="accent2">
+        <a:tint val="40000"/>
+      </a:schemeClr>
+    </dgm:fillClrLst>
+    <dgm:linClrLst meth="repeat">
+      <a:schemeClr val="lt1"/>
+    </dgm:linClrLst>
+    <dgm:effectClrLst/>
+    <dgm:txLinClrLst/>
+    <dgm:txFillClrLst meth="repeat">
+      <a:schemeClr val="dk1"/>
+    </dgm:txFillClrLst>
+    <dgm:txEffectClrLst/>
+  </dgm:styleLbl>
+  <dgm:styleLbl name="revTx">
+    <dgm:fillClrLst meth="repeat">
+      <a:schemeClr val="lt1">
+        <a:alpha val="0"/>
+      </a:schemeClr>
+    </dgm:fillClrLst>
+    <dgm:linClrLst meth="repeat">
+      <a:schemeClr val="dk1">
+        <a:alpha val="0"/>
+      </a:schemeClr>
+    </dgm:linClrLst>
+    <dgm:effectClrLst/>
+    <dgm:txLinClrLst/>
+    <dgm:txFillClrLst meth="repeat">
+      <a:schemeClr val="bg1"/>
+    </dgm:txFillClrLst>
+    <dgm:txEffectClrLst/>
+  </dgm:styleLbl>
+</dgm:colorsDef>
+</file>
+
 <file path=ppt/diagrams/data1.xml><?xml version="1.0" encoding="utf-8"?>
 <dgm:dataModel xmlns:dgm="http://schemas.openxmlformats.org/drawingml/2006/diagram" xmlns:a="http://schemas.openxmlformats.org/drawingml/2006/main">
   <dgm:ptLst>
@@ -2426,8 +3347,8 @@
         </a:p>
       </dgm:t>
     </dgm:pt>
-    <mc:AlternateContent xmlns:mc="http://schemas.openxmlformats.org/markup-compatibility/2006">
-      <mc:Choice xmlns:a14="http://schemas.microsoft.com/office/drawing/2010/main" Requires="a14">
+    <mc:AlternateContent xmlns:mc="http://schemas.openxmlformats.org/markup-compatibility/2006" xmlns:a14="http://schemas.microsoft.com/office/drawing/2010/main">
+      <mc:Choice Requires="a14">
         <dgm:pt modelId="{AB0C7E2D-41EE-418A-829B-3C021274044C}">
           <dgm:prSet phldrT="[Text]" custT="1"/>
           <dgm:spPr/>
@@ -2578,7 +3499,7 @@
           </dgm:t>
         </dgm:pt>
       </mc:Choice>
-      <mc:Fallback>
+      <mc:Fallback xmlns="">
         <dgm:pt modelId="{AB0C7E2D-41EE-418A-829B-3C021274044C}">
           <dgm:prSet phldrT="[Text]" custT="1"/>
           <dgm:spPr/>
@@ -3423,8 +4344,8 @@
         </a:p>
       </dgm:t>
     </dgm:pt>
-    <mc:AlternateContent xmlns:mc="http://schemas.openxmlformats.org/markup-compatibility/2006">
-      <mc:Choice xmlns:a14="http://schemas.microsoft.com/office/drawing/2010/main" Requires="a14">
+    <mc:AlternateContent xmlns:mc="http://schemas.openxmlformats.org/markup-compatibility/2006" xmlns:a14="http://schemas.microsoft.com/office/drawing/2010/main">
+      <mc:Choice Requires="a14">
         <dgm:pt modelId="{9F108B3F-6BBA-4DBD-ABEB-8204C55C4D5C}">
           <dgm:prSet phldrT="[Text]" custT="1"/>
           <dgm:spPr/>
@@ -3432,6 +4353,7 @@
             <a:bodyPr/>
             <a:lstStyle/>
             <a:p>
+              <a:pPr/>
               <a14:m>
                 <m:oMathPara xmlns:m="http://schemas.openxmlformats.org/officeDocument/2006/math">
                   <m:oMathParaPr>
@@ -3462,6 +4384,7 @@
               <a:endParaRPr lang="en-CA" sz="2000" dirty="0"/>
             </a:p>
             <a:p>
+              <a:pPr/>
               <a14:m>
                 <m:oMathPara xmlns:m="http://schemas.openxmlformats.org/officeDocument/2006/math">
                   <m:oMathParaPr>
@@ -3506,7 +4429,7 @@
           </dgm:t>
         </dgm:pt>
       </mc:Choice>
-      <mc:Fallback>
+      <mc:Fallback xmlns="">
         <dgm:pt modelId="{9F108B3F-6BBA-4DBD-ABEB-8204C55C4D5C}">
           <dgm:prSet phldrT="[Text]" custT="1"/>
           <dgm:spPr/>
@@ -3569,8 +4492,8 @@
         </a:p>
       </dgm:t>
     </dgm:pt>
-    <mc:AlternateContent xmlns:mc="http://schemas.openxmlformats.org/markup-compatibility/2006">
-      <mc:Choice xmlns:a14="http://schemas.microsoft.com/office/drawing/2010/main" Requires="a14">
+    <mc:AlternateContent xmlns:mc="http://schemas.openxmlformats.org/markup-compatibility/2006" xmlns:a14="http://schemas.microsoft.com/office/drawing/2010/main">
+      <mc:Choice Requires="a14">
         <dgm:pt modelId="{8EBCE6AD-6F1E-447B-B27B-3AC761296051}">
           <dgm:prSet phldrT="[Text]" custT="1"/>
           <dgm:spPr>
@@ -3582,6 +4505,7 @@
             <a:bodyPr/>
             <a:lstStyle/>
             <a:p>
+              <a:pPr/>
               <a14:m>
                 <m:oMathPara xmlns:m="http://schemas.openxmlformats.org/officeDocument/2006/math">
                   <m:oMathParaPr>
@@ -3612,6 +4536,7 @@
               <a:endParaRPr lang="en-CA" sz="2000" dirty="0"/>
             </a:p>
             <a:p>
+              <a:pPr/>
               <a14:m>
                 <m:oMathPara xmlns:m="http://schemas.openxmlformats.org/officeDocument/2006/math">
                   <m:oMathParaPr>
@@ -3656,7 +4581,7 @@
           </dgm:t>
         </dgm:pt>
       </mc:Choice>
-      <mc:Fallback>
+      <mc:Fallback xmlns="">
         <dgm:pt modelId="{8EBCE6AD-6F1E-447B-B27B-3AC761296051}">
           <dgm:prSet phldrT="[Text]" custT="1"/>
           <dgm:spPr>
@@ -3723,8 +4648,8 @@
         </a:p>
       </dgm:t>
     </dgm:pt>
-    <mc:AlternateContent xmlns:mc="http://schemas.openxmlformats.org/markup-compatibility/2006">
-      <mc:Choice xmlns:a14="http://schemas.microsoft.com/office/drawing/2010/main" Requires="a14">
+    <mc:AlternateContent xmlns:mc="http://schemas.openxmlformats.org/markup-compatibility/2006" xmlns:a14="http://schemas.microsoft.com/office/drawing/2010/main">
+      <mc:Choice Requires="a14">
         <dgm:pt modelId="{7DAA92B8-8A86-497B-91AA-F86731CD1032}">
           <dgm:prSet phldrT="[Text]" custT="1"/>
           <dgm:spPr>
@@ -3736,6 +4661,7 @@
             <a:bodyPr/>
             <a:lstStyle/>
             <a:p>
+              <a:pPr/>
               <a14:m>
                 <m:oMathPara xmlns:m="http://schemas.openxmlformats.org/officeDocument/2006/math">
                   <m:oMathParaPr>
@@ -3766,6 +4692,7 @@
               <a:endParaRPr lang="en-CA" sz="2000" dirty="0"/>
             </a:p>
             <a:p>
+              <a:pPr/>
               <a14:m>
                 <m:oMathPara xmlns:m="http://schemas.openxmlformats.org/officeDocument/2006/math">
                   <m:oMathParaPr>
@@ -3822,7 +4749,7 @@
           </dgm:t>
         </dgm:pt>
       </mc:Choice>
-      <mc:Fallback>
+      <mc:Fallback xmlns="">
         <dgm:pt modelId="{7DAA92B8-8A86-497B-91AA-F86731CD1032}">
           <dgm:prSet phldrT="[Text]" custT="1"/>
           <dgm:spPr>
@@ -4880,8 +5807,8 @@
         </a:p>
       </dgm:t>
     </dgm:pt>
-    <mc:AlternateContent xmlns:mc="http://schemas.openxmlformats.org/markup-compatibility/2006">
-      <mc:Choice xmlns:a14="http://schemas.microsoft.com/office/drawing/2010/main" Requires="a14">
+    <mc:AlternateContent xmlns:mc="http://schemas.openxmlformats.org/markup-compatibility/2006" xmlns:a14="http://schemas.microsoft.com/office/drawing/2010/main">
+      <mc:Choice Requires="a14">
         <dgm:pt modelId="{8227E201-BEC3-4FB6-8378-46CD1810C796}">
           <dgm:prSet phldrT="[Text]" custT="1"/>
           <dgm:spPr/>
@@ -5008,7 +5935,7 @@
           </dgm:t>
         </dgm:pt>
       </mc:Choice>
-      <mc:Fallback>
+      <mc:Fallback xmlns="">
         <dgm:pt modelId="{8227E201-BEC3-4FB6-8378-46CD1810C796}">
           <dgm:prSet phldrT="[Text]" custT="1"/>
           <dgm:spPr/>
@@ -5058,8 +5985,8 @@
         </a:p>
       </dgm:t>
     </dgm:pt>
-    <mc:AlternateContent xmlns:mc="http://schemas.openxmlformats.org/markup-compatibility/2006">
-      <mc:Choice xmlns:a14="http://schemas.microsoft.com/office/drawing/2010/main" Requires="a14">
+    <mc:AlternateContent xmlns:mc="http://schemas.openxmlformats.org/markup-compatibility/2006" xmlns:a14="http://schemas.microsoft.com/office/drawing/2010/main">
+      <mc:Choice Requires="a14">
         <dgm:pt modelId="{FE8FC3C3-DB25-4BC3-9B44-4B29CC32A894}">
           <dgm:prSet phldrT="[Text]" custT="1"/>
           <dgm:spPr/>
@@ -5108,7 +6035,7 @@
           </dgm:t>
         </dgm:pt>
       </mc:Choice>
-      <mc:Fallback>
+      <mc:Fallback xmlns="">
         <dgm:pt modelId="{FE8FC3C3-DB25-4BC3-9B44-4B29CC32A894}">
           <dgm:prSet phldrT="[Text]" custT="1"/>
           <dgm:spPr/>
@@ -5158,8 +6085,8 @@
         </a:p>
       </dgm:t>
     </dgm:pt>
-    <mc:AlternateContent xmlns:mc="http://schemas.openxmlformats.org/markup-compatibility/2006">
-      <mc:Choice xmlns:a14="http://schemas.microsoft.com/office/drawing/2010/main" Requires="a14">
+    <mc:AlternateContent xmlns:mc="http://schemas.openxmlformats.org/markup-compatibility/2006" xmlns:a14="http://schemas.microsoft.com/office/drawing/2010/main">
+      <mc:Choice Requires="a14">
         <dgm:pt modelId="{6948C78E-971C-43DD-8251-1627287E2211}">
           <dgm:prSet phldrT="[Text]" custT="1"/>
           <dgm:spPr/>
@@ -5290,7 +6217,7 @@
           </dgm:t>
         </dgm:pt>
       </mc:Choice>
-      <mc:Fallback>
+      <mc:Fallback xmlns="">
         <dgm:pt modelId="{6948C78E-971C-43DD-8251-1627287E2211}">
           <dgm:prSet phldrT="[Text]" custT="1"/>
           <dgm:spPr/>
@@ -5344,8 +6271,8 @@
         </a:p>
       </dgm:t>
     </dgm:pt>
-    <mc:AlternateContent xmlns:mc="http://schemas.openxmlformats.org/markup-compatibility/2006">
-      <mc:Choice xmlns:a14="http://schemas.microsoft.com/office/drawing/2010/main" Requires="a14">
+    <mc:AlternateContent xmlns:mc="http://schemas.openxmlformats.org/markup-compatibility/2006" xmlns:a14="http://schemas.microsoft.com/office/drawing/2010/main">
+      <mc:Choice Requires="a14">
         <dgm:pt modelId="{355AC45A-4323-4609-B7B2-C1DE7FF1AF33}">
           <dgm:prSet phldrT="[Text]" custT="1"/>
           <dgm:spPr/>
@@ -5496,7 +6423,7 @@
           </dgm:t>
         </dgm:pt>
       </mc:Choice>
-      <mc:Fallback>
+      <mc:Fallback xmlns="">
         <dgm:pt modelId="{355AC45A-4323-4609-B7B2-C1DE7FF1AF33}">
           <dgm:prSet phldrT="[Text]" custT="1"/>
           <dgm:spPr/>
@@ -5546,8 +6473,8 @@
         </a:p>
       </dgm:t>
     </dgm:pt>
-    <mc:AlternateContent xmlns:mc="http://schemas.openxmlformats.org/markup-compatibility/2006">
-      <mc:Choice xmlns:a14="http://schemas.microsoft.com/office/drawing/2010/main" Requires="a14">
+    <mc:AlternateContent xmlns:mc="http://schemas.openxmlformats.org/markup-compatibility/2006" xmlns:a14="http://schemas.microsoft.com/office/drawing/2010/main">
+      <mc:Choice Requires="a14">
         <dgm:pt modelId="{E330D462-059F-489D-9472-062109BD9166}">
           <dgm:prSet phldrT="[Text]" custT="1"/>
           <dgm:spPr/>
@@ -5756,7 +6683,7 @@
           </dgm:t>
         </dgm:pt>
       </mc:Choice>
-      <mc:Fallback>
+      <mc:Fallback xmlns="">
         <dgm:pt modelId="{E330D462-059F-489D-9472-062109BD9166}">
           <dgm:prSet phldrT="[Text]" custT="1"/>
           <dgm:spPr/>
@@ -5879,8 +6806,8 @@
         </a:p>
       </dgm:t>
     </dgm:pt>
-    <mc:AlternateContent xmlns:mc="http://schemas.openxmlformats.org/markup-compatibility/2006">
-      <mc:Choice xmlns:a14="http://schemas.microsoft.com/office/drawing/2010/main" Requires="a14">
+    <mc:AlternateContent xmlns:mc="http://schemas.openxmlformats.org/markup-compatibility/2006" xmlns:a14="http://schemas.microsoft.com/office/drawing/2010/main">
+      <mc:Choice Requires="a14">
         <dgm:pt modelId="{6F896ECF-3EA7-43E3-ABA0-2DBA5C7C45C0}">
           <dgm:prSet phldrT="[Text]" custT="1"/>
           <dgm:spPr/>
@@ -5995,7 +6922,7 @@
           </dgm:t>
         </dgm:pt>
       </mc:Choice>
-      <mc:Fallback>
+      <mc:Fallback xmlns="">
         <dgm:pt modelId="{6F896ECF-3EA7-43E3-ABA0-2DBA5C7C45C0}">
           <dgm:prSet phldrT="[Text]" custT="1"/>
           <dgm:spPr/>
@@ -6600,6 +7527,357 @@
   <dgm:extLst>
     <a:ext uri="http://schemas.microsoft.com/office/drawing/2008/diagram">
       <dsp:dataModelExt xmlns:dsp="http://schemas.microsoft.com/office/drawing/2008/diagram" relId="rId7" minVer="http://schemas.openxmlformats.org/drawingml/2006/diagram"/>
+    </a:ext>
+  </dgm:extLst>
+</dgm:dataModel>
+</file>
+
+<file path=ppt/diagrams/data7.xml><?xml version="1.0" encoding="utf-8"?>
+<dgm:dataModel xmlns:dgm="http://schemas.openxmlformats.org/drawingml/2006/diagram" xmlns:a="http://schemas.openxmlformats.org/drawingml/2006/main">
+  <dgm:ptLst>
+    <dgm:pt modelId="{E9FBFB6B-4C91-4063-87CE-3B3A7364F63B}" type="doc">
+      <dgm:prSet loTypeId="urn:microsoft.com/office/officeart/2018/2/layout/IconVerticalSolidList" loCatId="icon" qsTypeId="urn:microsoft.com/office/officeart/2005/8/quickstyle/simple1" qsCatId="simple" csTypeId="urn:microsoft.com/office/officeart/2018/5/colors/Iconchunking_neutralicontext_colorful1" csCatId="colorful" phldr="1"/>
+      <dgm:spPr/>
+      <dgm:t>
+        <a:bodyPr/>
+        <a:lstStyle/>
+        <a:p>
+          <a:endParaRPr lang="en-US"/>
+        </a:p>
+      </dgm:t>
+    </dgm:pt>
+    <dgm:pt modelId="{8E9C524F-AFD4-45EE-AE61-BFF7D12FD454}">
+      <dgm:prSet/>
+      <dgm:spPr/>
+      <dgm:t>
+        <a:bodyPr/>
+        <a:lstStyle/>
+        <a:p>
+          <a:pPr>
+            <a:lnSpc>
+              <a:spcPct val="100000"/>
+            </a:lnSpc>
+          </a:pPr>
+          <a:r>
+            <a:rPr lang="en-CA"/>
+            <a:t>Identify each company by their financial accounts rather than extraneous information</a:t>
+          </a:r>
+          <a:endParaRPr lang="en-US"/>
+        </a:p>
+      </dgm:t>
+    </dgm:pt>
+    <dgm:pt modelId="{CFB575A6-602E-4154-A06D-D10A3B475457}" type="parTrans" cxnId="{77C8D5F2-AEAC-4E35-9F99-D881DA3A1903}">
+      <dgm:prSet/>
+      <dgm:spPr/>
+      <dgm:t>
+        <a:bodyPr/>
+        <a:lstStyle/>
+        <a:p>
+          <a:endParaRPr lang="en-US"/>
+        </a:p>
+      </dgm:t>
+    </dgm:pt>
+    <dgm:pt modelId="{FF8D7D96-4E11-4620-A115-5BCA00F6B948}" type="sibTrans" cxnId="{77C8D5F2-AEAC-4E35-9F99-D881DA3A1903}">
+      <dgm:prSet/>
+      <dgm:spPr/>
+      <dgm:t>
+        <a:bodyPr/>
+        <a:lstStyle/>
+        <a:p>
+          <a:pPr>
+            <a:lnSpc>
+              <a:spcPct val="100000"/>
+            </a:lnSpc>
+          </a:pPr>
+          <a:endParaRPr lang="en-US"/>
+        </a:p>
+      </dgm:t>
+    </dgm:pt>
+    <dgm:pt modelId="{6AEAE754-498B-4209-8A15-C18E1DCB3323}">
+      <dgm:prSet/>
+      <dgm:spPr/>
+      <dgm:t>
+        <a:bodyPr/>
+        <a:lstStyle/>
+        <a:p>
+          <a:pPr>
+            <a:lnSpc>
+              <a:spcPct val="100000"/>
+            </a:lnSpc>
+          </a:pPr>
+          <a:r>
+            <a:rPr lang="en-CA" b="1"/>
+            <a:t>Can exactly identify which users are doing transactions for which company</a:t>
+          </a:r>
+          <a:endParaRPr lang="en-US"/>
+        </a:p>
+      </dgm:t>
+    </dgm:pt>
+    <dgm:pt modelId="{22980C52-8858-460B-9F2A-CACAAB49BEAE}" type="parTrans" cxnId="{D04AF579-17E4-4F7A-B44B-10734A65C838}">
+      <dgm:prSet/>
+      <dgm:spPr/>
+      <dgm:t>
+        <a:bodyPr/>
+        <a:lstStyle/>
+        <a:p>
+          <a:endParaRPr lang="en-US"/>
+        </a:p>
+      </dgm:t>
+    </dgm:pt>
+    <dgm:pt modelId="{D583D6B2-D24D-46F9-9CC4-A44FEC2FC9CF}" type="sibTrans" cxnId="{D04AF579-17E4-4F7A-B44B-10734A65C838}">
+      <dgm:prSet/>
+      <dgm:spPr/>
+      <dgm:t>
+        <a:bodyPr/>
+        <a:lstStyle/>
+        <a:p>
+          <a:pPr>
+            <a:lnSpc>
+              <a:spcPct val="100000"/>
+            </a:lnSpc>
+          </a:pPr>
+          <a:endParaRPr lang="en-US"/>
+        </a:p>
+      </dgm:t>
+    </dgm:pt>
+    <dgm:pt modelId="{27B1D931-845A-407E-A98E-1A51DC27056F}">
+      <dgm:prSet/>
+      <dgm:spPr/>
+      <dgm:t>
+        <a:bodyPr/>
+        <a:lstStyle/>
+        <a:p>
+          <a:pPr>
+            <a:lnSpc>
+              <a:spcPct val="100000"/>
+            </a:lnSpc>
+          </a:pPr>
+          <a:r>
+            <a:rPr lang="en-CA"/>
+            <a:t>Estimate size of company by analysis of transactions instead of bandwidth consumption</a:t>
+          </a:r>
+          <a:endParaRPr lang="en-US"/>
+        </a:p>
+      </dgm:t>
+    </dgm:pt>
+    <dgm:pt modelId="{66C2CAF2-0DB9-4359-BF04-0A1B84C2D474}" type="parTrans" cxnId="{EDA17928-0EAF-465C-96DE-C719F938A590}">
+      <dgm:prSet/>
+      <dgm:spPr/>
+      <dgm:t>
+        <a:bodyPr/>
+        <a:lstStyle/>
+        <a:p>
+          <a:endParaRPr lang="en-US"/>
+        </a:p>
+      </dgm:t>
+    </dgm:pt>
+    <dgm:pt modelId="{7D21B509-DBD4-4289-8464-6CD792E0179B}" type="sibTrans" cxnId="{EDA17928-0EAF-465C-96DE-C719F938A590}">
+      <dgm:prSet/>
+      <dgm:spPr/>
+      <dgm:t>
+        <a:bodyPr/>
+        <a:lstStyle/>
+        <a:p>
+          <a:endParaRPr lang="en-US"/>
+        </a:p>
+      </dgm:t>
+    </dgm:pt>
+    <dgm:pt modelId="{6C4150E8-C9D6-44F0-89A5-08514ECCD661}" type="pres">
+      <dgm:prSet presAssocID="{E9FBFB6B-4C91-4063-87CE-3B3A7364F63B}" presName="root" presStyleCnt="0">
+        <dgm:presLayoutVars>
+          <dgm:dir/>
+          <dgm:resizeHandles val="exact"/>
+        </dgm:presLayoutVars>
+      </dgm:prSet>
+      <dgm:spPr/>
+    </dgm:pt>
+    <dgm:pt modelId="{9E9854B8-1A18-4065-B275-7548AC9B9021}" type="pres">
+      <dgm:prSet presAssocID="{8E9C524F-AFD4-45EE-AE61-BFF7D12FD454}" presName="compNode" presStyleCnt="0"/>
+      <dgm:spPr/>
+    </dgm:pt>
+    <dgm:pt modelId="{9BC3FC8F-F41E-4EDD-B590-72AD943FC167}" type="pres">
+      <dgm:prSet presAssocID="{8E9C524F-AFD4-45EE-AE61-BFF7D12FD454}" presName="bgRect" presStyleLbl="bgShp" presStyleIdx="0" presStyleCnt="3"/>
+      <dgm:spPr/>
+    </dgm:pt>
+    <dgm:pt modelId="{7A3C01E4-C3A7-4A22-9551-FF57EDEA922F}" type="pres">
+      <dgm:prSet presAssocID="{8E9C524F-AFD4-45EE-AE61-BFF7D12FD454}" presName="iconRect" presStyleLbl="node1" presStyleIdx="0" presStyleCnt="3"/>
+      <dgm:spPr>
+        <a:blipFill>
+          <a:blip xmlns:r="http://schemas.openxmlformats.org/officeDocument/2006/relationships" r:embed="rId1">
+            <a:extLst>
+              <a:ext uri="{28A0092B-C50C-407E-A947-70E740481C1C}">
+                <a14:useLocalDpi xmlns:a14="http://schemas.microsoft.com/office/drawing/2010/main" val="0"/>
+              </a:ext>
+              <a:ext uri="{96DAC541-7B7A-43D3-8B79-37D633B846F1}">
+                <asvg:svgBlip xmlns:asvg="http://schemas.microsoft.com/office/drawing/2016/SVG/main" r:embed="rId2"/>
+              </a:ext>
+            </a:extLst>
+          </a:blip>
+          <a:stretch>
+            <a:fillRect/>
+          </a:stretch>
+        </a:blipFill>
+        <a:ln>
+          <a:noFill/>
+        </a:ln>
+      </dgm:spPr>
+      <dgm:extLst>
+        <a:ext uri="{E40237B7-FDA0-4F09-8148-C483321AD2D9}">
+          <dgm14:cNvPr xmlns:dgm14="http://schemas.microsoft.com/office/drawing/2010/diagram" id="0" name="" descr="Magnifying glass"/>
+        </a:ext>
+      </dgm:extLst>
+    </dgm:pt>
+    <dgm:pt modelId="{0455485A-697F-4DC2-8032-75A5D7472055}" type="pres">
+      <dgm:prSet presAssocID="{8E9C524F-AFD4-45EE-AE61-BFF7D12FD454}" presName="spaceRect" presStyleCnt="0"/>
+      <dgm:spPr/>
+    </dgm:pt>
+    <dgm:pt modelId="{C49F7FE5-713D-4A3F-B526-9A7DA26695A2}" type="pres">
+      <dgm:prSet presAssocID="{8E9C524F-AFD4-45EE-AE61-BFF7D12FD454}" presName="parTx" presStyleLbl="revTx" presStyleIdx="0" presStyleCnt="3">
+        <dgm:presLayoutVars>
+          <dgm:chMax val="0"/>
+          <dgm:chPref val="0"/>
+        </dgm:presLayoutVars>
+      </dgm:prSet>
+      <dgm:spPr/>
+    </dgm:pt>
+    <dgm:pt modelId="{1EFB6981-9DAE-4256-B5D7-90D1FEC1BF8B}" type="pres">
+      <dgm:prSet presAssocID="{FF8D7D96-4E11-4620-A115-5BCA00F6B948}" presName="sibTrans" presStyleCnt="0"/>
+      <dgm:spPr/>
+    </dgm:pt>
+    <dgm:pt modelId="{31F85162-F443-428E-93A6-043888FC3151}" type="pres">
+      <dgm:prSet presAssocID="{6AEAE754-498B-4209-8A15-C18E1DCB3323}" presName="compNode" presStyleCnt="0"/>
+      <dgm:spPr/>
+    </dgm:pt>
+    <dgm:pt modelId="{3F7373A5-8A9A-499D-BFC8-DF5C23DC8192}" type="pres">
+      <dgm:prSet presAssocID="{6AEAE754-498B-4209-8A15-C18E1DCB3323}" presName="bgRect" presStyleLbl="bgShp" presStyleIdx="1" presStyleCnt="3"/>
+      <dgm:spPr/>
+    </dgm:pt>
+    <dgm:pt modelId="{168C218A-42D8-4F87-89EC-4CD9071CD889}" type="pres">
+      <dgm:prSet presAssocID="{6AEAE754-498B-4209-8A15-C18E1DCB3323}" presName="iconRect" presStyleLbl="node1" presStyleIdx="1" presStyleCnt="3"/>
+      <dgm:spPr>
+        <a:blipFill>
+          <a:blip xmlns:r="http://schemas.openxmlformats.org/officeDocument/2006/relationships" r:embed="rId3">
+            <a:extLst>
+              <a:ext uri="{28A0092B-C50C-407E-A947-70E740481C1C}">
+                <a14:useLocalDpi xmlns:a14="http://schemas.microsoft.com/office/drawing/2010/main" val="0"/>
+              </a:ext>
+              <a:ext uri="{96DAC541-7B7A-43D3-8B79-37D633B846F1}">
+                <asvg:svgBlip xmlns:asvg="http://schemas.microsoft.com/office/drawing/2016/SVG/main" r:embed="rId4"/>
+              </a:ext>
+            </a:extLst>
+          </a:blip>
+          <a:stretch>
+            <a:fillRect/>
+          </a:stretch>
+        </a:blipFill>
+        <a:ln>
+          <a:noFill/>
+        </a:ln>
+      </dgm:spPr>
+      <dgm:extLst>
+        <a:ext uri="{E40237B7-FDA0-4F09-8148-C483321AD2D9}">
+          <dgm14:cNvPr xmlns:dgm14="http://schemas.microsoft.com/office/drawing/2010/diagram" id="0" name="" descr="Checkmark"/>
+        </a:ext>
+      </dgm:extLst>
+    </dgm:pt>
+    <dgm:pt modelId="{6F1AEDCE-128E-4A5F-BABF-777E7E00D345}" type="pres">
+      <dgm:prSet presAssocID="{6AEAE754-498B-4209-8A15-C18E1DCB3323}" presName="spaceRect" presStyleCnt="0"/>
+      <dgm:spPr/>
+    </dgm:pt>
+    <dgm:pt modelId="{8FDEE7D8-E72D-4786-ACED-6CAA730D91FA}" type="pres">
+      <dgm:prSet presAssocID="{6AEAE754-498B-4209-8A15-C18E1DCB3323}" presName="parTx" presStyleLbl="revTx" presStyleIdx="1" presStyleCnt="3">
+        <dgm:presLayoutVars>
+          <dgm:chMax val="0"/>
+          <dgm:chPref val="0"/>
+        </dgm:presLayoutVars>
+      </dgm:prSet>
+      <dgm:spPr/>
+    </dgm:pt>
+    <dgm:pt modelId="{29AD9461-2B36-46AE-8621-065D61AE0771}" type="pres">
+      <dgm:prSet presAssocID="{D583D6B2-D24D-46F9-9CC4-A44FEC2FC9CF}" presName="sibTrans" presStyleCnt="0"/>
+      <dgm:spPr/>
+    </dgm:pt>
+    <dgm:pt modelId="{D53804EE-A4AA-4296-893A-BEE12B146BFE}" type="pres">
+      <dgm:prSet presAssocID="{27B1D931-845A-407E-A98E-1A51DC27056F}" presName="compNode" presStyleCnt="0"/>
+      <dgm:spPr/>
+    </dgm:pt>
+    <dgm:pt modelId="{CB25E948-519B-43EA-8EB3-82BEB9777B93}" type="pres">
+      <dgm:prSet presAssocID="{27B1D931-845A-407E-A98E-1A51DC27056F}" presName="bgRect" presStyleLbl="bgShp" presStyleIdx="2" presStyleCnt="3"/>
+      <dgm:spPr/>
+    </dgm:pt>
+    <dgm:pt modelId="{3E717B2B-74CE-42CF-8E6C-D972B6110BB2}" type="pres">
+      <dgm:prSet presAssocID="{27B1D931-845A-407E-A98E-1A51DC27056F}" presName="iconRect" presStyleLbl="node1" presStyleIdx="2" presStyleCnt="3"/>
+      <dgm:spPr>
+        <a:blipFill>
+          <a:blip xmlns:r="http://schemas.openxmlformats.org/officeDocument/2006/relationships" r:embed="rId5">
+            <a:extLst>
+              <a:ext uri="{28A0092B-C50C-407E-A947-70E740481C1C}">
+                <a14:useLocalDpi xmlns:a14="http://schemas.microsoft.com/office/drawing/2010/main" val="0"/>
+              </a:ext>
+              <a:ext uri="{96DAC541-7B7A-43D3-8B79-37D633B846F1}">
+                <asvg:svgBlip xmlns:asvg="http://schemas.microsoft.com/office/drawing/2016/SVG/main" r:embed="rId6"/>
+              </a:ext>
+            </a:extLst>
+          </a:blip>
+          <a:stretch>
+            <a:fillRect/>
+          </a:stretch>
+        </a:blipFill>
+        <a:ln>
+          <a:noFill/>
+        </a:ln>
+      </dgm:spPr>
+      <dgm:extLst>
+        <a:ext uri="{E40237B7-FDA0-4F09-8148-C483321AD2D9}">
+          <dgm14:cNvPr xmlns:dgm14="http://schemas.microsoft.com/office/drawing/2010/diagram" id="0" name="" descr="Group of People"/>
+        </a:ext>
+      </dgm:extLst>
+    </dgm:pt>
+    <dgm:pt modelId="{B7378245-5E74-438B-AAB5-BE8B62D713F2}" type="pres">
+      <dgm:prSet presAssocID="{27B1D931-845A-407E-A98E-1A51DC27056F}" presName="spaceRect" presStyleCnt="0"/>
+      <dgm:spPr/>
+    </dgm:pt>
+    <dgm:pt modelId="{BEE6AC86-0453-42DF-9A4E-F26C99E1FAA0}" type="pres">
+      <dgm:prSet presAssocID="{27B1D931-845A-407E-A98E-1A51DC27056F}" presName="parTx" presStyleLbl="revTx" presStyleIdx="2" presStyleCnt="3">
+        <dgm:presLayoutVars>
+          <dgm:chMax val="0"/>
+          <dgm:chPref val="0"/>
+        </dgm:presLayoutVars>
+      </dgm:prSet>
+      <dgm:spPr/>
+    </dgm:pt>
+  </dgm:ptLst>
+  <dgm:cxnLst>
+    <dgm:cxn modelId="{CE5E4903-241D-448A-AA85-158FB3293A89}" type="presOf" srcId="{E9FBFB6B-4C91-4063-87CE-3B3A7364F63B}" destId="{6C4150E8-C9D6-44F0-89A5-08514ECCD661}" srcOrd="0" destOrd="0" presId="urn:microsoft.com/office/officeart/2018/2/layout/IconVerticalSolidList"/>
+    <dgm:cxn modelId="{0D942927-F97F-4496-A1F1-D4A3C18853C6}" type="presOf" srcId="{8E9C524F-AFD4-45EE-AE61-BFF7D12FD454}" destId="{C49F7FE5-713D-4A3F-B526-9A7DA26695A2}" srcOrd="0" destOrd="0" presId="urn:microsoft.com/office/officeart/2018/2/layout/IconVerticalSolidList"/>
+    <dgm:cxn modelId="{EDA17928-0EAF-465C-96DE-C719F938A590}" srcId="{E9FBFB6B-4C91-4063-87CE-3B3A7364F63B}" destId="{27B1D931-845A-407E-A98E-1A51DC27056F}" srcOrd="2" destOrd="0" parTransId="{66C2CAF2-0DB9-4359-BF04-0A1B84C2D474}" sibTransId="{7D21B509-DBD4-4289-8464-6CD792E0179B}"/>
+    <dgm:cxn modelId="{D04AF579-17E4-4F7A-B44B-10734A65C838}" srcId="{E9FBFB6B-4C91-4063-87CE-3B3A7364F63B}" destId="{6AEAE754-498B-4209-8A15-C18E1DCB3323}" srcOrd="1" destOrd="0" parTransId="{22980C52-8858-460B-9F2A-CACAAB49BEAE}" sibTransId="{D583D6B2-D24D-46F9-9CC4-A44FEC2FC9CF}"/>
+    <dgm:cxn modelId="{A0C63382-9304-4333-BDEF-7A9CF0A635CE}" type="presOf" srcId="{6AEAE754-498B-4209-8A15-C18E1DCB3323}" destId="{8FDEE7D8-E72D-4786-ACED-6CAA730D91FA}" srcOrd="0" destOrd="0" presId="urn:microsoft.com/office/officeart/2018/2/layout/IconVerticalSolidList"/>
+    <dgm:cxn modelId="{535F078F-7A8B-4C49-A784-8CB4A1D711A8}" type="presOf" srcId="{27B1D931-845A-407E-A98E-1A51DC27056F}" destId="{BEE6AC86-0453-42DF-9A4E-F26C99E1FAA0}" srcOrd="0" destOrd="0" presId="urn:microsoft.com/office/officeart/2018/2/layout/IconVerticalSolidList"/>
+    <dgm:cxn modelId="{77C8D5F2-AEAC-4E35-9F99-D881DA3A1903}" srcId="{E9FBFB6B-4C91-4063-87CE-3B3A7364F63B}" destId="{8E9C524F-AFD4-45EE-AE61-BFF7D12FD454}" srcOrd="0" destOrd="0" parTransId="{CFB575A6-602E-4154-A06D-D10A3B475457}" sibTransId="{FF8D7D96-4E11-4620-A115-5BCA00F6B948}"/>
+    <dgm:cxn modelId="{AFFB9C87-F8A8-4479-BF65-03D5C320AE80}" type="presParOf" srcId="{6C4150E8-C9D6-44F0-89A5-08514ECCD661}" destId="{9E9854B8-1A18-4065-B275-7548AC9B9021}" srcOrd="0" destOrd="0" presId="urn:microsoft.com/office/officeart/2018/2/layout/IconVerticalSolidList"/>
+    <dgm:cxn modelId="{FFE02751-4270-48DA-93FA-D18D9402EEC4}" type="presParOf" srcId="{9E9854B8-1A18-4065-B275-7548AC9B9021}" destId="{9BC3FC8F-F41E-4EDD-B590-72AD943FC167}" srcOrd="0" destOrd="0" presId="urn:microsoft.com/office/officeart/2018/2/layout/IconVerticalSolidList"/>
+    <dgm:cxn modelId="{0AD6176B-336D-4B1F-857E-0CD1B4C5908A}" type="presParOf" srcId="{9E9854B8-1A18-4065-B275-7548AC9B9021}" destId="{7A3C01E4-C3A7-4A22-9551-FF57EDEA922F}" srcOrd="1" destOrd="0" presId="urn:microsoft.com/office/officeart/2018/2/layout/IconVerticalSolidList"/>
+    <dgm:cxn modelId="{5ED6F07D-4E47-48BC-8A5F-4ECCDF77429A}" type="presParOf" srcId="{9E9854B8-1A18-4065-B275-7548AC9B9021}" destId="{0455485A-697F-4DC2-8032-75A5D7472055}" srcOrd="2" destOrd="0" presId="urn:microsoft.com/office/officeart/2018/2/layout/IconVerticalSolidList"/>
+    <dgm:cxn modelId="{90D60095-77ED-4866-9494-90766C654966}" type="presParOf" srcId="{9E9854B8-1A18-4065-B275-7548AC9B9021}" destId="{C49F7FE5-713D-4A3F-B526-9A7DA26695A2}" srcOrd="3" destOrd="0" presId="urn:microsoft.com/office/officeart/2018/2/layout/IconVerticalSolidList"/>
+    <dgm:cxn modelId="{34C8DB00-26F7-4B3E-AF9C-E101473A2B87}" type="presParOf" srcId="{6C4150E8-C9D6-44F0-89A5-08514ECCD661}" destId="{1EFB6981-9DAE-4256-B5D7-90D1FEC1BF8B}" srcOrd="1" destOrd="0" presId="urn:microsoft.com/office/officeart/2018/2/layout/IconVerticalSolidList"/>
+    <dgm:cxn modelId="{FECA13A0-489F-43A2-916A-C96D69B3FA3C}" type="presParOf" srcId="{6C4150E8-C9D6-44F0-89A5-08514ECCD661}" destId="{31F85162-F443-428E-93A6-043888FC3151}" srcOrd="2" destOrd="0" presId="urn:microsoft.com/office/officeart/2018/2/layout/IconVerticalSolidList"/>
+    <dgm:cxn modelId="{8C5AA531-218D-483A-9FC3-15FECF08DB33}" type="presParOf" srcId="{31F85162-F443-428E-93A6-043888FC3151}" destId="{3F7373A5-8A9A-499D-BFC8-DF5C23DC8192}" srcOrd="0" destOrd="0" presId="urn:microsoft.com/office/officeart/2018/2/layout/IconVerticalSolidList"/>
+    <dgm:cxn modelId="{98D92E9C-95F3-4F35-8DDB-C0D0AF3D0597}" type="presParOf" srcId="{31F85162-F443-428E-93A6-043888FC3151}" destId="{168C218A-42D8-4F87-89EC-4CD9071CD889}" srcOrd="1" destOrd="0" presId="urn:microsoft.com/office/officeart/2018/2/layout/IconVerticalSolidList"/>
+    <dgm:cxn modelId="{872B8932-ADF7-4778-91EB-A5D6188666F4}" type="presParOf" srcId="{31F85162-F443-428E-93A6-043888FC3151}" destId="{6F1AEDCE-128E-4A5F-BABF-777E7E00D345}" srcOrd="2" destOrd="0" presId="urn:microsoft.com/office/officeart/2018/2/layout/IconVerticalSolidList"/>
+    <dgm:cxn modelId="{9542BC38-AB35-4AAD-9ABE-4905D9392E30}" type="presParOf" srcId="{31F85162-F443-428E-93A6-043888FC3151}" destId="{8FDEE7D8-E72D-4786-ACED-6CAA730D91FA}" srcOrd="3" destOrd="0" presId="urn:microsoft.com/office/officeart/2018/2/layout/IconVerticalSolidList"/>
+    <dgm:cxn modelId="{D5809374-CB07-4685-A075-28E97A6287B6}" type="presParOf" srcId="{6C4150E8-C9D6-44F0-89A5-08514ECCD661}" destId="{29AD9461-2B36-46AE-8621-065D61AE0771}" srcOrd="3" destOrd="0" presId="urn:microsoft.com/office/officeart/2018/2/layout/IconVerticalSolidList"/>
+    <dgm:cxn modelId="{C52DAC0E-C42D-4336-89E0-3F291C06EE80}" type="presParOf" srcId="{6C4150E8-C9D6-44F0-89A5-08514ECCD661}" destId="{D53804EE-A4AA-4296-893A-BEE12B146BFE}" srcOrd="4" destOrd="0" presId="urn:microsoft.com/office/officeart/2018/2/layout/IconVerticalSolidList"/>
+    <dgm:cxn modelId="{E9F03B6D-66FE-4922-A54E-01EA0BFFBF44}" type="presParOf" srcId="{D53804EE-A4AA-4296-893A-BEE12B146BFE}" destId="{CB25E948-519B-43EA-8EB3-82BEB9777B93}" srcOrd="0" destOrd="0" presId="urn:microsoft.com/office/officeart/2018/2/layout/IconVerticalSolidList"/>
+    <dgm:cxn modelId="{0BB4602D-CDFF-4F17-ACFA-28C3E6645241}" type="presParOf" srcId="{D53804EE-A4AA-4296-893A-BEE12B146BFE}" destId="{3E717B2B-74CE-42CF-8E6C-D972B6110BB2}" srcOrd="1" destOrd="0" presId="urn:microsoft.com/office/officeart/2018/2/layout/IconVerticalSolidList"/>
+    <dgm:cxn modelId="{BD08D47B-8D5C-4E4A-BD5A-FD7B4A8817CE}" type="presParOf" srcId="{D53804EE-A4AA-4296-893A-BEE12B146BFE}" destId="{B7378245-5E74-438B-AAB5-BE8B62D713F2}" srcOrd="2" destOrd="0" presId="urn:microsoft.com/office/officeart/2018/2/layout/IconVerticalSolidList"/>
+    <dgm:cxn modelId="{19E17770-FF73-4A53-8BF9-0656F9B34DC8}" type="presParOf" srcId="{D53804EE-A4AA-4296-893A-BEE12B146BFE}" destId="{BEE6AC86-0453-42DF-9A4E-F26C99E1FAA0}" srcOrd="3" destOrd="0" presId="urn:microsoft.com/office/officeart/2018/2/layout/IconVerticalSolidList"/>
+  </dgm:cxnLst>
+  <dgm:bg/>
+  <dgm:whole/>
+  <dgm:extLst>
+    <a:ext uri="http://schemas.microsoft.com/office/drawing/2008/diagram">
+      <dsp:dataModelExt xmlns:dsp="http://schemas.microsoft.com/office/drawing/2008/diagram" relId="rId6" minVer="http://schemas.openxmlformats.org/drawingml/2006/diagram"/>
     </a:ext>
   </dgm:extLst>
 </dgm:dataModel>
@@ -9568,6 +10846,474 @@
 </dsp:drawing>
 </file>
 
+<file path=ppt/diagrams/drawing4.xml><?xml version="1.0" encoding="utf-8"?>
+<dsp:drawing xmlns:dgm="http://schemas.openxmlformats.org/drawingml/2006/diagram" xmlns:dsp="http://schemas.microsoft.com/office/drawing/2008/diagram" xmlns:a="http://schemas.openxmlformats.org/drawingml/2006/main">
+  <dsp:spTree>
+    <dsp:nvGrpSpPr>
+      <dsp:cNvPr id="0" name=""/>
+      <dsp:cNvGrpSpPr/>
+    </dsp:nvGrpSpPr>
+    <dsp:grpSpPr/>
+    <dsp:sp modelId="{9BC3FC8F-F41E-4EDD-B590-72AD943FC167}">
+      <dsp:nvSpPr>
+        <dsp:cNvPr id="0" name=""/>
+        <dsp:cNvSpPr/>
+      </dsp:nvSpPr>
+      <dsp:spPr>
+        <a:xfrm>
+          <a:off x="0" y="718"/>
+          <a:ext cx="6513603" cy="1681139"/>
+        </a:xfrm>
+        <a:prstGeom prst="roundRect">
+          <a:avLst>
+            <a:gd name="adj" fmla="val 10000"/>
+          </a:avLst>
+        </a:prstGeom>
+        <a:solidFill>
+          <a:schemeClr val="accent2">
+            <a:hueOff val="0"/>
+            <a:satOff val="0"/>
+            <a:lumOff val="0"/>
+            <a:alphaOff val="0"/>
+          </a:schemeClr>
+        </a:solidFill>
+        <a:ln>
+          <a:noFill/>
+        </a:ln>
+        <a:effectLst/>
+      </dsp:spPr>
+      <dsp:style>
+        <a:lnRef idx="0">
+          <a:scrgbClr r="0" g="0" b="0"/>
+        </a:lnRef>
+        <a:fillRef idx="1">
+          <a:scrgbClr r="0" g="0" b="0"/>
+        </a:fillRef>
+        <a:effectRef idx="0">
+          <a:scrgbClr r="0" g="0" b="0"/>
+        </a:effectRef>
+        <a:fontRef idx="minor"/>
+      </dsp:style>
+    </dsp:sp>
+    <dsp:sp modelId="{7A3C01E4-C3A7-4A22-9551-FF57EDEA922F}">
+      <dsp:nvSpPr>
+        <dsp:cNvPr id="0" name=""/>
+        <dsp:cNvSpPr/>
+      </dsp:nvSpPr>
+      <dsp:spPr>
+        <a:xfrm>
+          <a:off x="508544" y="378974"/>
+          <a:ext cx="924626" cy="924626"/>
+        </a:xfrm>
+        <a:prstGeom prst="rect">
+          <a:avLst/>
+        </a:prstGeom>
+        <a:blipFill>
+          <a:blip xmlns:r="http://schemas.openxmlformats.org/officeDocument/2006/relationships" r:embed="rId1">
+            <a:extLst>
+              <a:ext uri="{28A0092B-C50C-407E-A947-70E740481C1C}">
+                <a14:useLocalDpi xmlns:a14="http://schemas.microsoft.com/office/drawing/2010/main" val="0"/>
+              </a:ext>
+              <a:ext uri="{96DAC541-7B7A-43D3-8B79-37D633B846F1}">
+                <asvg:svgBlip xmlns:asvg="http://schemas.microsoft.com/office/drawing/2016/SVG/main" r:embed="rId2"/>
+              </a:ext>
+            </a:extLst>
+          </a:blip>
+          <a:stretch>
+            <a:fillRect/>
+          </a:stretch>
+        </a:blipFill>
+        <a:ln w="12700" cap="flat" cmpd="sng" algn="ctr">
+          <a:noFill/>
+          <a:prstDash val="solid"/>
+          <a:miter lim="800000"/>
+        </a:ln>
+        <a:effectLst/>
+      </dsp:spPr>
+      <dsp:style>
+        <a:lnRef idx="2">
+          <a:scrgbClr r="0" g="0" b="0"/>
+        </a:lnRef>
+        <a:fillRef idx="1">
+          <a:scrgbClr r="0" g="0" b="0"/>
+        </a:fillRef>
+        <a:effectRef idx="0">
+          <a:scrgbClr r="0" g="0" b="0"/>
+        </a:effectRef>
+        <a:fontRef idx="minor">
+          <a:schemeClr val="lt1"/>
+        </a:fontRef>
+      </dsp:style>
+    </dsp:sp>
+    <dsp:sp modelId="{C49F7FE5-713D-4A3F-B526-9A7DA26695A2}">
+      <dsp:nvSpPr>
+        <dsp:cNvPr id="0" name=""/>
+        <dsp:cNvSpPr/>
+      </dsp:nvSpPr>
+      <dsp:spPr>
+        <a:xfrm>
+          <a:off x="1941716" y="718"/>
+          <a:ext cx="4571887" cy="1681139"/>
+        </a:xfrm>
+        <a:prstGeom prst="rect">
+          <a:avLst/>
+        </a:prstGeom>
+        <a:noFill/>
+        <a:ln>
+          <a:noFill/>
+        </a:ln>
+        <a:effectLst/>
+      </dsp:spPr>
+      <dsp:style>
+        <a:lnRef idx="0">
+          <a:scrgbClr r="0" g="0" b="0"/>
+        </a:lnRef>
+        <a:fillRef idx="0">
+          <a:scrgbClr r="0" g="0" b="0"/>
+        </a:fillRef>
+        <a:effectRef idx="0">
+          <a:scrgbClr r="0" g="0" b="0"/>
+        </a:effectRef>
+        <a:fontRef idx="minor"/>
+      </dsp:style>
+      <dsp:txBody>
+        <a:bodyPr spcFirstLastPara="0" vert="horz" wrap="square" lIns="177921" tIns="177921" rIns="177921" bIns="177921" numCol="1" spcCol="1270" anchor="ctr" anchorCtr="0">
+          <a:noAutofit/>
+        </a:bodyPr>
+        <a:lstStyle/>
+        <a:p>
+          <a:pPr marL="0" lvl="0" indent="0" algn="l" defTabSz="1111250">
+            <a:lnSpc>
+              <a:spcPct val="100000"/>
+            </a:lnSpc>
+            <a:spcBef>
+              <a:spcPct val="0"/>
+            </a:spcBef>
+            <a:spcAft>
+              <a:spcPct val="35000"/>
+            </a:spcAft>
+            <a:buNone/>
+          </a:pPr>
+          <a:r>
+            <a:rPr lang="en-CA" sz="2500" kern="1200"/>
+            <a:t>Identify each company by their financial accounts rather than extraneous information</a:t>
+          </a:r>
+          <a:endParaRPr lang="en-US" sz="2500" kern="1200"/>
+        </a:p>
+      </dsp:txBody>
+      <dsp:txXfrm>
+        <a:off x="1941716" y="718"/>
+        <a:ext cx="4571887" cy="1681139"/>
+      </dsp:txXfrm>
+    </dsp:sp>
+    <dsp:sp modelId="{3F7373A5-8A9A-499D-BFC8-DF5C23DC8192}">
+      <dsp:nvSpPr>
+        <dsp:cNvPr id="0" name=""/>
+        <dsp:cNvSpPr/>
+      </dsp:nvSpPr>
+      <dsp:spPr>
+        <a:xfrm>
+          <a:off x="0" y="2102143"/>
+          <a:ext cx="6513603" cy="1681139"/>
+        </a:xfrm>
+        <a:prstGeom prst="roundRect">
+          <a:avLst>
+            <a:gd name="adj" fmla="val 10000"/>
+          </a:avLst>
+        </a:prstGeom>
+        <a:solidFill>
+          <a:schemeClr val="accent3">
+            <a:hueOff val="0"/>
+            <a:satOff val="0"/>
+            <a:lumOff val="0"/>
+            <a:alphaOff val="0"/>
+          </a:schemeClr>
+        </a:solidFill>
+        <a:ln>
+          <a:noFill/>
+        </a:ln>
+        <a:effectLst/>
+      </dsp:spPr>
+      <dsp:style>
+        <a:lnRef idx="0">
+          <a:scrgbClr r="0" g="0" b="0"/>
+        </a:lnRef>
+        <a:fillRef idx="1">
+          <a:scrgbClr r="0" g="0" b="0"/>
+        </a:fillRef>
+        <a:effectRef idx="0">
+          <a:scrgbClr r="0" g="0" b="0"/>
+        </a:effectRef>
+        <a:fontRef idx="minor"/>
+      </dsp:style>
+    </dsp:sp>
+    <dsp:sp modelId="{168C218A-42D8-4F87-89EC-4CD9071CD889}">
+      <dsp:nvSpPr>
+        <dsp:cNvPr id="0" name=""/>
+        <dsp:cNvSpPr/>
+      </dsp:nvSpPr>
+      <dsp:spPr>
+        <a:xfrm>
+          <a:off x="508544" y="2480399"/>
+          <a:ext cx="924626" cy="924626"/>
+        </a:xfrm>
+        <a:prstGeom prst="rect">
+          <a:avLst/>
+        </a:prstGeom>
+        <a:blipFill>
+          <a:blip xmlns:r="http://schemas.openxmlformats.org/officeDocument/2006/relationships" r:embed="rId3">
+            <a:extLst>
+              <a:ext uri="{28A0092B-C50C-407E-A947-70E740481C1C}">
+                <a14:useLocalDpi xmlns:a14="http://schemas.microsoft.com/office/drawing/2010/main" val="0"/>
+              </a:ext>
+              <a:ext uri="{96DAC541-7B7A-43D3-8B79-37D633B846F1}">
+                <asvg:svgBlip xmlns:asvg="http://schemas.microsoft.com/office/drawing/2016/SVG/main" r:embed="rId4"/>
+              </a:ext>
+            </a:extLst>
+          </a:blip>
+          <a:stretch>
+            <a:fillRect/>
+          </a:stretch>
+        </a:blipFill>
+        <a:ln w="12700" cap="flat" cmpd="sng" algn="ctr">
+          <a:noFill/>
+          <a:prstDash val="solid"/>
+          <a:miter lim="800000"/>
+        </a:ln>
+        <a:effectLst/>
+      </dsp:spPr>
+      <dsp:style>
+        <a:lnRef idx="2">
+          <a:scrgbClr r="0" g="0" b="0"/>
+        </a:lnRef>
+        <a:fillRef idx="1">
+          <a:scrgbClr r="0" g="0" b="0"/>
+        </a:fillRef>
+        <a:effectRef idx="0">
+          <a:scrgbClr r="0" g="0" b="0"/>
+        </a:effectRef>
+        <a:fontRef idx="minor">
+          <a:schemeClr val="lt1"/>
+        </a:fontRef>
+      </dsp:style>
+    </dsp:sp>
+    <dsp:sp modelId="{8FDEE7D8-E72D-4786-ACED-6CAA730D91FA}">
+      <dsp:nvSpPr>
+        <dsp:cNvPr id="0" name=""/>
+        <dsp:cNvSpPr/>
+      </dsp:nvSpPr>
+      <dsp:spPr>
+        <a:xfrm>
+          <a:off x="1941716" y="2102143"/>
+          <a:ext cx="4571887" cy="1681139"/>
+        </a:xfrm>
+        <a:prstGeom prst="rect">
+          <a:avLst/>
+        </a:prstGeom>
+        <a:noFill/>
+        <a:ln>
+          <a:noFill/>
+        </a:ln>
+        <a:effectLst/>
+      </dsp:spPr>
+      <dsp:style>
+        <a:lnRef idx="0">
+          <a:scrgbClr r="0" g="0" b="0"/>
+        </a:lnRef>
+        <a:fillRef idx="0">
+          <a:scrgbClr r="0" g="0" b="0"/>
+        </a:fillRef>
+        <a:effectRef idx="0">
+          <a:scrgbClr r="0" g="0" b="0"/>
+        </a:effectRef>
+        <a:fontRef idx="minor"/>
+      </dsp:style>
+      <dsp:txBody>
+        <a:bodyPr spcFirstLastPara="0" vert="horz" wrap="square" lIns="177921" tIns="177921" rIns="177921" bIns="177921" numCol="1" spcCol="1270" anchor="ctr" anchorCtr="0">
+          <a:noAutofit/>
+        </a:bodyPr>
+        <a:lstStyle/>
+        <a:p>
+          <a:pPr marL="0" lvl="0" indent="0" algn="l" defTabSz="1111250">
+            <a:lnSpc>
+              <a:spcPct val="100000"/>
+            </a:lnSpc>
+            <a:spcBef>
+              <a:spcPct val="0"/>
+            </a:spcBef>
+            <a:spcAft>
+              <a:spcPct val="35000"/>
+            </a:spcAft>
+            <a:buNone/>
+          </a:pPr>
+          <a:r>
+            <a:rPr lang="en-CA" sz="2500" b="1" kern="1200"/>
+            <a:t>Can exactly identify which users are doing transactions for which company</a:t>
+          </a:r>
+          <a:endParaRPr lang="en-US" sz="2500" kern="1200"/>
+        </a:p>
+      </dsp:txBody>
+      <dsp:txXfrm>
+        <a:off x="1941716" y="2102143"/>
+        <a:ext cx="4571887" cy="1681139"/>
+      </dsp:txXfrm>
+    </dsp:sp>
+    <dsp:sp modelId="{CB25E948-519B-43EA-8EB3-82BEB9777B93}">
+      <dsp:nvSpPr>
+        <dsp:cNvPr id="0" name=""/>
+        <dsp:cNvSpPr/>
+      </dsp:nvSpPr>
+      <dsp:spPr>
+        <a:xfrm>
+          <a:off x="0" y="4203567"/>
+          <a:ext cx="6513603" cy="1681139"/>
+        </a:xfrm>
+        <a:prstGeom prst="roundRect">
+          <a:avLst>
+            <a:gd name="adj" fmla="val 10000"/>
+          </a:avLst>
+        </a:prstGeom>
+        <a:solidFill>
+          <a:schemeClr val="accent4">
+            <a:hueOff val="0"/>
+            <a:satOff val="0"/>
+            <a:lumOff val="0"/>
+            <a:alphaOff val="0"/>
+          </a:schemeClr>
+        </a:solidFill>
+        <a:ln>
+          <a:noFill/>
+        </a:ln>
+        <a:effectLst/>
+      </dsp:spPr>
+      <dsp:style>
+        <a:lnRef idx="0">
+          <a:scrgbClr r="0" g="0" b="0"/>
+        </a:lnRef>
+        <a:fillRef idx="1">
+          <a:scrgbClr r="0" g="0" b="0"/>
+        </a:fillRef>
+        <a:effectRef idx="0">
+          <a:scrgbClr r="0" g="0" b="0"/>
+        </a:effectRef>
+        <a:fontRef idx="minor"/>
+      </dsp:style>
+    </dsp:sp>
+    <dsp:sp modelId="{3E717B2B-74CE-42CF-8E6C-D972B6110BB2}">
+      <dsp:nvSpPr>
+        <dsp:cNvPr id="0" name=""/>
+        <dsp:cNvSpPr/>
+      </dsp:nvSpPr>
+      <dsp:spPr>
+        <a:xfrm>
+          <a:off x="508544" y="4581824"/>
+          <a:ext cx="924626" cy="924626"/>
+        </a:xfrm>
+        <a:prstGeom prst="rect">
+          <a:avLst/>
+        </a:prstGeom>
+        <a:blipFill>
+          <a:blip xmlns:r="http://schemas.openxmlformats.org/officeDocument/2006/relationships" r:embed="rId5">
+            <a:extLst>
+              <a:ext uri="{28A0092B-C50C-407E-A947-70E740481C1C}">
+                <a14:useLocalDpi xmlns:a14="http://schemas.microsoft.com/office/drawing/2010/main" val="0"/>
+              </a:ext>
+              <a:ext uri="{96DAC541-7B7A-43D3-8B79-37D633B846F1}">
+                <asvg:svgBlip xmlns:asvg="http://schemas.microsoft.com/office/drawing/2016/SVG/main" r:embed="rId6"/>
+              </a:ext>
+            </a:extLst>
+          </a:blip>
+          <a:stretch>
+            <a:fillRect/>
+          </a:stretch>
+        </a:blipFill>
+        <a:ln w="12700" cap="flat" cmpd="sng" algn="ctr">
+          <a:noFill/>
+          <a:prstDash val="solid"/>
+          <a:miter lim="800000"/>
+        </a:ln>
+        <a:effectLst/>
+      </dsp:spPr>
+      <dsp:style>
+        <a:lnRef idx="2">
+          <a:scrgbClr r="0" g="0" b="0"/>
+        </a:lnRef>
+        <a:fillRef idx="1">
+          <a:scrgbClr r="0" g="0" b="0"/>
+        </a:fillRef>
+        <a:effectRef idx="0">
+          <a:scrgbClr r="0" g="0" b="0"/>
+        </a:effectRef>
+        <a:fontRef idx="minor">
+          <a:schemeClr val="lt1"/>
+        </a:fontRef>
+      </dsp:style>
+    </dsp:sp>
+    <dsp:sp modelId="{BEE6AC86-0453-42DF-9A4E-F26C99E1FAA0}">
+      <dsp:nvSpPr>
+        <dsp:cNvPr id="0" name=""/>
+        <dsp:cNvSpPr/>
+      </dsp:nvSpPr>
+      <dsp:spPr>
+        <a:xfrm>
+          <a:off x="1941716" y="4203567"/>
+          <a:ext cx="4571887" cy="1681139"/>
+        </a:xfrm>
+        <a:prstGeom prst="rect">
+          <a:avLst/>
+        </a:prstGeom>
+        <a:noFill/>
+        <a:ln>
+          <a:noFill/>
+        </a:ln>
+        <a:effectLst/>
+      </dsp:spPr>
+      <dsp:style>
+        <a:lnRef idx="0">
+          <a:scrgbClr r="0" g="0" b="0"/>
+        </a:lnRef>
+        <a:fillRef idx="0">
+          <a:scrgbClr r="0" g="0" b="0"/>
+        </a:fillRef>
+        <a:effectRef idx="0">
+          <a:scrgbClr r="0" g="0" b="0"/>
+        </a:effectRef>
+        <a:fontRef idx="minor"/>
+      </dsp:style>
+      <dsp:txBody>
+        <a:bodyPr spcFirstLastPara="0" vert="horz" wrap="square" lIns="177921" tIns="177921" rIns="177921" bIns="177921" numCol="1" spcCol="1270" anchor="ctr" anchorCtr="0">
+          <a:noAutofit/>
+        </a:bodyPr>
+        <a:lstStyle/>
+        <a:p>
+          <a:pPr marL="0" lvl="0" indent="0" algn="l" defTabSz="1111250">
+            <a:lnSpc>
+              <a:spcPct val="100000"/>
+            </a:lnSpc>
+            <a:spcBef>
+              <a:spcPct val="0"/>
+            </a:spcBef>
+            <a:spcAft>
+              <a:spcPct val="35000"/>
+            </a:spcAft>
+            <a:buNone/>
+          </a:pPr>
+          <a:r>
+            <a:rPr lang="en-CA" sz="2500" kern="1200"/>
+            <a:t>Estimate size of company by analysis of transactions instead of bandwidth consumption</a:t>
+          </a:r>
+          <a:endParaRPr lang="en-US" sz="2500" kern="1200"/>
+        </a:p>
+      </dsp:txBody>
+      <dsp:txXfrm>
+        <a:off x="1941716" y="4203567"/>
+        <a:ext cx="4571887" cy="1681139"/>
+      </dsp:txXfrm>
+    </dsp:sp>
+  </dsp:spTree>
+</dsp:drawing>
+</file>
+
 <file path=ppt/diagrams/layout1.xml><?xml version="1.0" encoding="utf-8"?>
 <dgm:layoutDef xmlns:dgm="http://schemas.openxmlformats.org/drawingml/2006/diagram" xmlns:a="http://schemas.openxmlformats.org/drawingml/2006/main" uniqueId="urn:microsoft.com/office/officeart/2005/8/layout/vList5">
   <dgm:title val=""/>
@@ -10542,6 +12288,300 @@
 </dgm:layoutDef>
 </file>
 
+<file path=ppt/diagrams/layout4.xml><?xml version="1.0" encoding="utf-8"?>
+<dgm:layoutDef xmlns:dgm="http://schemas.openxmlformats.org/drawingml/2006/diagram" xmlns:a="http://schemas.openxmlformats.org/drawingml/2006/main" uniqueId="urn:microsoft.com/office/officeart/2018/2/layout/IconVerticalSolidList">
+  <dgm:title val="Icon Vertical Solid List"/>
+  <dgm:desc val="Use to show a series of visuals from top to bottom with Level 1 or Level 1 and Level 2 text grouped in a shape. Works best with icons or small pictures with lengthier descriptions."/>
+  <dgm:catLst>
+    <dgm:cat type="icon" pri="500"/>
+  </dgm:catLst>
+  <dgm:sampData useDef="1">
+    <dgm:dataModel>
+      <dgm:ptLst/>
+      <dgm:bg/>
+      <dgm:whole/>
+    </dgm:dataModel>
+  </dgm:sampData>
+  <dgm:styleData useDef="1">
+    <dgm:dataModel>
+      <dgm:ptLst/>
+      <dgm:bg/>
+      <dgm:whole/>
+    </dgm:dataModel>
+  </dgm:styleData>
+  <dgm:clrData useDef="1">
+    <dgm:dataModel>
+      <dgm:ptLst/>
+      <dgm:bg/>
+      <dgm:whole/>
+    </dgm:dataModel>
+  </dgm:clrData>
+  <dgm:layoutNode name="root">
+    <dgm:varLst>
+      <dgm:dir/>
+      <dgm:resizeHandles val="exact"/>
+    </dgm:varLst>
+    <dgm:choose name="Name0">
+      <dgm:if name="Name1" axis="self" func="var" arg="dir" op="equ" val="norm">
+        <dgm:alg type="lin">
+          <dgm:param type="linDir" val="fromT"/>
+          <dgm:param type="nodeHorzAlign" val="l"/>
+        </dgm:alg>
+      </dgm:if>
+      <dgm:else name="Name2">
+        <dgm:alg type="lin">
+          <dgm:param type="linDir" val="fromT"/>
+          <dgm:param type="nodeHorzAlign" val="r"/>
+        </dgm:alg>
+      </dgm:else>
+    </dgm:choose>
+    <dgm:shape xmlns:r="http://schemas.openxmlformats.org/officeDocument/2006/relationships" r:blip="">
+      <dgm:adjLst/>
+    </dgm:shape>
+    <dgm:presOf/>
+    <dgm:choose name="Name3">
+      <dgm:if name="Name4" axis="ch" ptType="node" func="cnt" op="lte" val="3">
+        <dgm:constrLst>
+          <dgm:constr type="h" for="ch" forName="compNode" refType="h" fact="0.3"/>
+          <dgm:constr type="w" for="ch" forName="compNode" refType="w"/>
+          <dgm:constr type="h" for="ch" forName="sibTrans" refType="h" refFor="ch" refForName="compNode" fact="0.25"/>
+          <dgm:constr type="primFontSz" for="des" forName="parTx" val="25"/>
+          <dgm:constr type="primFontSz" for="des" forName="desTx" refType="primFontSz" refFor="des" refForName="parTx" op="lte" fact="0.75"/>
+          <dgm:constr type="h" for="des" forName="compNode" op="equ"/>
+          <dgm:constr type="h" for="des" forName="bgRect" op="equ"/>
+          <dgm:constr type="h" for="des" forName="iconRect" op="equ"/>
+          <dgm:constr type="w" for="des" forName="iconRect" op="equ"/>
+          <dgm:constr type="h" for="des" forName="spaceRect" op="equ"/>
+          <dgm:constr type="h" for="des" forName="parTx" op="equ"/>
+          <dgm:constr type="h" for="des" forName="desTx" op="equ"/>
+        </dgm:constrLst>
+      </dgm:if>
+      <dgm:if name="Name5" axis="ch" ptType="node" func="cnt" op="lte" val="4">
+        <dgm:constrLst>
+          <dgm:constr type="h" for="ch" forName="compNode" refType="h" fact="0.3"/>
+          <dgm:constr type="w" for="ch" forName="compNode" refType="w"/>
+          <dgm:constr type="h" for="ch" forName="sibTrans" refType="h" refFor="ch" refForName="compNode" fact="0.25"/>
+          <dgm:constr type="primFontSz" for="des" forName="parTx" val="22"/>
+          <dgm:constr type="primFontSz" for="des" forName="desTx" refType="primFontSz" refFor="des" refForName="parTx" op="lte" fact="0.75"/>
+          <dgm:constr type="h" for="des" forName="compNode" op="equ"/>
+          <dgm:constr type="h" for="des" forName="bgRect" op="equ"/>
+          <dgm:constr type="h" for="des" forName="iconRect" op="equ"/>
+          <dgm:constr type="w" for="des" forName="iconRect" op="equ"/>
+          <dgm:constr type="h" for="des" forName="spaceRect" op="equ"/>
+          <dgm:constr type="h" for="des" forName="parTx" op="equ"/>
+          <dgm:constr type="h" for="des" forName="desTx" op="equ"/>
+        </dgm:constrLst>
+      </dgm:if>
+      <dgm:if name="Name6" axis="ch" ptType="node" func="cnt" op="lte" val="6">
+        <dgm:constrLst>
+          <dgm:constr type="h" for="ch" forName="compNode" refType="h" fact="0.3"/>
+          <dgm:constr type="w" for="ch" forName="compNode" refType="w"/>
+          <dgm:constr type="h" for="ch" forName="sibTrans" refType="h" refFor="ch" refForName="compNode" fact="0.25"/>
+          <dgm:constr type="primFontSz" for="des" forName="parTx" val="19"/>
+          <dgm:constr type="primFontSz" for="des" forName="desTx" refType="primFontSz" refFor="des" refForName="parTx" op="lte" fact="0.75"/>
+          <dgm:constr type="h" for="des" forName="compNode" op="equ"/>
+          <dgm:constr type="h" for="des" forName="bgRect" op="equ"/>
+          <dgm:constr type="h" for="des" forName="iconRect" op="equ"/>
+          <dgm:constr type="w" for="des" forName="iconRect" op="equ"/>
+          <dgm:constr type="h" for="des" forName="spaceRect" op="equ"/>
+          <dgm:constr type="h" for="des" forName="parTx" op="equ"/>
+          <dgm:constr type="h" for="des" forName="desTx" op="equ"/>
+        </dgm:constrLst>
+      </dgm:if>
+      <dgm:else name="Name7">
+        <dgm:constrLst>
+          <dgm:constr type="h" for="ch" forName="compNode" refType="h" fact="0.3"/>
+          <dgm:constr type="w" for="ch" forName="compNode" refType="w"/>
+          <dgm:constr type="h" for="ch" forName="sibTrans" refType="h" refFor="ch" refForName="compNode" fact="0.25"/>
+          <dgm:constr type="primFontSz" for="des" forName="parTx" val="16"/>
+          <dgm:constr type="primFontSz" for="des" forName="desTx" refType="primFontSz" refFor="des" refForName="parTx" op="lte" fact="0.75"/>
+          <dgm:constr type="h" for="des" forName="compNode" op="equ"/>
+          <dgm:constr type="h" for="des" forName="bgRect" op="equ"/>
+          <dgm:constr type="h" for="des" forName="iconRect" op="equ"/>
+          <dgm:constr type="w" for="des" forName="iconRect" op="equ"/>
+          <dgm:constr type="h" for="des" forName="spaceRect" op="equ"/>
+          <dgm:constr type="h" for="des" forName="parTx" op="equ"/>
+          <dgm:constr type="h" for="des" forName="desTx" op="equ"/>
+        </dgm:constrLst>
+      </dgm:else>
+    </dgm:choose>
+    <dgm:ruleLst>
+      <dgm:rule type="h" for="ch" forName="compNode" val="0" fact="NaN" max="NaN"/>
+    </dgm:ruleLst>
+    <dgm:forEach name="Name8" axis="ch" ptType="node">
+      <dgm:layoutNode name="compNode">
+        <dgm:alg type="composite"/>
+        <dgm:shape xmlns:r="http://schemas.openxmlformats.org/officeDocument/2006/relationships" r:blip="">
+          <dgm:adjLst/>
+        </dgm:shape>
+        <dgm:presOf axis="self"/>
+        <dgm:choose name="Name9">
+          <dgm:if name="Name10" axis="ch" ptType="node" func="cnt" op="gte" val="1">
+            <dgm:constrLst>
+              <dgm:constr type="w" for="ch" forName="bgRect" refType="w"/>
+              <dgm:constr type="h" for="ch" forName="bgRect" refType="h"/>
+              <dgm:constr type="l" for="ch" forName="bgRect"/>
+              <dgm:constr type="t" for="ch" forName="bgRect"/>
+              <dgm:constr type="h" for="ch" forName="iconRect" refType="h" fact="0.55"/>
+              <dgm:constr type="w" for="ch" forName="iconRect" refType="h" refFor="ch" refForName="iconRect"/>
+              <dgm:constr type="l" for="ch" forName="iconRect" refType="h" refFor="ch" refForName="iconRect" fact="0.55"/>
+              <dgm:constr type="ctrY" for="ch" forName="iconRect" refType="ctrY" refFor="ch" refForName="bgRect"/>
+              <dgm:constr type="w" for="ch" forName="spaceRect" refType="l" refFor="ch" refForName="iconRect"/>
+              <dgm:constr type="h" for="ch" forName="spaceRect" refType="h"/>
+              <dgm:constr type="l" for="ch" forName="spaceRect" refType="r" refFor="ch" refForName="iconRect"/>
+              <dgm:constr type="t" for="ch" forName="spaceRect"/>
+              <dgm:constr type="w" for="ch" forName="parTx" refType="w" fact="0.45"/>
+              <dgm:constr type="h" for="ch" forName="parTx" refType="h"/>
+              <dgm:constr type="l" for="ch" forName="parTx" refType="r" refFor="ch" refForName="spaceRect"/>
+              <dgm:constr type="t" for="ch" forName="parTx"/>
+              <dgm:constr type="h" for="ch" forName="desTx" refType="h"/>
+              <dgm:constr type="l" for="ch" forName="desTx" refType="r" refFor="ch" refForName="parTx"/>
+              <dgm:constr type="t" for="ch" forName="desTx"/>
+            </dgm:constrLst>
+          </dgm:if>
+          <dgm:else name="Name11">
+            <dgm:constrLst>
+              <dgm:constr type="w" for="ch" forName="bgRect" refType="w"/>
+              <dgm:constr type="h" for="ch" forName="bgRect" refType="h"/>
+              <dgm:constr type="l" for="ch" forName="bgRect"/>
+              <dgm:constr type="t" for="ch" forName="bgRect"/>
+              <dgm:constr type="h" for="ch" forName="iconRect" refType="h" fact="0.55"/>
+              <dgm:constr type="w" for="ch" forName="iconRect" refType="h" refFor="ch" refForName="iconRect"/>
+              <dgm:constr type="l" for="ch" forName="iconRect" refType="h" refFor="ch" refForName="iconRect" fact="0.55"/>
+              <dgm:constr type="ctrY" for="ch" forName="iconRect" refType="ctrY" refFor="ch" refForName="bgRect"/>
+              <dgm:constr type="w" for="ch" forName="spaceRect" refType="l" refFor="ch" refForName="iconRect"/>
+              <dgm:constr type="h" for="ch" forName="spaceRect" refType="h"/>
+              <dgm:constr type="l" for="ch" forName="spaceRect" refType="r" refFor="ch" refForName="iconRect"/>
+              <dgm:constr type="t" for="ch" forName="spaceRect"/>
+              <dgm:constr type="h" for="ch" forName="parTx" refType="h"/>
+              <dgm:constr type="l" for="ch" forName="parTx" refType="r" refFor="ch" refForName="spaceRect"/>
+              <dgm:constr type="t" for="ch" forName="parTx"/>
+            </dgm:constrLst>
+          </dgm:else>
+        </dgm:choose>
+        <dgm:ruleLst>
+          <dgm:rule type="h" val="INF" fact="NaN" max="NaN"/>
+        </dgm:ruleLst>
+        <dgm:layoutNode name="bgRect" styleLbl="bgShp">
+          <dgm:alg type="sp"/>
+          <dgm:shape xmlns:r="http://schemas.openxmlformats.org/officeDocument/2006/relationships" type="roundRect" r:blip="">
+            <dgm:adjLst>
+              <dgm:adj idx="1" val="0.1"/>
+            </dgm:adjLst>
+          </dgm:shape>
+          <dgm:presOf/>
+          <dgm:constrLst/>
+          <dgm:ruleLst/>
+        </dgm:layoutNode>
+        <dgm:layoutNode name="iconRect" styleLbl="node1">
+          <dgm:alg type="sp"/>
+          <dgm:shape xmlns:r="http://schemas.openxmlformats.org/officeDocument/2006/relationships" type="rect" r:blip="" blipPhldr="1">
+            <dgm:adjLst/>
+          </dgm:shape>
+          <dgm:presOf/>
+          <dgm:constrLst/>
+          <dgm:ruleLst/>
+        </dgm:layoutNode>
+        <dgm:layoutNode name="spaceRect">
+          <dgm:alg type="sp"/>
+          <dgm:shape xmlns:r="http://schemas.openxmlformats.org/officeDocument/2006/relationships" r:blip="">
+            <dgm:adjLst/>
+          </dgm:shape>
+          <dgm:presOf/>
+          <dgm:constrLst/>
+          <dgm:ruleLst/>
+        </dgm:layoutNode>
+        <dgm:layoutNode name="parTx" styleLbl="revTx">
+          <dgm:varLst>
+            <dgm:chMax val="0"/>
+            <dgm:chPref val="0"/>
+          </dgm:varLst>
+          <dgm:alg type="tx">
+            <dgm:param type="txAnchorVert" val="mid"/>
+            <dgm:param type="parTxLTRAlign" val="l"/>
+            <dgm:param type="shpTxLTRAlignCh" val="l"/>
+            <dgm:param type="parTxRTLAlign" val="r"/>
+            <dgm:param type="shpTxRTLAlignCh" val="r"/>
+          </dgm:alg>
+          <dgm:shape xmlns:r="http://schemas.openxmlformats.org/officeDocument/2006/relationships" type="rect" r:blip="">
+            <dgm:adjLst/>
+          </dgm:shape>
+          <dgm:presOf axis="self" ptType="node"/>
+          <dgm:constrLst>
+            <dgm:constr type="lMarg" refType="h" fact="0.3"/>
+            <dgm:constr type="rMarg" refType="h" fact="0.3"/>
+            <dgm:constr type="tMarg" refType="h" fact="0.3"/>
+            <dgm:constr type="bMarg" refType="h" fact="0.3"/>
+          </dgm:constrLst>
+          <dgm:ruleLst>
+            <dgm:rule type="primFontSz" val="14" fact="NaN" max="NaN"/>
+            <dgm:rule type="h" val="INF" fact="NaN" max="NaN"/>
+          </dgm:ruleLst>
+        </dgm:layoutNode>
+        <dgm:choose name="Name12">
+          <dgm:if name="Name13" axis="ch" ptType="node" func="cnt" op="gte" val="1">
+            <dgm:layoutNode name="desTx" styleLbl="revTx">
+              <dgm:varLst/>
+              <dgm:alg type="tx">
+                <dgm:param type="txAnchorVertCh" val="mid"/>
+                <dgm:param type="parTxLTRAlign" val="l"/>
+                <dgm:param type="shpTxLTRAlignCh" val="l"/>
+                <dgm:param type="parTxRTLAlign" val="r"/>
+                <dgm:param type="shpTxRTLAlignCh" val="r"/>
+                <dgm:param type="stBulletLvl" val="0"/>
+              </dgm:alg>
+              <dgm:shape xmlns:r="http://schemas.openxmlformats.org/officeDocument/2006/relationships" type="rect" r:blip="">
+                <dgm:adjLst/>
+              </dgm:shape>
+              <dgm:presOf axis="des" ptType="node"/>
+              <dgm:constrLst>
+                <dgm:constr type="primFontSz" val="18"/>
+                <dgm:constr type="secFontSz" refType="primFontSz"/>
+                <dgm:constr type="lMarg" refType="h" fact="0.3"/>
+                <dgm:constr type="rMarg" refType="h" fact="0.3"/>
+                <dgm:constr type="tMarg" refType="h" fact="0.3"/>
+                <dgm:constr type="bMarg" refType="h" fact="0.3"/>
+              </dgm:constrLst>
+              <dgm:ruleLst>
+                <dgm:rule type="primFontSz" val="11" fact="NaN" max="NaN"/>
+              </dgm:ruleLst>
+            </dgm:layoutNode>
+          </dgm:if>
+          <dgm:else name="Name14"/>
+        </dgm:choose>
+      </dgm:layoutNode>
+      <dgm:forEach name="Name15" axis="followSib" ptType="sibTrans" cnt="1">
+        <dgm:layoutNode name="sibTrans">
+          <dgm:alg type="sp"/>
+          <dgm:shape xmlns:r="http://schemas.openxmlformats.org/officeDocument/2006/relationships" r:blip="">
+            <dgm:adjLst/>
+          </dgm:shape>
+          <dgm:presOf axis="self"/>
+          <dgm:constrLst/>
+          <dgm:ruleLst/>
+        </dgm:layoutNode>
+      </dgm:forEach>
+    </dgm:forEach>
+  </dgm:layoutNode>
+  <dgm:extLst>
+    <a:ext uri="{68A01E43-0DF5-4B5B-8FA6-DAF915123BFB}">
+      <dgm1612:lstStyle xmlns:dgm1612="http://schemas.microsoft.com/office/drawing/2016/12/diagram">
+        <a:lvl1pPr>
+          <a:lnSpc>
+            <a:spcPct val="100000"/>
+          </a:lnSpc>
+        </a:lvl1pPr>
+        <a:lvl2pPr>
+          <a:lnSpc>
+            <a:spcPct val="100000"/>
+          </a:lnSpc>
+        </a:lvl2pPr>
+      </dgm1612:lstStyle>
+    </a:ext>
+  </dgm:extLst>
+</dgm:layoutDef>
+</file>
+
 <file path=ppt/diagrams/quickStyle1.xml><?xml version="1.0" encoding="utf-8"?>
 <dgm:styleDef xmlns:dgm="http://schemas.openxmlformats.org/drawingml/2006/diagram" xmlns:a="http://schemas.openxmlformats.org/drawingml/2006/main" uniqueId="urn:microsoft.com/office/officeart/2005/8/quickstyle/simple1">
   <dgm:title val=""/>
@@ -12611,6 +14651,1040 @@
 </file>
 
 <file path=ppt/diagrams/quickStyle3.xml><?xml version="1.0" encoding="utf-8"?>
+<dgm:styleDef xmlns:dgm="http://schemas.openxmlformats.org/drawingml/2006/diagram" xmlns:a="http://schemas.openxmlformats.org/drawingml/2006/main" uniqueId="urn:microsoft.com/office/officeart/2005/8/quickstyle/simple1">
+  <dgm:title val=""/>
+  <dgm:desc val=""/>
+  <dgm:catLst>
+    <dgm:cat type="simple" pri="10100"/>
+  </dgm:catLst>
+  <dgm:scene3d>
+    <a:camera prst="orthographicFront"/>
+    <a:lightRig rig="threePt" dir="t"/>
+  </dgm:scene3d>
+  <dgm:styleLbl name="node0">
+    <dgm:scene3d>
+      <a:camera prst="orthographicFront"/>
+      <a:lightRig rig="threePt" dir="t"/>
+    </dgm:scene3d>
+    <dgm:sp3d/>
+    <dgm:txPr/>
+    <dgm:style>
+      <a:lnRef idx="2">
+        <a:scrgbClr r="0" g="0" b="0"/>
+      </a:lnRef>
+      <a:fillRef idx="1">
+        <a:scrgbClr r="0" g="0" b="0"/>
+      </a:fillRef>
+      <a:effectRef idx="0">
+        <a:scrgbClr r="0" g="0" b="0"/>
+      </a:effectRef>
+      <a:fontRef idx="minor">
+        <a:schemeClr val="lt1"/>
+      </a:fontRef>
+    </dgm:style>
+  </dgm:styleLbl>
+  <dgm:styleLbl name="lnNode1">
+    <dgm:scene3d>
+      <a:camera prst="orthographicFront"/>
+      <a:lightRig rig="threePt" dir="t"/>
+    </dgm:scene3d>
+    <dgm:sp3d/>
+    <dgm:txPr/>
+    <dgm:style>
+      <a:lnRef idx="2">
+        <a:scrgbClr r="0" g="0" b="0"/>
+      </a:lnRef>
+      <a:fillRef idx="1">
+        <a:scrgbClr r="0" g="0" b="0"/>
+      </a:fillRef>
+      <a:effectRef idx="0">
+        <a:scrgbClr r="0" g="0" b="0"/>
+      </a:effectRef>
+      <a:fontRef idx="minor">
+        <a:schemeClr val="lt1"/>
+      </a:fontRef>
+    </dgm:style>
+  </dgm:styleLbl>
+  <dgm:styleLbl name="vennNode1">
+    <dgm:scene3d>
+      <a:camera prst="orthographicFront"/>
+      <a:lightRig rig="threePt" dir="t"/>
+    </dgm:scene3d>
+    <dgm:sp3d/>
+    <dgm:txPr/>
+    <dgm:style>
+      <a:lnRef idx="2">
+        <a:scrgbClr r="0" g="0" b="0"/>
+      </a:lnRef>
+      <a:fillRef idx="1">
+        <a:scrgbClr r="0" g="0" b="0"/>
+      </a:fillRef>
+      <a:effectRef idx="0">
+        <a:scrgbClr r="0" g="0" b="0"/>
+      </a:effectRef>
+      <a:fontRef idx="minor">
+        <a:schemeClr val="tx1"/>
+      </a:fontRef>
+    </dgm:style>
+  </dgm:styleLbl>
+  <dgm:styleLbl name="alignNode1">
+    <dgm:scene3d>
+      <a:camera prst="orthographicFront"/>
+      <a:lightRig rig="threePt" dir="t"/>
+    </dgm:scene3d>
+    <dgm:sp3d/>
+    <dgm:txPr/>
+    <dgm:style>
+      <a:lnRef idx="2">
+        <a:scrgbClr r="0" g="0" b="0"/>
+      </a:lnRef>
+      <a:fillRef idx="1">
+        <a:scrgbClr r="0" g="0" b="0"/>
+      </a:fillRef>
+      <a:effectRef idx="0">
+        <a:scrgbClr r="0" g="0" b="0"/>
+      </a:effectRef>
+      <a:fontRef idx="minor">
+        <a:schemeClr val="lt1"/>
+      </a:fontRef>
+    </dgm:style>
+  </dgm:styleLbl>
+  <dgm:styleLbl name="node1">
+    <dgm:scene3d>
+      <a:camera prst="orthographicFront"/>
+      <a:lightRig rig="threePt" dir="t"/>
+    </dgm:scene3d>
+    <dgm:sp3d/>
+    <dgm:txPr/>
+    <dgm:style>
+      <a:lnRef idx="2">
+        <a:scrgbClr r="0" g="0" b="0"/>
+      </a:lnRef>
+      <a:fillRef idx="1">
+        <a:scrgbClr r="0" g="0" b="0"/>
+      </a:fillRef>
+      <a:effectRef idx="0">
+        <a:scrgbClr r="0" g="0" b="0"/>
+      </a:effectRef>
+      <a:fontRef idx="minor">
+        <a:schemeClr val="lt1"/>
+      </a:fontRef>
+    </dgm:style>
+  </dgm:styleLbl>
+  <dgm:styleLbl name="node2">
+    <dgm:scene3d>
+      <a:camera prst="orthographicFront"/>
+      <a:lightRig rig="threePt" dir="t"/>
+    </dgm:scene3d>
+    <dgm:sp3d/>
+    <dgm:txPr/>
+    <dgm:style>
+      <a:lnRef idx="2">
+        <a:scrgbClr r="0" g="0" b="0"/>
+      </a:lnRef>
+      <a:fillRef idx="1">
+        <a:scrgbClr r="0" g="0" b="0"/>
+      </a:fillRef>
+      <a:effectRef idx="0">
+        <a:scrgbClr r="0" g="0" b="0"/>
+      </a:effectRef>
+      <a:fontRef idx="minor">
+        <a:schemeClr val="lt1"/>
+      </a:fontRef>
+    </dgm:style>
+  </dgm:styleLbl>
+  <dgm:styleLbl name="node3">
+    <dgm:scene3d>
+      <a:camera prst="orthographicFront"/>
+      <a:lightRig rig="threePt" dir="t"/>
+    </dgm:scene3d>
+    <dgm:sp3d/>
+    <dgm:txPr/>
+    <dgm:style>
+      <a:lnRef idx="2">
+        <a:scrgbClr r="0" g="0" b="0"/>
+      </a:lnRef>
+      <a:fillRef idx="1">
+        <a:scrgbClr r="0" g="0" b="0"/>
+      </a:fillRef>
+      <a:effectRef idx="0">
+        <a:scrgbClr r="0" g="0" b="0"/>
+      </a:effectRef>
+      <a:fontRef idx="minor">
+        <a:schemeClr val="lt1"/>
+      </a:fontRef>
+    </dgm:style>
+  </dgm:styleLbl>
+  <dgm:styleLbl name="node4">
+    <dgm:scene3d>
+      <a:camera prst="orthographicFront"/>
+      <a:lightRig rig="threePt" dir="t"/>
+    </dgm:scene3d>
+    <dgm:sp3d/>
+    <dgm:txPr/>
+    <dgm:style>
+      <a:lnRef idx="2">
+        <a:scrgbClr r="0" g="0" b="0"/>
+      </a:lnRef>
+      <a:fillRef idx="1">
+        <a:scrgbClr r="0" g="0" b="0"/>
+      </a:fillRef>
+      <a:effectRef idx="0">
+        <a:scrgbClr r="0" g="0" b="0"/>
+      </a:effectRef>
+      <a:fontRef idx="minor">
+        <a:schemeClr val="lt1"/>
+      </a:fontRef>
+    </dgm:style>
+  </dgm:styleLbl>
+  <dgm:styleLbl name="fgImgPlace1">
+    <dgm:scene3d>
+      <a:camera prst="orthographicFront"/>
+      <a:lightRig rig="threePt" dir="t"/>
+    </dgm:scene3d>
+    <dgm:sp3d/>
+    <dgm:txPr/>
+    <dgm:style>
+      <a:lnRef idx="2">
+        <a:scrgbClr r="0" g="0" b="0"/>
+      </a:lnRef>
+      <a:fillRef idx="1">
+        <a:scrgbClr r="0" g="0" b="0"/>
+      </a:fillRef>
+      <a:effectRef idx="0">
+        <a:scrgbClr r="0" g="0" b="0"/>
+      </a:effectRef>
+      <a:fontRef idx="minor"/>
+    </dgm:style>
+  </dgm:styleLbl>
+  <dgm:styleLbl name="alignImgPlace1">
+    <dgm:scene3d>
+      <a:camera prst="orthographicFront"/>
+      <a:lightRig rig="threePt" dir="t"/>
+    </dgm:scene3d>
+    <dgm:sp3d/>
+    <dgm:txPr/>
+    <dgm:style>
+      <a:lnRef idx="2">
+        <a:scrgbClr r="0" g="0" b="0"/>
+      </a:lnRef>
+      <a:fillRef idx="1">
+        <a:scrgbClr r="0" g="0" b="0"/>
+      </a:fillRef>
+      <a:effectRef idx="0">
+        <a:scrgbClr r="0" g="0" b="0"/>
+      </a:effectRef>
+      <a:fontRef idx="minor"/>
+    </dgm:style>
+  </dgm:styleLbl>
+  <dgm:styleLbl name="bgImgPlace1">
+    <dgm:scene3d>
+      <a:camera prst="orthographicFront"/>
+      <a:lightRig rig="threePt" dir="t"/>
+    </dgm:scene3d>
+    <dgm:sp3d/>
+    <dgm:txPr/>
+    <dgm:style>
+      <a:lnRef idx="2">
+        <a:scrgbClr r="0" g="0" b="0"/>
+      </a:lnRef>
+      <a:fillRef idx="1">
+        <a:scrgbClr r="0" g="0" b="0"/>
+      </a:fillRef>
+      <a:effectRef idx="0">
+        <a:scrgbClr r="0" g="0" b="0"/>
+      </a:effectRef>
+      <a:fontRef idx="minor"/>
+    </dgm:style>
+  </dgm:styleLbl>
+  <dgm:styleLbl name="sibTrans2D1">
+    <dgm:scene3d>
+      <a:camera prst="orthographicFront"/>
+      <a:lightRig rig="threePt" dir="t"/>
+    </dgm:scene3d>
+    <dgm:sp3d/>
+    <dgm:txPr/>
+    <dgm:style>
+      <a:lnRef idx="0">
+        <a:scrgbClr r="0" g="0" b="0"/>
+      </a:lnRef>
+      <a:fillRef idx="1">
+        <a:scrgbClr r="0" g="0" b="0"/>
+      </a:fillRef>
+      <a:effectRef idx="0">
+        <a:scrgbClr r="0" g="0" b="0"/>
+      </a:effectRef>
+      <a:fontRef idx="minor">
+        <a:schemeClr val="lt1"/>
+      </a:fontRef>
+    </dgm:style>
+  </dgm:styleLbl>
+  <dgm:styleLbl name="fgSibTrans2D1">
+    <dgm:scene3d>
+      <a:camera prst="orthographicFront"/>
+      <a:lightRig rig="threePt" dir="t"/>
+    </dgm:scene3d>
+    <dgm:sp3d/>
+    <dgm:txPr/>
+    <dgm:style>
+      <a:lnRef idx="0">
+        <a:scrgbClr r="0" g="0" b="0"/>
+      </a:lnRef>
+      <a:fillRef idx="1">
+        <a:scrgbClr r="0" g="0" b="0"/>
+      </a:fillRef>
+      <a:effectRef idx="0">
+        <a:scrgbClr r="0" g="0" b="0"/>
+      </a:effectRef>
+      <a:fontRef idx="minor">
+        <a:schemeClr val="lt1"/>
+      </a:fontRef>
+    </dgm:style>
+  </dgm:styleLbl>
+  <dgm:styleLbl name="bgSibTrans2D1">
+    <dgm:scene3d>
+      <a:camera prst="orthographicFront"/>
+      <a:lightRig rig="threePt" dir="t"/>
+    </dgm:scene3d>
+    <dgm:sp3d/>
+    <dgm:txPr/>
+    <dgm:style>
+      <a:lnRef idx="0">
+        <a:scrgbClr r="0" g="0" b="0"/>
+      </a:lnRef>
+      <a:fillRef idx="1">
+        <a:scrgbClr r="0" g="0" b="0"/>
+      </a:fillRef>
+      <a:effectRef idx="0">
+        <a:scrgbClr r="0" g="0" b="0"/>
+      </a:effectRef>
+      <a:fontRef idx="minor">
+        <a:schemeClr val="lt1"/>
+      </a:fontRef>
+    </dgm:style>
+  </dgm:styleLbl>
+  <dgm:styleLbl name="sibTrans1D1">
+    <dgm:scene3d>
+      <a:camera prst="orthographicFront"/>
+      <a:lightRig rig="threePt" dir="t"/>
+    </dgm:scene3d>
+    <dgm:sp3d/>
+    <dgm:txPr/>
+    <dgm:style>
+      <a:lnRef idx="1">
+        <a:scrgbClr r="0" g="0" b="0"/>
+      </a:lnRef>
+      <a:fillRef idx="0">
+        <a:scrgbClr r="0" g="0" b="0"/>
+      </a:fillRef>
+      <a:effectRef idx="0">
+        <a:scrgbClr r="0" g="0" b="0"/>
+      </a:effectRef>
+      <a:fontRef idx="minor"/>
+    </dgm:style>
+  </dgm:styleLbl>
+  <dgm:styleLbl name="callout">
+    <dgm:scene3d>
+      <a:camera prst="orthographicFront"/>
+      <a:lightRig rig="threePt" dir="t"/>
+    </dgm:scene3d>
+    <dgm:sp3d/>
+    <dgm:txPr/>
+    <dgm:style>
+      <a:lnRef idx="2">
+        <a:scrgbClr r="0" g="0" b="0"/>
+      </a:lnRef>
+      <a:fillRef idx="1">
+        <a:scrgbClr r="0" g="0" b="0"/>
+      </a:fillRef>
+      <a:effectRef idx="0">
+        <a:scrgbClr r="0" g="0" b="0"/>
+      </a:effectRef>
+      <a:fontRef idx="minor"/>
+    </dgm:style>
+  </dgm:styleLbl>
+  <dgm:styleLbl name="asst0">
+    <dgm:scene3d>
+      <a:camera prst="orthographicFront"/>
+      <a:lightRig rig="threePt" dir="t"/>
+    </dgm:scene3d>
+    <dgm:sp3d/>
+    <dgm:txPr/>
+    <dgm:style>
+      <a:lnRef idx="2">
+        <a:scrgbClr r="0" g="0" b="0"/>
+      </a:lnRef>
+      <a:fillRef idx="1">
+        <a:scrgbClr r="0" g="0" b="0"/>
+      </a:fillRef>
+      <a:effectRef idx="0">
+        <a:scrgbClr r="0" g="0" b="0"/>
+      </a:effectRef>
+      <a:fontRef idx="minor">
+        <a:schemeClr val="lt1"/>
+      </a:fontRef>
+    </dgm:style>
+  </dgm:styleLbl>
+  <dgm:styleLbl name="asst1">
+    <dgm:scene3d>
+      <a:camera prst="orthographicFront"/>
+      <a:lightRig rig="threePt" dir="t"/>
+    </dgm:scene3d>
+    <dgm:sp3d/>
+    <dgm:txPr/>
+    <dgm:style>
+      <a:lnRef idx="2">
+        <a:scrgbClr r="0" g="0" b="0"/>
+      </a:lnRef>
+      <a:fillRef idx="1">
+        <a:scrgbClr r="0" g="0" b="0"/>
+      </a:fillRef>
+      <a:effectRef idx="0">
+        <a:scrgbClr r="0" g="0" b="0"/>
+      </a:effectRef>
+      <a:fontRef idx="minor">
+        <a:schemeClr val="lt1"/>
+      </a:fontRef>
+    </dgm:style>
+  </dgm:styleLbl>
+  <dgm:styleLbl name="asst2">
+    <dgm:scene3d>
+      <a:camera prst="orthographicFront"/>
+      <a:lightRig rig="threePt" dir="t"/>
+    </dgm:scene3d>
+    <dgm:sp3d/>
+    <dgm:txPr/>
+    <dgm:style>
+      <a:lnRef idx="2">
+        <a:scrgbClr r="0" g="0" b="0"/>
+      </a:lnRef>
+      <a:fillRef idx="1">
+        <a:scrgbClr r="0" g="0" b="0"/>
+      </a:fillRef>
+      <a:effectRef idx="0">
+        <a:scrgbClr r="0" g="0" b="0"/>
+      </a:effectRef>
+      <a:fontRef idx="minor">
+        <a:schemeClr val="lt1"/>
+      </a:fontRef>
+    </dgm:style>
+  </dgm:styleLbl>
+  <dgm:styleLbl name="asst3">
+    <dgm:scene3d>
+      <a:camera prst="orthographicFront"/>
+      <a:lightRig rig="threePt" dir="t"/>
+    </dgm:scene3d>
+    <dgm:sp3d/>
+    <dgm:txPr/>
+    <dgm:style>
+      <a:lnRef idx="2">
+        <a:scrgbClr r="0" g="0" b="0"/>
+      </a:lnRef>
+      <a:fillRef idx="1">
+        <a:scrgbClr r="0" g="0" b="0"/>
+      </a:fillRef>
+      <a:effectRef idx="0">
+        <a:scrgbClr r="0" g="0" b="0"/>
+      </a:effectRef>
+      <a:fontRef idx="minor">
+        <a:schemeClr val="lt1"/>
+      </a:fontRef>
+    </dgm:style>
+  </dgm:styleLbl>
+  <dgm:styleLbl name="asst4">
+    <dgm:scene3d>
+      <a:camera prst="orthographicFront"/>
+      <a:lightRig rig="threePt" dir="t"/>
+    </dgm:scene3d>
+    <dgm:sp3d/>
+    <dgm:txPr/>
+    <dgm:style>
+      <a:lnRef idx="2">
+        <a:scrgbClr r="0" g="0" b="0"/>
+      </a:lnRef>
+      <a:fillRef idx="1">
+        <a:scrgbClr r="0" g="0" b="0"/>
+      </a:fillRef>
+      <a:effectRef idx="0">
+        <a:scrgbClr r="0" g="0" b="0"/>
+      </a:effectRef>
+      <a:fontRef idx="minor">
+        <a:schemeClr val="lt1"/>
+      </a:fontRef>
+    </dgm:style>
+  </dgm:styleLbl>
+  <dgm:styleLbl name="parChTrans2D1">
+    <dgm:scene3d>
+      <a:camera prst="orthographicFront"/>
+      <a:lightRig rig="threePt" dir="t"/>
+    </dgm:scene3d>
+    <dgm:sp3d/>
+    <dgm:txPr/>
+    <dgm:style>
+      <a:lnRef idx="2">
+        <a:scrgbClr r="0" g="0" b="0"/>
+      </a:lnRef>
+      <a:fillRef idx="1">
+        <a:scrgbClr r="0" g="0" b="0"/>
+      </a:fillRef>
+      <a:effectRef idx="0">
+        <a:scrgbClr r="0" g="0" b="0"/>
+      </a:effectRef>
+      <a:fontRef idx="minor">
+        <a:schemeClr val="lt1"/>
+      </a:fontRef>
+    </dgm:style>
+  </dgm:styleLbl>
+  <dgm:styleLbl name="parChTrans2D2">
+    <dgm:scene3d>
+      <a:camera prst="orthographicFront"/>
+      <a:lightRig rig="threePt" dir="t"/>
+    </dgm:scene3d>
+    <dgm:sp3d/>
+    <dgm:txPr/>
+    <dgm:style>
+      <a:lnRef idx="2">
+        <a:scrgbClr r="0" g="0" b="0"/>
+      </a:lnRef>
+      <a:fillRef idx="1">
+        <a:scrgbClr r="0" g="0" b="0"/>
+      </a:fillRef>
+      <a:effectRef idx="0">
+        <a:scrgbClr r="0" g="0" b="0"/>
+      </a:effectRef>
+      <a:fontRef idx="minor">
+        <a:schemeClr val="lt1"/>
+      </a:fontRef>
+    </dgm:style>
+  </dgm:styleLbl>
+  <dgm:styleLbl name="parChTrans2D3">
+    <dgm:scene3d>
+      <a:camera prst="orthographicFront"/>
+      <a:lightRig rig="threePt" dir="t"/>
+    </dgm:scene3d>
+    <dgm:sp3d/>
+    <dgm:txPr/>
+    <dgm:style>
+      <a:lnRef idx="2">
+        <a:scrgbClr r="0" g="0" b="0"/>
+      </a:lnRef>
+      <a:fillRef idx="1">
+        <a:scrgbClr r="0" g="0" b="0"/>
+      </a:fillRef>
+      <a:effectRef idx="0">
+        <a:scrgbClr r="0" g="0" b="0"/>
+      </a:effectRef>
+      <a:fontRef idx="minor">
+        <a:schemeClr val="lt1"/>
+      </a:fontRef>
+    </dgm:style>
+  </dgm:styleLbl>
+  <dgm:styleLbl name="parChTrans2D4">
+    <dgm:scene3d>
+      <a:camera prst="orthographicFront"/>
+      <a:lightRig rig="threePt" dir="t"/>
+    </dgm:scene3d>
+    <dgm:sp3d/>
+    <dgm:txPr/>
+    <dgm:style>
+      <a:lnRef idx="2">
+        <a:scrgbClr r="0" g="0" b="0"/>
+      </a:lnRef>
+      <a:fillRef idx="1">
+        <a:scrgbClr r="0" g="0" b="0"/>
+      </a:fillRef>
+      <a:effectRef idx="0">
+        <a:scrgbClr r="0" g="0" b="0"/>
+      </a:effectRef>
+      <a:fontRef idx="minor">
+        <a:schemeClr val="lt1"/>
+      </a:fontRef>
+    </dgm:style>
+  </dgm:styleLbl>
+  <dgm:styleLbl name="parChTrans1D1">
+    <dgm:scene3d>
+      <a:camera prst="orthographicFront"/>
+      <a:lightRig rig="threePt" dir="t"/>
+    </dgm:scene3d>
+    <dgm:sp3d/>
+    <dgm:txPr/>
+    <dgm:style>
+      <a:lnRef idx="2">
+        <a:scrgbClr r="0" g="0" b="0"/>
+      </a:lnRef>
+      <a:fillRef idx="0">
+        <a:scrgbClr r="0" g="0" b="0"/>
+      </a:fillRef>
+      <a:effectRef idx="0">
+        <a:scrgbClr r="0" g="0" b="0"/>
+      </a:effectRef>
+      <a:fontRef idx="minor"/>
+    </dgm:style>
+  </dgm:styleLbl>
+  <dgm:styleLbl name="parChTrans1D2">
+    <dgm:scene3d>
+      <a:camera prst="orthographicFront"/>
+      <a:lightRig rig="threePt" dir="t"/>
+    </dgm:scene3d>
+    <dgm:sp3d/>
+    <dgm:txPr/>
+    <dgm:style>
+      <a:lnRef idx="2">
+        <a:scrgbClr r="0" g="0" b="0"/>
+      </a:lnRef>
+      <a:fillRef idx="0">
+        <a:scrgbClr r="0" g="0" b="0"/>
+      </a:fillRef>
+      <a:effectRef idx="0">
+        <a:scrgbClr r="0" g="0" b="0"/>
+      </a:effectRef>
+      <a:fontRef idx="minor"/>
+    </dgm:style>
+  </dgm:styleLbl>
+  <dgm:styleLbl name="parChTrans1D3">
+    <dgm:scene3d>
+      <a:camera prst="orthographicFront"/>
+      <a:lightRig rig="threePt" dir="t"/>
+    </dgm:scene3d>
+    <dgm:sp3d/>
+    <dgm:txPr/>
+    <dgm:style>
+      <a:lnRef idx="2">
+        <a:scrgbClr r="0" g="0" b="0"/>
+      </a:lnRef>
+      <a:fillRef idx="0">
+        <a:scrgbClr r="0" g="0" b="0"/>
+      </a:fillRef>
+      <a:effectRef idx="0">
+        <a:scrgbClr r="0" g="0" b="0"/>
+      </a:effectRef>
+      <a:fontRef idx="minor"/>
+    </dgm:style>
+  </dgm:styleLbl>
+  <dgm:styleLbl name="parChTrans1D4">
+    <dgm:scene3d>
+      <a:camera prst="orthographicFront"/>
+      <a:lightRig rig="threePt" dir="t"/>
+    </dgm:scene3d>
+    <dgm:sp3d/>
+    <dgm:txPr/>
+    <dgm:style>
+      <a:lnRef idx="2">
+        <a:scrgbClr r="0" g="0" b="0"/>
+      </a:lnRef>
+      <a:fillRef idx="0">
+        <a:scrgbClr r="0" g="0" b="0"/>
+      </a:fillRef>
+      <a:effectRef idx="0">
+        <a:scrgbClr r="0" g="0" b="0"/>
+      </a:effectRef>
+      <a:fontRef idx="minor"/>
+    </dgm:style>
+  </dgm:styleLbl>
+  <dgm:styleLbl name="fgAcc1">
+    <dgm:scene3d>
+      <a:camera prst="orthographicFront"/>
+      <a:lightRig rig="threePt" dir="t"/>
+    </dgm:scene3d>
+    <dgm:sp3d/>
+    <dgm:txPr/>
+    <dgm:style>
+      <a:lnRef idx="2">
+        <a:scrgbClr r="0" g="0" b="0"/>
+      </a:lnRef>
+      <a:fillRef idx="1">
+        <a:scrgbClr r="0" g="0" b="0"/>
+      </a:fillRef>
+      <a:effectRef idx="0">
+        <a:scrgbClr r="0" g="0" b="0"/>
+      </a:effectRef>
+      <a:fontRef idx="minor"/>
+    </dgm:style>
+  </dgm:styleLbl>
+  <dgm:styleLbl name="conFgAcc1">
+    <dgm:scene3d>
+      <a:camera prst="orthographicFront"/>
+      <a:lightRig rig="threePt" dir="t"/>
+    </dgm:scene3d>
+    <dgm:sp3d/>
+    <dgm:txPr/>
+    <dgm:style>
+      <a:lnRef idx="2">
+        <a:scrgbClr r="0" g="0" b="0"/>
+      </a:lnRef>
+      <a:fillRef idx="1">
+        <a:scrgbClr r="0" g="0" b="0"/>
+      </a:fillRef>
+      <a:effectRef idx="0">
+        <a:scrgbClr r="0" g="0" b="0"/>
+      </a:effectRef>
+      <a:fontRef idx="minor"/>
+    </dgm:style>
+  </dgm:styleLbl>
+  <dgm:styleLbl name="alignAcc1">
+    <dgm:scene3d>
+      <a:camera prst="orthographicFront"/>
+      <a:lightRig rig="threePt" dir="t"/>
+    </dgm:scene3d>
+    <dgm:sp3d/>
+    <dgm:txPr/>
+    <dgm:style>
+      <a:lnRef idx="2">
+        <a:scrgbClr r="0" g="0" b="0"/>
+      </a:lnRef>
+      <a:fillRef idx="1">
+        <a:scrgbClr r="0" g="0" b="0"/>
+      </a:fillRef>
+      <a:effectRef idx="0">
+        <a:scrgbClr r="0" g="0" b="0"/>
+      </a:effectRef>
+      <a:fontRef idx="minor"/>
+    </dgm:style>
+  </dgm:styleLbl>
+  <dgm:styleLbl name="trAlignAcc1">
+    <dgm:scene3d>
+      <a:camera prst="orthographicFront"/>
+      <a:lightRig rig="threePt" dir="t"/>
+    </dgm:scene3d>
+    <dgm:sp3d/>
+    <dgm:txPr/>
+    <dgm:style>
+      <a:lnRef idx="1">
+        <a:scrgbClr r="0" g="0" b="0"/>
+      </a:lnRef>
+      <a:fillRef idx="1">
+        <a:scrgbClr r="0" g="0" b="0"/>
+      </a:fillRef>
+      <a:effectRef idx="0">
+        <a:scrgbClr r="0" g="0" b="0"/>
+      </a:effectRef>
+      <a:fontRef idx="minor"/>
+    </dgm:style>
+  </dgm:styleLbl>
+  <dgm:styleLbl name="bgAcc1">
+    <dgm:scene3d>
+      <a:camera prst="orthographicFront"/>
+      <a:lightRig rig="threePt" dir="t"/>
+    </dgm:scene3d>
+    <dgm:sp3d/>
+    <dgm:txPr/>
+    <dgm:style>
+      <a:lnRef idx="2">
+        <a:scrgbClr r="0" g="0" b="0"/>
+      </a:lnRef>
+      <a:fillRef idx="1">
+        <a:scrgbClr r="0" g="0" b="0"/>
+      </a:fillRef>
+      <a:effectRef idx="0">
+        <a:scrgbClr r="0" g="0" b="0"/>
+      </a:effectRef>
+      <a:fontRef idx="minor"/>
+    </dgm:style>
+  </dgm:styleLbl>
+  <dgm:styleLbl name="solidFgAcc1">
+    <dgm:scene3d>
+      <a:camera prst="orthographicFront"/>
+      <a:lightRig rig="threePt" dir="t"/>
+    </dgm:scene3d>
+    <dgm:sp3d/>
+    <dgm:txPr/>
+    <dgm:style>
+      <a:lnRef idx="2">
+        <a:scrgbClr r="0" g="0" b="0"/>
+      </a:lnRef>
+      <a:fillRef idx="1">
+        <a:scrgbClr r="0" g="0" b="0"/>
+      </a:fillRef>
+      <a:effectRef idx="0">
+        <a:scrgbClr r="0" g="0" b="0"/>
+      </a:effectRef>
+      <a:fontRef idx="minor"/>
+    </dgm:style>
+  </dgm:styleLbl>
+  <dgm:styleLbl name="solidAlignAcc1">
+    <dgm:scene3d>
+      <a:camera prst="orthographicFront"/>
+      <a:lightRig rig="threePt" dir="t"/>
+    </dgm:scene3d>
+    <dgm:sp3d/>
+    <dgm:txPr/>
+    <dgm:style>
+      <a:lnRef idx="2">
+        <a:scrgbClr r="0" g="0" b="0"/>
+      </a:lnRef>
+      <a:fillRef idx="1">
+        <a:scrgbClr r="0" g="0" b="0"/>
+      </a:fillRef>
+      <a:effectRef idx="0">
+        <a:scrgbClr r="0" g="0" b="0"/>
+      </a:effectRef>
+      <a:fontRef idx="minor"/>
+    </dgm:style>
+  </dgm:styleLbl>
+  <dgm:styleLbl name="solidBgAcc1">
+    <dgm:scene3d>
+      <a:camera prst="orthographicFront"/>
+      <a:lightRig rig="threePt" dir="t"/>
+    </dgm:scene3d>
+    <dgm:sp3d/>
+    <dgm:txPr/>
+    <dgm:style>
+      <a:lnRef idx="2">
+        <a:scrgbClr r="0" g="0" b="0"/>
+      </a:lnRef>
+      <a:fillRef idx="1">
+        <a:scrgbClr r="0" g="0" b="0"/>
+      </a:fillRef>
+      <a:effectRef idx="0">
+        <a:scrgbClr r="0" g="0" b="0"/>
+      </a:effectRef>
+      <a:fontRef idx="minor"/>
+    </dgm:style>
+  </dgm:styleLbl>
+  <dgm:styleLbl name="fgAccFollowNode1">
+    <dgm:scene3d>
+      <a:camera prst="orthographicFront"/>
+      <a:lightRig rig="threePt" dir="t"/>
+    </dgm:scene3d>
+    <dgm:sp3d/>
+    <dgm:txPr/>
+    <dgm:style>
+      <a:lnRef idx="2">
+        <a:scrgbClr r="0" g="0" b="0"/>
+      </a:lnRef>
+      <a:fillRef idx="1">
+        <a:scrgbClr r="0" g="0" b="0"/>
+      </a:fillRef>
+      <a:effectRef idx="0">
+        <a:scrgbClr r="0" g="0" b="0"/>
+      </a:effectRef>
+      <a:fontRef idx="minor"/>
+    </dgm:style>
+  </dgm:styleLbl>
+  <dgm:styleLbl name="alignAccFollowNode1">
+    <dgm:scene3d>
+      <a:camera prst="orthographicFront"/>
+      <a:lightRig rig="threePt" dir="t"/>
+    </dgm:scene3d>
+    <dgm:sp3d/>
+    <dgm:txPr/>
+    <dgm:style>
+      <a:lnRef idx="2">
+        <a:scrgbClr r="0" g="0" b="0"/>
+      </a:lnRef>
+      <a:fillRef idx="1">
+        <a:scrgbClr r="0" g="0" b="0"/>
+      </a:fillRef>
+      <a:effectRef idx="0">
+        <a:scrgbClr r="0" g="0" b="0"/>
+      </a:effectRef>
+      <a:fontRef idx="minor"/>
+    </dgm:style>
+  </dgm:styleLbl>
+  <dgm:styleLbl name="bgAccFollowNode1">
+    <dgm:scene3d>
+      <a:camera prst="orthographicFront"/>
+      <a:lightRig rig="threePt" dir="t"/>
+    </dgm:scene3d>
+    <dgm:sp3d/>
+    <dgm:txPr/>
+    <dgm:style>
+      <a:lnRef idx="2">
+        <a:scrgbClr r="0" g="0" b="0"/>
+      </a:lnRef>
+      <a:fillRef idx="1">
+        <a:scrgbClr r="0" g="0" b="0"/>
+      </a:fillRef>
+      <a:effectRef idx="0">
+        <a:scrgbClr r="0" g="0" b="0"/>
+      </a:effectRef>
+      <a:fontRef idx="minor"/>
+    </dgm:style>
+  </dgm:styleLbl>
+  <dgm:styleLbl name="fgAcc0">
+    <dgm:scene3d>
+      <a:camera prst="orthographicFront"/>
+      <a:lightRig rig="threePt" dir="t"/>
+    </dgm:scene3d>
+    <dgm:sp3d/>
+    <dgm:txPr/>
+    <dgm:style>
+      <a:lnRef idx="2">
+        <a:scrgbClr r="0" g="0" b="0"/>
+      </a:lnRef>
+      <a:fillRef idx="1">
+        <a:scrgbClr r="0" g="0" b="0"/>
+      </a:fillRef>
+      <a:effectRef idx="0">
+        <a:scrgbClr r="0" g="0" b="0"/>
+      </a:effectRef>
+      <a:fontRef idx="minor"/>
+    </dgm:style>
+  </dgm:styleLbl>
+  <dgm:styleLbl name="fgAcc2">
+    <dgm:scene3d>
+      <a:camera prst="orthographicFront"/>
+      <a:lightRig rig="threePt" dir="t"/>
+    </dgm:scene3d>
+    <dgm:sp3d/>
+    <dgm:txPr/>
+    <dgm:style>
+      <a:lnRef idx="2">
+        <a:scrgbClr r="0" g="0" b="0"/>
+      </a:lnRef>
+      <a:fillRef idx="1">
+        <a:scrgbClr r="0" g="0" b="0"/>
+      </a:fillRef>
+      <a:effectRef idx="0">
+        <a:scrgbClr r="0" g="0" b="0"/>
+      </a:effectRef>
+      <a:fontRef idx="minor"/>
+    </dgm:style>
+  </dgm:styleLbl>
+  <dgm:styleLbl name="fgAcc3">
+    <dgm:scene3d>
+      <a:camera prst="orthographicFront"/>
+      <a:lightRig rig="threePt" dir="t"/>
+    </dgm:scene3d>
+    <dgm:sp3d/>
+    <dgm:txPr/>
+    <dgm:style>
+      <a:lnRef idx="2">
+        <a:scrgbClr r="0" g="0" b="0"/>
+      </a:lnRef>
+      <a:fillRef idx="1">
+        <a:scrgbClr r="0" g="0" b="0"/>
+      </a:fillRef>
+      <a:effectRef idx="0">
+        <a:scrgbClr r="0" g="0" b="0"/>
+      </a:effectRef>
+      <a:fontRef idx="minor"/>
+    </dgm:style>
+  </dgm:styleLbl>
+  <dgm:styleLbl name="fgAcc4">
+    <dgm:scene3d>
+      <a:camera prst="orthographicFront"/>
+      <a:lightRig rig="threePt" dir="t"/>
+    </dgm:scene3d>
+    <dgm:sp3d/>
+    <dgm:txPr/>
+    <dgm:style>
+      <a:lnRef idx="2">
+        <a:scrgbClr r="0" g="0" b="0"/>
+      </a:lnRef>
+      <a:fillRef idx="1">
+        <a:scrgbClr r="0" g="0" b="0"/>
+      </a:fillRef>
+      <a:effectRef idx="0">
+        <a:scrgbClr r="0" g="0" b="0"/>
+      </a:effectRef>
+      <a:fontRef idx="minor"/>
+    </dgm:style>
+  </dgm:styleLbl>
+  <dgm:styleLbl name="bgShp">
+    <dgm:scene3d>
+      <a:camera prst="orthographicFront"/>
+      <a:lightRig rig="threePt" dir="t"/>
+    </dgm:scene3d>
+    <dgm:sp3d/>
+    <dgm:txPr/>
+    <dgm:style>
+      <a:lnRef idx="0">
+        <a:scrgbClr r="0" g="0" b="0"/>
+      </a:lnRef>
+      <a:fillRef idx="1">
+        <a:scrgbClr r="0" g="0" b="0"/>
+      </a:fillRef>
+      <a:effectRef idx="0">
+        <a:scrgbClr r="0" g="0" b="0"/>
+      </a:effectRef>
+      <a:fontRef idx="minor"/>
+    </dgm:style>
+  </dgm:styleLbl>
+  <dgm:styleLbl name="dkBgShp">
+    <dgm:scene3d>
+      <a:camera prst="orthographicFront"/>
+      <a:lightRig rig="threePt" dir="t"/>
+    </dgm:scene3d>
+    <dgm:sp3d/>
+    <dgm:txPr/>
+    <dgm:style>
+      <a:lnRef idx="0">
+        <a:scrgbClr r="0" g="0" b="0"/>
+      </a:lnRef>
+      <a:fillRef idx="1">
+        <a:scrgbClr r="0" g="0" b="0"/>
+      </a:fillRef>
+      <a:effectRef idx="0">
+        <a:scrgbClr r="0" g="0" b="0"/>
+      </a:effectRef>
+      <a:fontRef idx="minor"/>
+    </dgm:style>
+  </dgm:styleLbl>
+  <dgm:styleLbl name="trBgShp">
+    <dgm:scene3d>
+      <a:camera prst="orthographicFront"/>
+      <a:lightRig rig="threePt" dir="t"/>
+    </dgm:scene3d>
+    <dgm:sp3d/>
+    <dgm:txPr/>
+    <dgm:style>
+      <a:lnRef idx="0">
+        <a:scrgbClr r="0" g="0" b="0"/>
+      </a:lnRef>
+      <a:fillRef idx="1">
+        <a:scrgbClr r="0" g="0" b="0"/>
+      </a:fillRef>
+      <a:effectRef idx="0">
+        <a:scrgbClr r="0" g="0" b="0"/>
+      </a:effectRef>
+      <a:fontRef idx="minor"/>
+    </dgm:style>
+  </dgm:styleLbl>
+  <dgm:styleLbl name="fgShp">
+    <dgm:scene3d>
+      <a:camera prst="orthographicFront"/>
+      <a:lightRig rig="threePt" dir="t"/>
+    </dgm:scene3d>
+    <dgm:sp3d/>
+    <dgm:txPr/>
+    <dgm:style>
+      <a:lnRef idx="2">
+        <a:scrgbClr r="0" g="0" b="0"/>
+      </a:lnRef>
+      <a:fillRef idx="1">
+        <a:scrgbClr r="0" g="0" b="0"/>
+      </a:fillRef>
+      <a:effectRef idx="0">
+        <a:scrgbClr r="0" g="0" b="0"/>
+      </a:effectRef>
+      <a:fontRef idx="minor"/>
+    </dgm:style>
+  </dgm:styleLbl>
+  <dgm:styleLbl name="revTx">
+    <dgm:scene3d>
+      <a:camera prst="orthographicFront"/>
+      <a:lightRig rig="threePt" dir="t"/>
+    </dgm:scene3d>
+    <dgm:sp3d/>
+    <dgm:txPr/>
+    <dgm:style>
+      <a:lnRef idx="0">
+        <a:scrgbClr r="0" g="0" b="0"/>
+      </a:lnRef>
+      <a:fillRef idx="0">
+        <a:scrgbClr r="0" g="0" b="0"/>
+      </a:fillRef>
+      <a:effectRef idx="0">
+        <a:scrgbClr r="0" g="0" b="0"/>
+      </a:effectRef>
+      <a:fontRef idx="minor"/>
+    </dgm:style>
+  </dgm:styleLbl>
+</dgm:styleDef>
+</file>
+
+<file path=ppt/diagrams/quickStyle4.xml><?xml version="1.0" encoding="utf-8"?>
 <dgm:styleDef xmlns:dgm="http://schemas.openxmlformats.org/drawingml/2006/diagram" xmlns:a="http://schemas.openxmlformats.org/drawingml/2006/main" uniqueId="urn:microsoft.com/office/officeart/2005/8/quickstyle/simple1">
   <dgm:title val=""/>
   <dgm:desc val=""/>
@@ -14477,7 +17551,7 @@
           <p:cNvPr id="2" name="Title 1">
             <a:extLst>
               <a:ext uri="{FF2B5EF4-FFF2-40B4-BE49-F238E27FC236}">
-                <a16:creationId xmlns:a16="http://schemas.microsoft.com/office/drawing/2014/main" id="{671C57D3-64D3-41D7-B746-15F6D3F3C358}"/>
+                <a16:creationId xmlns:a16="http://schemas.microsoft.com/office/drawing/2014/main" id="{63C5E1A9-02B5-419D-A903-3CF17AAD92F8}"/>
               </a:ext>
             </a:extLst>
           </p:cNvPr>
@@ -14515,7 +17589,7 @@
           <p:cNvPr id="3" name="Subtitle 2">
             <a:extLst>
               <a:ext uri="{FF2B5EF4-FFF2-40B4-BE49-F238E27FC236}">
-                <a16:creationId xmlns:a16="http://schemas.microsoft.com/office/drawing/2014/main" id="{716D966C-44CA-4DAD-9E62-796196786B33}"/>
+                <a16:creationId xmlns:a16="http://schemas.microsoft.com/office/drawing/2014/main" id="{A4E61926-7DA2-4336-AA5D-1BAE5250A422}"/>
               </a:ext>
             </a:extLst>
           </p:cNvPr>
@@ -14586,7 +17660,7 @@
           <p:cNvPr id="4" name="Date Placeholder 3">
             <a:extLst>
               <a:ext uri="{FF2B5EF4-FFF2-40B4-BE49-F238E27FC236}">
-                <a16:creationId xmlns:a16="http://schemas.microsoft.com/office/drawing/2014/main" id="{6723F10A-1DD6-452D-844C-0DB2E3E4E087}"/>
+                <a16:creationId xmlns:a16="http://schemas.microsoft.com/office/drawing/2014/main" id="{C25A3DFD-1079-4E59-B877-4658D42F95D0}"/>
               </a:ext>
             </a:extLst>
           </p:cNvPr>
@@ -14615,7 +17689,7 @@
           <p:cNvPr id="5" name="Footer Placeholder 4">
             <a:extLst>
               <a:ext uri="{FF2B5EF4-FFF2-40B4-BE49-F238E27FC236}">
-                <a16:creationId xmlns:a16="http://schemas.microsoft.com/office/drawing/2014/main" id="{1F35162E-04A0-4F0B-ABE7-936A03E687F9}"/>
+                <a16:creationId xmlns:a16="http://schemas.microsoft.com/office/drawing/2014/main" id="{FB3F24CF-B1D3-45CA-99D1-E9A1CD7D3771}"/>
               </a:ext>
             </a:extLst>
           </p:cNvPr>
@@ -14640,7 +17714,7 @@
           <p:cNvPr id="6" name="Slide Number Placeholder 5">
             <a:extLst>
               <a:ext uri="{FF2B5EF4-FFF2-40B4-BE49-F238E27FC236}">
-                <a16:creationId xmlns:a16="http://schemas.microsoft.com/office/drawing/2014/main" id="{10A391A0-B2A5-4785-8F8A-8BDF80A95ACA}"/>
+                <a16:creationId xmlns:a16="http://schemas.microsoft.com/office/drawing/2014/main" id="{88E2C6EF-1B20-4771-A4C8-104AE97F8B91}"/>
               </a:ext>
             </a:extLst>
           </p:cNvPr>
@@ -14667,7 +17741,7 @@
     </p:spTree>
     <p:extLst>
       <p:ext uri="{BB962C8B-B14F-4D97-AF65-F5344CB8AC3E}">
-        <p14:creationId xmlns:p14="http://schemas.microsoft.com/office/powerpoint/2010/main" val="821542859"/>
+        <p14:creationId xmlns:p14="http://schemas.microsoft.com/office/powerpoint/2010/main" val="1742396401"/>
       </p:ext>
     </p:extLst>
   </p:cSld>
@@ -14699,7 +17773,7 @@
           <p:cNvPr id="2" name="Title 1">
             <a:extLst>
               <a:ext uri="{FF2B5EF4-FFF2-40B4-BE49-F238E27FC236}">
-                <a16:creationId xmlns:a16="http://schemas.microsoft.com/office/drawing/2014/main" id="{1E881F76-8F40-4C16-A7CD-5C9ED74BEB05}"/>
+                <a16:creationId xmlns:a16="http://schemas.microsoft.com/office/drawing/2014/main" id="{86845656-661E-48A0-B26F-26F98B8D4747}"/>
               </a:ext>
             </a:extLst>
           </p:cNvPr>
@@ -14728,7 +17802,7 @@
           <p:cNvPr id="3" name="Vertical Text Placeholder 2">
             <a:extLst>
               <a:ext uri="{FF2B5EF4-FFF2-40B4-BE49-F238E27FC236}">
-                <a16:creationId xmlns:a16="http://schemas.microsoft.com/office/drawing/2014/main" id="{2C4235C1-B9B6-47B5-9CA9-89BCEB124529}"/>
+                <a16:creationId xmlns:a16="http://schemas.microsoft.com/office/drawing/2014/main" id="{96BDC220-0C61-4E85-BA79-F942E6B7F1E0}"/>
               </a:ext>
             </a:extLst>
           </p:cNvPr>
@@ -14786,7 +17860,7 @@
           <p:cNvPr id="4" name="Date Placeholder 3">
             <a:extLst>
               <a:ext uri="{FF2B5EF4-FFF2-40B4-BE49-F238E27FC236}">
-                <a16:creationId xmlns:a16="http://schemas.microsoft.com/office/drawing/2014/main" id="{160C17DB-13FE-4A40-90A5-ADB87E171946}"/>
+                <a16:creationId xmlns:a16="http://schemas.microsoft.com/office/drawing/2014/main" id="{3680C461-223F-4A5B-9B12-A639934CC84E}"/>
               </a:ext>
             </a:extLst>
           </p:cNvPr>
@@ -14815,7 +17889,7 @@
           <p:cNvPr id="5" name="Footer Placeholder 4">
             <a:extLst>
               <a:ext uri="{FF2B5EF4-FFF2-40B4-BE49-F238E27FC236}">
-                <a16:creationId xmlns:a16="http://schemas.microsoft.com/office/drawing/2014/main" id="{BBE432B3-71D2-43A1-A54E-7603F8569B01}"/>
+                <a16:creationId xmlns:a16="http://schemas.microsoft.com/office/drawing/2014/main" id="{4441BCDC-6E43-4F7E-8F26-AE05DD134F98}"/>
               </a:ext>
             </a:extLst>
           </p:cNvPr>
@@ -14840,7 +17914,7 @@
           <p:cNvPr id="6" name="Slide Number Placeholder 5">
             <a:extLst>
               <a:ext uri="{FF2B5EF4-FFF2-40B4-BE49-F238E27FC236}">
-                <a16:creationId xmlns:a16="http://schemas.microsoft.com/office/drawing/2014/main" id="{05013DA7-4DE2-424F-8158-9CE3ADFD7372}"/>
+                <a16:creationId xmlns:a16="http://schemas.microsoft.com/office/drawing/2014/main" id="{E1DD9C81-345F-4557-99DB-DDED52C425E2}"/>
               </a:ext>
             </a:extLst>
           </p:cNvPr>
@@ -14867,7 +17941,7 @@
     </p:spTree>
     <p:extLst>
       <p:ext uri="{BB962C8B-B14F-4D97-AF65-F5344CB8AC3E}">
-        <p14:creationId xmlns:p14="http://schemas.microsoft.com/office/powerpoint/2010/main" val="454965672"/>
+        <p14:creationId xmlns:p14="http://schemas.microsoft.com/office/powerpoint/2010/main" val="3521366262"/>
       </p:ext>
     </p:extLst>
   </p:cSld>
@@ -14899,7 +17973,7 @@
           <p:cNvPr id="2" name="Vertical Title 1">
             <a:extLst>
               <a:ext uri="{FF2B5EF4-FFF2-40B4-BE49-F238E27FC236}">
-                <a16:creationId xmlns:a16="http://schemas.microsoft.com/office/drawing/2014/main" id="{F86575BA-F19E-4940-9B0B-53BA7DACA0C2}"/>
+                <a16:creationId xmlns:a16="http://schemas.microsoft.com/office/drawing/2014/main" id="{743E148F-75B5-4E08-BE96-AFAF8D56ADC6}"/>
               </a:ext>
             </a:extLst>
           </p:cNvPr>
@@ -14933,7 +18007,7 @@
           <p:cNvPr id="3" name="Vertical Text Placeholder 2">
             <a:extLst>
               <a:ext uri="{FF2B5EF4-FFF2-40B4-BE49-F238E27FC236}">
-                <a16:creationId xmlns:a16="http://schemas.microsoft.com/office/drawing/2014/main" id="{17091380-B334-47F8-87D1-D3D27B3E14E9}"/>
+                <a16:creationId xmlns:a16="http://schemas.microsoft.com/office/drawing/2014/main" id="{3D5B2CB2-21A6-4DA4-A806-816BB30FBC99}"/>
               </a:ext>
             </a:extLst>
           </p:cNvPr>
@@ -14996,7 +18070,7 @@
           <p:cNvPr id="4" name="Date Placeholder 3">
             <a:extLst>
               <a:ext uri="{FF2B5EF4-FFF2-40B4-BE49-F238E27FC236}">
-                <a16:creationId xmlns:a16="http://schemas.microsoft.com/office/drawing/2014/main" id="{28E6B628-BE94-4DE8-8839-906A43E7CFAD}"/>
+                <a16:creationId xmlns:a16="http://schemas.microsoft.com/office/drawing/2014/main" id="{302AC99E-9E61-4510-9311-8E439EBA055C}"/>
               </a:ext>
             </a:extLst>
           </p:cNvPr>
@@ -15025,7 +18099,7 @@
           <p:cNvPr id="5" name="Footer Placeholder 4">
             <a:extLst>
               <a:ext uri="{FF2B5EF4-FFF2-40B4-BE49-F238E27FC236}">
-                <a16:creationId xmlns:a16="http://schemas.microsoft.com/office/drawing/2014/main" id="{9DFC8A80-9E9F-4082-91FC-3E96D6C6533E}"/>
+                <a16:creationId xmlns:a16="http://schemas.microsoft.com/office/drawing/2014/main" id="{E117F2C9-3C25-4832-8990-CE0D3CECD5DB}"/>
               </a:ext>
             </a:extLst>
           </p:cNvPr>
@@ -15050,7 +18124,7 @@
           <p:cNvPr id="6" name="Slide Number Placeholder 5">
             <a:extLst>
               <a:ext uri="{FF2B5EF4-FFF2-40B4-BE49-F238E27FC236}">
-                <a16:creationId xmlns:a16="http://schemas.microsoft.com/office/drawing/2014/main" id="{A1A5F1E8-C21B-4FBB-8B8A-318DA84CAA99}"/>
+                <a16:creationId xmlns:a16="http://schemas.microsoft.com/office/drawing/2014/main" id="{A32EE1B4-A332-45B8-953F-DD2D56BD7954}"/>
               </a:ext>
             </a:extLst>
           </p:cNvPr>
@@ -15077,7 +18151,7 @@
     </p:spTree>
     <p:extLst>
       <p:ext uri="{BB962C8B-B14F-4D97-AF65-F5344CB8AC3E}">
-        <p14:creationId xmlns:p14="http://schemas.microsoft.com/office/powerpoint/2010/main" val="2239056862"/>
+        <p14:creationId xmlns:p14="http://schemas.microsoft.com/office/powerpoint/2010/main" val="3060743512"/>
       </p:ext>
     </p:extLst>
   </p:cSld>
@@ -15109,7 +18183,7 @@
           <p:cNvPr id="2" name="Title 1">
             <a:extLst>
               <a:ext uri="{FF2B5EF4-FFF2-40B4-BE49-F238E27FC236}">
-                <a16:creationId xmlns:a16="http://schemas.microsoft.com/office/drawing/2014/main" id="{7DBACE66-D87B-4A0E-947F-750573B6F770}"/>
+                <a16:creationId xmlns:a16="http://schemas.microsoft.com/office/drawing/2014/main" id="{EE850107-DDF9-445D-837C-2484C7DB1748}"/>
               </a:ext>
             </a:extLst>
           </p:cNvPr>
@@ -15138,7 +18212,7 @@
           <p:cNvPr id="3" name="Content Placeholder 2">
             <a:extLst>
               <a:ext uri="{FF2B5EF4-FFF2-40B4-BE49-F238E27FC236}">
-                <a16:creationId xmlns:a16="http://schemas.microsoft.com/office/drawing/2014/main" id="{44EC71A8-511D-473B-896E-C47C6155225E}"/>
+                <a16:creationId xmlns:a16="http://schemas.microsoft.com/office/drawing/2014/main" id="{9D2EDE2B-B573-4567-B6E5-4F9BE8D865E7}"/>
               </a:ext>
             </a:extLst>
           </p:cNvPr>
@@ -15196,7 +18270,7 @@
           <p:cNvPr id="4" name="Date Placeholder 3">
             <a:extLst>
               <a:ext uri="{FF2B5EF4-FFF2-40B4-BE49-F238E27FC236}">
-                <a16:creationId xmlns:a16="http://schemas.microsoft.com/office/drawing/2014/main" id="{CB7AE7CB-DBEA-49BF-9348-2B59520B6B1C}"/>
+                <a16:creationId xmlns:a16="http://schemas.microsoft.com/office/drawing/2014/main" id="{C9BC8BC9-4075-4C6E-80AD-A4C91DCA9D35}"/>
               </a:ext>
             </a:extLst>
           </p:cNvPr>
@@ -15225,7 +18299,7 @@
           <p:cNvPr id="5" name="Footer Placeholder 4">
             <a:extLst>
               <a:ext uri="{FF2B5EF4-FFF2-40B4-BE49-F238E27FC236}">
-                <a16:creationId xmlns:a16="http://schemas.microsoft.com/office/drawing/2014/main" id="{4B0734D0-7608-4CD7-A41B-E50F321F2536}"/>
+                <a16:creationId xmlns:a16="http://schemas.microsoft.com/office/drawing/2014/main" id="{C1793390-E03E-47C3-8CF2-1274F6BFF2B5}"/>
               </a:ext>
             </a:extLst>
           </p:cNvPr>
@@ -15250,7 +18324,7 @@
           <p:cNvPr id="6" name="Slide Number Placeholder 5">
             <a:extLst>
               <a:ext uri="{FF2B5EF4-FFF2-40B4-BE49-F238E27FC236}">
-                <a16:creationId xmlns:a16="http://schemas.microsoft.com/office/drawing/2014/main" id="{876E66EF-CE0E-4968-831C-68C10074631B}"/>
+                <a16:creationId xmlns:a16="http://schemas.microsoft.com/office/drawing/2014/main" id="{0CD790BC-84F1-4F43-B7AE-B06E180FD8C0}"/>
               </a:ext>
             </a:extLst>
           </p:cNvPr>
@@ -15277,7 +18351,7 @@
     </p:spTree>
     <p:extLst>
       <p:ext uri="{BB962C8B-B14F-4D97-AF65-F5344CB8AC3E}">
-        <p14:creationId xmlns:p14="http://schemas.microsoft.com/office/powerpoint/2010/main" val="435537057"/>
+        <p14:creationId xmlns:p14="http://schemas.microsoft.com/office/powerpoint/2010/main" val="3303877384"/>
       </p:ext>
     </p:extLst>
   </p:cSld>
@@ -15309,7 +18383,7 @@
           <p:cNvPr id="2" name="Title 1">
             <a:extLst>
               <a:ext uri="{FF2B5EF4-FFF2-40B4-BE49-F238E27FC236}">
-                <a16:creationId xmlns:a16="http://schemas.microsoft.com/office/drawing/2014/main" id="{4502DA18-3384-4443-A1C2-EFC6FDF4D955}"/>
+                <a16:creationId xmlns:a16="http://schemas.microsoft.com/office/drawing/2014/main" id="{C973FEC0-5A22-417C-AF91-15E4F2C2E63B}"/>
               </a:ext>
             </a:extLst>
           </p:cNvPr>
@@ -15347,7 +18421,7 @@
           <p:cNvPr id="3" name="Text Placeholder 2">
             <a:extLst>
               <a:ext uri="{FF2B5EF4-FFF2-40B4-BE49-F238E27FC236}">
-                <a16:creationId xmlns:a16="http://schemas.microsoft.com/office/drawing/2014/main" id="{186C151D-19E0-4B70-906C-F8C1E3A125B2}"/>
+                <a16:creationId xmlns:a16="http://schemas.microsoft.com/office/drawing/2014/main" id="{73E34657-492E-45E8-AF2B-E6F4A1546C9B}"/>
               </a:ext>
             </a:extLst>
           </p:cNvPr>
@@ -15472,7 +18546,7 @@
           <p:cNvPr id="4" name="Date Placeholder 3">
             <a:extLst>
               <a:ext uri="{FF2B5EF4-FFF2-40B4-BE49-F238E27FC236}">
-                <a16:creationId xmlns:a16="http://schemas.microsoft.com/office/drawing/2014/main" id="{27BA0F76-53F4-402C-B474-92D62831792C}"/>
+                <a16:creationId xmlns:a16="http://schemas.microsoft.com/office/drawing/2014/main" id="{B578633F-4BE2-4B57-8EF7-E1A16C5CB403}"/>
               </a:ext>
             </a:extLst>
           </p:cNvPr>
@@ -15501,7 +18575,7 @@
           <p:cNvPr id="5" name="Footer Placeholder 4">
             <a:extLst>
               <a:ext uri="{FF2B5EF4-FFF2-40B4-BE49-F238E27FC236}">
-                <a16:creationId xmlns:a16="http://schemas.microsoft.com/office/drawing/2014/main" id="{84D549AA-57D0-40BB-A8AA-6779E62D8D48}"/>
+                <a16:creationId xmlns:a16="http://schemas.microsoft.com/office/drawing/2014/main" id="{1C9DDF3B-21D8-4651-8530-D0F81558A41F}"/>
               </a:ext>
             </a:extLst>
           </p:cNvPr>
@@ -15526,7 +18600,7 @@
           <p:cNvPr id="6" name="Slide Number Placeholder 5">
             <a:extLst>
               <a:ext uri="{FF2B5EF4-FFF2-40B4-BE49-F238E27FC236}">
-                <a16:creationId xmlns:a16="http://schemas.microsoft.com/office/drawing/2014/main" id="{93030327-6673-40DE-AEED-7C4912D05FFE}"/>
+                <a16:creationId xmlns:a16="http://schemas.microsoft.com/office/drawing/2014/main" id="{8BF3A06B-056D-4CFA-99F2-58A386D4D3DF}"/>
               </a:ext>
             </a:extLst>
           </p:cNvPr>
@@ -15553,7 +18627,7 @@
     </p:spTree>
     <p:extLst>
       <p:ext uri="{BB962C8B-B14F-4D97-AF65-F5344CB8AC3E}">
-        <p14:creationId xmlns:p14="http://schemas.microsoft.com/office/powerpoint/2010/main" val="752885489"/>
+        <p14:creationId xmlns:p14="http://schemas.microsoft.com/office/powerpoint/2010/main" val="102711105"/>
       </p:ext>
     </p:extLst>
   </p:cSld>
@@ -15585,7 +18659,7 @@
           <p:cNvPr id="2" name="Title 1">
             <a:extLst>
               <a:ext uri="{FF2B5EF4-FFF2-40B4-BE49-F238E27FC236}">
-                <a16:creationId xmlns:a16="http://schemas.microsoft.com/office/drawing/2014/main" id="{50C20EE7-3A4A-4548-90E2-0CBBFF4ABAE9}"/>
+                <a16:creationId xmlns:a16="http://schemas.microsoft.com/office/drawing/2014/main" id="{238D1BC1-E4F4-48F4-80B2-E6617BBC2FBB}"/>
               </a:ext>
             </a:extLst>
           </p:cNvPr>
@@ -15614,7 +18688,7 @@
           <p:cNvPr id="3" name="Content Placeholder 2">
             <a:extLst>
               <a:ext uri="{FF2B5EF4-FFF2-40B4-BE49-F238E27FC236}">
-                <a16:creationId xmlns:a16="http://schemas.microsoft.com/office/drawing/2014/main" id="{620E6DC8-6E2B-4196-8436-8D22C1EEA945}"/>
+                <a16:creationId xmlns:a16="http://schemas.microsoft.com/office/drawing/2014/main" id="{CE528E72-B746-416A-A706-B3802AC3C45E}"/>
               </a:ext>
             </a:extLst>
           </p:cNvPr>
@@ -15677,7 +18751,7 @@
           <p:cNvPr id="4" name="Content Placeholder 3">
             <a:extLst>
               <a:ext uri="{FF2B5EF4-FFF2-40B4-BE49-F238E27FC236}">
-                <a16:creationId xmlns:a16="http://schemas.microsoft.com/office/drawing/2014/main" id="{375CFDE6-8CD2-4F3C-8F47-34CEFC5C6AEC}"/>
+                <a16:creationId xmlns:a16="http://schemas.microsoft.com/office/drawing/2014/main" id="{F3FD3A70-8FCE-4C48-8D64-7F12FEBABE12}"/>
               </a:ext>
             </a:extLst>
           </p:cNvPr>
@@ -15740,7 +18814,7 @@
           <p:cNvPr id="5" name="Date Placeholder 4">
             <a:extLst>
               <a:ext uri="{FF2B5EF4-FFF2-40B4-BE49-F238E27FC236}">
-                <a16:creationId xmlns:a16="http://schemas.microsoft.com/office/drawing/2014/main" id="{082F1E22-4C5F-492D-BFD5-F8A69E227DDC}"/>
+                <a16:creationId xmlns:a16="http://schemas.microsoft.com/office/drawing/2014/main" id="{EE5F447F-AF9A-4075-BD4F-746EC0073514}"/>
               </a:ext>
             </a:extLst>
           </p:cNvPr>
@@ -15769,7 +18843,7 @@
           <p:cNvPr id="6" name="Footer Placeholder 5">
             <a:extLst>
               <a:ext uri="{FF2B5EF4-FFF2-40B4-BE49-F238E27FC236}">
-                <a16:creationId xmlns:a16="http://schemas.microsoft.com/office/drawing/2014/main" id="{30DED959-FCFC-4F77-9F9B-344C85E6BE3D}"/>
+                <a16:creationId xmlns:a16="http://schemas.microsoft.com/office/drawing/2014/main" id="{72ED33FE-DAD5-4E74-A311-BBEB9E0B2166}"/>
               </a:ext>
             </a:extLst>
           </p:cNvPr>
@@ -15794,7 +18868,7 @@
           <p:cNvPr id="7" name="Slide Number Placeholder 6">
             <a:extLst>
               <a:ext uri="{FF2B5EF4-FFF2-40B4-BE49-F238E27FC236}">
-                <a16:creationId xmlns:a16="http://schemas.microsoft.com/office/drawing/2014/main" id="{69C2F63E-063D-430F-AE0B-873ED22340B7}"/>
+                <a16:creationId xmlns:a16="http://schemas.microsoft.com/office/drawing/2014/main" id="{F82675D8-7629-4D56-BDB8-9F2B2B2CDF5D}"/>
               </a:ext>
             </a:extLst>
           </p:cNvPr>
@@ -15821,7 +18895,7 @@
     </p:spTree>
     <p:extLst>
       <p:ext uri="{BB962C8B-B14F-4D97-AF65-F5344CB8AC3E}">
-        <p14:creationId xmlns:p14="http://schemas.microsoft.com/office/powerpoint/2010/main" val="777242211"/>
+        <p14:creationId xmlns:p14="http://schemas.microsoft.com/office/powerpoint/2010/main" val="2919198568"/>
       </p:ext>
     </p:extLst>
   </p:cSld>
@@ -15853,7 +18927,7 @@
           <p:cNvPr id="2" name="Title 1">
             <a:extLst>
               <a:ext uri="{FF2B5EF4-FFF2-40B4-BE49-F238E27FC236}">
-                <a16:creationId xmlns:a16="http://schemas.microsoft.com/office/drawing/2014/main" id="{489A8B09-4465-495C-8D6B-ADCAB6122B76}"/>
+                <a16:creationId xmlns:a16="http://schemas.microsoft.com/office/drawing/2014/main" id="{3D90AB25-2A17-4675-B017-E8C05B3A105B}"/>
               </a:ext>
             </a:extLst>
           </p:cNvPr>
@@ -15887,7 +18961,7 @@
           <p:cNvPr id="3" name="Text Placeholder 2">
             <a:extLst>
               <a:ext uri="{FF2B5EF4-FFF2-40B4-BE49-F238E27FC236}">
-                <a16:creationId xmlns:a16="http://schemas.microsoft.com/office/drawing/2014/main" id="{A39A48A6-878F-4B6E-ADA2-ADADE485579E}"/>
+                <a16:creationId xmlns:a16="http://schemas.microsoft.com/office/drawing/2014/main" id="{701E7F90-9DF9-4E03-9F36-823D1588A2B9}"/>
               </a:ext>
             </a:extLst>
           </p:cNvPr>
@@ -15958,7 +19032,7 @@
           <p:cNvPr id="4" name="Content Placeholder 3">
             <a:extLst>
               <a:ext uri="{FF2B5EF4-FFF2-40B4-BE49-F238E27FC236}">
-                <a16:creationId xmlns:a16="http://schemas.microsoft.com/office/drawing/2014/main" id="{58BFF425-971A-4BDD-9554-DB4EDC75DBD1}"/>
+                <a16:creationId xmlns:a16="http://schemas.microsoft.com/office/drawing/2014/main" id="{ABAEC628-51FD-424E-A3AE-1EFFE408A3F0}"/>
               </a:ext>
             </a:extLst>
           </p:cNvPr>
@@ -16021,7 +19095,7 @@
           <p:cNvPr id="5" name="Text Placeholder 4">
             <a:extLst>
               <a:ext uri="{FF2B5EF4-FFF2-40B4-BE49-F238E27FC236}">
-                <a16:creationId xmlns:a16="http://schemas.microsoft.com/office/drawing/2014/main" id="{705F803C-8339-48A5-B2B8-5C74554571F7}"/>
+                <a16:creationId xmlns:a16="http://schemas.microsoft.com/office/drawing/2014/main" id="{5B56DBDC-ED07-432E-9827-B4D0E72AA99A}"/>
               </a:ext>
             </a:extLst>
           </p:cNvPr>
@@ -16092,7 +19166,7 @@
           <p:cNvPr id="6" name="Content Placeholder 5">
             <a:extLst>
               <a:ext uri="{FF2B5EF4-FFF2-40B4-BE49-F238E27FC236}">
-                <a16:creationId xmlns:a16="http://schemas.microsoft.com/office/drawing/2014/main" id="{972924EE-0A17-4B0E-B880-BDC105296BEC}"/>
+                <a16:creationId xmlns:a16="http://schemas.microsoft.com/office/drawing/2014/main" id="{B74F6A3C-DF77-4C01-8CD1-346414D82182}"/>
               </a:ext>
             </a:extLst>
           </p:cNvPr>
@@ -16155,7 +19229,7 @@
           <p:cNvPr id="7" name="Date Placeholder 6">
             <a:extLst>
               <a:ext uri="{FF2B5EF4-FFF2-40B4-BE49-F238E27FC236}">
-                <a16:creationId xmlns:a16="http://schemas.microsoft.com/office/drawing/2014/main" id="{723FC7BC-2250-4268-A01C-A9D54A4C8AF0}"/>
+                <a16:creationId xmlns:a16="http://schemas.microsoft.com/office/drawing/2014/main" id="{8EA15087-A83E-410D-A263-2838D4234D63}"/>
               </a:ext>
             </a:extLst>
           </p:cNvPr>
@@ -16184,7 +19258,7 @@
           <p:cNvPr id="8" name="Footer Placeholder 7">
             <a:extLst>
               <a:ext uri="{FF2B5EF4-FFF2-40B4-BE49-F238E27FC236}">
-                <a16:creationId xmlns:a16="http://schemas.microsoft.com/office/drawing/2014/main" id="{8B1152EE-7524-4B74-9780-F8BFBD52BE45}"/>
+                <a16:creationId xmlns:a16="http://schemas.microsoft.com/office/drawing/2014/main" id="{536AF18E-B054-4D46-A481-1952A49F740F}"/>
               </a:ext>
             </a:extLst>
           </p:cNvPr>
@@ -16209,7 +19283,7 @@
           <p:cNvPr id="9" name="Slide Number Placeholder 8">
             <a:extLst>
               <a:ext uri="{FF2B5EF4-FFF2-40B4-BE49-F238E27FC236}">
-                <a16:creationId xmlns:a16="http://schemas.microsoft.com/office/drawing/2014/main" id="{5A0BDB32-A547-43FC-BFC0-606A444707C0}"/>
+                <a16:creationId xmlns:a16="http://schemas.microsoft.com/office/drawing/2014/main" id="{EC289179-6B27-4FD1-B2F7-02C75D332D41}"/>
               </a:ext>
             </a:extLst>
           </p:cNvPr>
@@ -16236,7 +19310,7 @@
     </p:spTree>
     <p:extLst>
       <p:ext uri="{BB962C8B-B14F-4D97-AF65-F5344CB8AC3E}">
-        <p14:creationId xmlns:p14="http://schemas.microsoft.com/office/powerpoint/2010/main" val="4023156180"/>
+        <p14:creationId xmlns:p14="http://schemas.microsoft.com/office/powerpoint/2010/main" val="505610576"/>
       </p:ext>
     </p:extLst>
   </p:cSld>
@@ -16268,7 +19342,7 @@
           <p:cNvPr id="2" name="Title 1">
             <a:extLst>
               <a:ext uri="{FF2B5EF4-FFF2-40B4-BE49-F238E27FC236}">
-                <a16:creationId xmlns:a16="http://schemas.microsoft.com/office/drawing/2014/main" id="{3395B6B0-25BC-4DEE-8896-B68CA15F0A94}"/>
+                <a16:creationId xmlns:a16="http://schemas.microsoft.com/office/drawing/2014/main" id="{2F11393F-B4A0-466B-AD7E-D34439BD3828}"/>
               </a:ext>
             </a:extLst>
           </p:cNvPr>
@@ -16297,7 +19371,7 @@
           <p:cNvPr id="3" name="Date Placeholder 2">
             <a:extLst>
               <a:ext uri="{FF2B5EF4-FFF2-40B4-BE49-F238E27FC236}">
-                <a16:creationId xmlns:a16="http://schemas.microsoft.com/office/drawing/2014/main" id="{97D9D217-224E-44AE-B4CB-8EAF163898F1}"/>
+                <a16:creationId xmlns:a16="http://schemas.microsoft.com/office/drawing/2014/main" id="{009BB0D4-44D8-42AD-A6DA-130408C6C9FB}"/>
               </a:ext>
             </a:extLst>
           </p:cNvPr>
@@ -16326,7 +19400,7 @@
           <p:cNvPr id="4" name="Footer Placeholder 3">
             <a:extLst>
               <a:ext uri="{FF2B5EF4-FFF2-40B4-BE49-F238E27FC236}">
-                <a16:creationId xmlns:a16="http://schemas.microsoft.com/office/drawing/2014/main" id="{EF7CA013-6907-484D-9798-FBC5FE41A7C8}"/>
+                <a16:creationId xmlns:a16="http://schemas.microsoft.com/office/drawing/2014/main" id="{9AD0B198-A30D-45A1-A16C-9B7BE1BD4DAD}"/>
               </a:ext>
             </a:extLst>
           </p:cNvPr>
@@ -16351,7 +19425,7 @@
           <p:cNvPr id="5" name="Slide Number Placeholder 4">
             <a:extLst>
               <a:ext uri="{FF2B5EF4-FFF2-40B4-BE49-F238E27FC236}">
-                <a16:creationId xmlns:a16="http://schemas.microsoft.com/office/drawing/2014/main" id="{73B8BF73-D9DC-40F3-B525-9A8D694DD113}"/>
+                <a16:creationId xmlns:a16="http://schemas.microsoft.com/office/drawing/2014/main" id="{AEF29199-D980-4DCD-96D0-A3684B3950EE}"/>
               </a:ext>
             </a:extLst>
           </p:cNvPr>
@@ -16378,7 +19452,7 @@
     </p:spTree>
     <p:extLst>
       <p:ext uri="{BB962C8B-B14F-4D97-AF65-F5344CB8AC3E}">
-        <p14:creationId xmlns:p14="http://schemas.microsoft.com/office/powerpoint/2010/main" val="1092715093"/>
+        <p14:creationId xmlns:p14="http://schemas.microsoft.com/office/powerpoint/2010/main" val="2414514190"/>
       </p:ext>
     </p:extLst>
   </p:cSld>
@@ -16410,7 +19484,7 @@
           <p:cNvPr id="2" name="Date Placeholder 1">
             <a:extLst>
               <a:ext uri="{FF2B5EF4-FFF2-40B4-BE49-F238E27FC236}">
-                <a16:creationId xmlns:a16="http://schemas.microsoft.com/office/drawing/2014/main" id="{AD42C938-EE59-401E-B9A8-513DD7F5CB46}"/>
+                <a16:creationId xmlns:a16="http://schemas.microsoft.com/office/drawing/2014/main" id="{76DA348C-E6D0-47FC-8F37-4F1046AE247F}"/>
               </a:ext>
             </a:extLst>
           </p:cNvPr>
@@ -16439,7 +19513,7 @@
           <p:cNvPr id="3" name="Footer Placeholder 2">
             <a:extLst>
               <a:ext uri="{FF2B5EF4-FFF2-40B4-BE49-F238E27FC236}">
-                <a16:creationId xmlns:a16="http://schemas.microsoft.com/office/drawing/2014/main" id="{B1C22BE9-2774-4B37-8CB7-8305A57E891D}"/>
+                <a16:creationId xmlns:a16="http://schemas.microsoft.com/office/drawing/2014/main" id="{A0347AB8-9B2D-49DD-BB62-A4FD92032356}"/>
               </a:ext>
             </a:extLst>
           </p:cNvPr>
@@ -16464,7 +19538,7 @@
           <p:cNvPr id="4" name="Slide Number Placeholder 3">
             <a:extLst>
               <a:ext uri="{FF2B5EF4-FFF2-40B4-BE49-F238E27FC236}">
-                <a16:creationId xmlns:a16="http://schemas.microsoft.com/office/drawing/2014/main" id="{10C9F6BF-0F0E-4B5A-9B57-8A611E95CDA9}"/>
+                <a16:creationId xmlns:a16="http://schemas.microsoft.com/office/drawing/2014/main" id="{D48FC72C-A18F-45BA-B8CC-FE99E94B56F3}"/>
               </a:ext>
             </a:extLst>
           </p:cNvPr>
@@ -16491,7 +19565,7 @@
     </p:spTree>
     <p:extLst>
       <p:ext uri="{BB962C8B-B14F-4D97-AF65-F5344CB8AC3E}">
-        <p14:creationId xmlns:p14="http://schemas.microsoft.com/office/powerpoint/2010/main" val="3709011679"/>
+        <p14:creationId xmlns:p14="http://schemas.microsoft.com/office/powerpoint/2010/main" val="1356758358"/>
       </p:ext>
     </p:extLst>
   </p:cSld>
@@ -16523,7 +19597,7 @@
           <p:cNvPr id="2" name="Title 1">
             <a:extLst>
               <a:ext uri="{FF2B5EF4-FFF2-40B4-BE49-F238E27FC236}">
-                <a16:creationId xmlns:a16="http://schemas.microsoft.com/office/drawing/2014/main" id="{BC27D161-A3F6-475C-9845-027322B6DC65}"/>
+                <a16:creationId xmlns:a16="http://schemas.microsoft.com/office/drawing/2014/main" id="{A323CEB4-0210-4D72-8ABE-11688922318F}"/>
               </a:ext>
             </a:extLst>
           </p:cNvPr>
@@ -16561,7 +19635,7 @@
           <p:cNvPr id="3" name="Content Placeholder 2">
             <a:extLst>
               <a:ext uri="{FF2B5EF4-FFF2-40B4-BE49-F238E27FC236}">
-                <a16:creationId xmlns:a16="http://schemas.microsoft.com/office/drawing/2014/main" id="{006446B1-38F0-4CBC-B27B-F39CA4172819}"/>
+                <a16:creationId xmlns:a16="http://schemas.microsoft.com/office/drawing/2014/main" id="{1A11005F-0833-4C43-A3F4-58F8BFE89ABB}"/>
               </a:ext>
             </a:extLst>
           </p:cNvPr>
@@ -16652,7 +19726,7 @@
           <p:cNvPr id="4" name="Text Placeholder 3">
             <a:extLst>
               <a:ext uri="{FF2B5EF4-FFF2-40B4-BE49-F238E27FC236}">
-                <a16:creationId xmlns:a16="http://schemas.microsoft.com/office/drawing/2014/main" id="{4F66B042-32B3-4EBF-B8B7-F351C786E9D4}"/>
+                <a16:creationId xmlns:a16="http://schemas.microsoft.com/office/drawing/2014/main" id="{DC18F19B-CA88-4BDB-8407-BF485EADAD11}"/>
               </a:ext>
             </a:extLst>
           </p:cNvPr>
@@ -16723,7 +19797,7 @@
           <p:cNvPr id="5" name="Date Placeholder 4">
             <a:extLst>
               <a:ext uri="{FF2B5EF4-FFF2-40B4-BE49-F238E27FC236}">
-                <a16:creationId xmlns:a16="http://schemas.microsoft.com/office/drawing/2014/main" id="{B4B3427E-4990-48F3-B713-A0CEEF7047DA}"/>
+                <a16:creationId xmlns:a16="http://schemas.microsoft.com/office/drawing/2014/main" id="{AB409917-8AAE-45F2-8D41-A03EECE862F9}"/>
               </a:ext>
             </a:extLst>
           </p:cNvPr>
@@ -16752,7 +19826,7 @@
           <p:cNvPr id="6" name="Footer Placeholder 5">
             <a:extLst>
               <a:ext uri="{FF2B5EF4-FFF2-40B4-BE49-F238E27FC236}">
-                <a16:creationId xmlns:a16="http://schemas.microsoft.com/office/drawing/2014/main" id="{3A9407E2-CD53-4AD0-8B89-5BF6ED5A5881}"/>
+                <a16:creationId xmlns:a16="http://schemas.microsoft.com/office/drawing/2014/main" id="{9297CF9B-BF2D-4213-8A54-332AAAE52251}"/>
               </a:ext>
             </a:extLst>
           </p:cNvPr>
@@ -16777,7 +19851,7 @@
           <p:cNvPr id="7" name="Slide Number Placeholder 6">
             <a:extLst>
               <a:ext uri="{FF2B5EF4-FFF2-40B4-BE49-F238E27FC236}">
-                <a16:creationId xmlns:a16="http://schemas.microsoft.com/office/drawing/2014/main" id="{BB82C71A-2FCC-46C8-86D9-FE88E942130B}"/>
+                <a16:creationId xmlns:a16="http://schemas.microsoft.com/office/drawing/2014/main" id="{AF738726-F1D4-4BD0-A151-60D1868E0D6C}"/>
               </a:ext>
             </a:extLst>
           </p:cNvPr>
@@ -16804,7 +19878,7 @@
     </p:spTree>
     <p:extLst>
       <p:ext uri="{BB962C8B-B14F-4D97-AF65-F5344CB8AC3E}">
-        <p14:creationId xmlns:p14="http://schemas.microsoft.com/office/powerpoint/2010/main" val="288346930"/>
+        <p14:creationId xmlns:p14="http://schemas.microsoft.com/office/powerpoint/2010/main" val="787909174"/>
       </p:ext>
     </p:extLst>
   </p:cSld>
@@ -16836,7 +19910,7 @@
           <p:cNvPr id="2" name="Title 1">
             <a:extLst>
               <a:ext uri="{FF2B5EF4-FFF2-40B4-BE49-F238E27FC236}">
-                <a16:creationId xmlns:a16="http://schemas.microsoft.com/office/drawing/2014/main" id="{4230414A-4B5C-4714-A1FA-FE39CF550689}"/>
+                <a16:creationId xmlns:a16="http://schemas.microsoft.com/office/drawing/2014/main" id="{CD08EC30-24BA-455D-9D1A-A78089CE2E96}"/>
               </a:ext>
             </a:extLst>
           </p:cNvPr>
@@ -16874,7 +19948,7 @@
           <p:cNvPr id="3" name="Picture Placeholder 2">
             <a:extLst>
               <a:ext uri="{FF2B5EF4-FFF2-40B4-BE49-F238E27FC236}">
-                <a16:creationId xmlns:a16="http://schemas.microsoft.com/office/drawing/2014/main" id="{EF829289-0348-4AE7-897F-AEF6D1624B77}"/>
+                <a16:creationId xmlns:a16="http://schemas.microsoft.com/office/drawing/2014/main" id="{0A6CAEEA-6EA9-42CC-858B-2B46F7442972}"/>
               </a:ext>
             </a:extLst>
           </p:cNvPr>
@@ -16941,7 +20015,7 @@
           <p:cNvPr id="4" name="Text Placeholder 3">
             <a:extLst>
               <a:ext uri="{FF2B5EF4-FFF2-40B4-BE49-F238E27FC236}">
-                <a16:creationId xmlns:a16="http://schemas.microsoft.com/office/drawing/2014/main" id="{2FA69A30-D549-41FA-8199-8A5D841530A7}"/>
+                <a16:creationId xmlns:a16="http://schemas.microsoft.com/office/drawing/2014/main" id="{711649B2-5698-4D1F-916B-EB91E14536A7}"/>
               </a:ext>
             </a:extLst>
           </p:cNvPr>
@@ -17012,7 +20086,7 @@
           <p:cNvPr id="5" name="Date Placeholder 4">
             <a:extLst>
               <a:ext uri="{FF2B5EF4-FFF2-40B4-BE49-F238E27FC236}">
-                <a16:creationId xmlns:a16="http://schemas.microsoft.com/office/drawing/2014/main" id="{498BBF91-F599-4561-8609-A404AFC19DB3}"/>
+                <a16:creationId xmlns:a16="http://schemas.microsoft.com/office/drawing/2014/main" id="{4C8783E0-44DF-4478-AC77-3495211DE1FE}"/>
               </a:ext>
             </a:extLst>
           </p:cNvPr>
@@ -17041,7 +20115,7 @@
           <p:cNvPr id="6" name="Footer Placeholder 5">
             <a:extLst>
               <a:ext uri="{FF2B5EF4-FFF2-40B4-BE49-F238E27FC236}">
-                <a16:creationId xmlns:a16="http://schemas.microsoft.com/office/drawing/2014/main" id="{AF0548B0-9CE0-4386-B290-837425659A5B}"/>
+                <a16:creationId xmlns:a16="http://schemas.microsoft.com/office/drawing/2014/main" id="{A641939E-1C85-469E-8361-B17AEF554E3F}"/>
               </a:ext>
             </a:extLst>
           </p:cNvPr>
@@ -17066,7 +20140,7 @@
           <p:cNvPr id="7" name="Slide Number Placeholder 6">
             <a:extLst>
               <a:ext uri="{FF2B5EF4-FFF2-40B4-BE49-F238E27FC236}">
-                <a16:creationId xmlns:a16="http://schemas.microsoft.com/office/drawing/2014/main" id="{F48CA697-85A2-4C24-80CF-C1FA003519DD}"/>
+                <a16:creationId xmlns:a16="http://schemas.microsoft.com/office/drawing/2014/main" id="{083B2BB0-A42B-4339-9C15-2AD68EEBF0BE}"/>
               </a:ext>
             </a:extLst>
           </p:cNvPr>
@@ -17093,7 +20167,7 @@
     </p:spTree>
     <p:extLst>
       <p:ext uri="{BB962C8B-B14F-4D97-AF65-F5344CB8AC3E}">
-        <p14:creationId xmlns:p14="http://schemas.microsoft.com/office/powerpoint/2010/main" val="3681945653"/>
+        <p14:creationId xmlns:p14="http://schemas.microsoft.com/office/powerpoint/2010/main" val="240140073"/>
       </p:ext>
     </p:extLst>
   </p:cSld>
@@ -17130,7 +20204,7 @@
           <p:cNvPr id="2" name="Title Placeholder 1">
             <a:extLst>
               <a:ext uri="{FF2B5EF4-FFF2-40B4-BE49-F238E27FC236}">
-                <a16:creationId xmlns:a16="http://schemas.microsoft.com/office/drawing/2014/main" id="{8A70C3C4-3D9B-472D-A856-F7AD55D458F1}"/>
+                <a16:creationId xmlns:a16="http://schemas.microsoft.com/office/drawing/2014/main" id="{EDE16621-F650-4FAA-B5CA-06E35A446665}"/>
               </a:ext>
             </a:extLst>
           </p:cNvPr>
@@ -17169,7 +20243,7 @@
           <p:cNvPr id="3" name="Text Placeholder 2">
             <a:extLst>
               <a:ext uri="{FF2B5EF4-FFF2-40B4-BE49-F238E27FC236}">
-                <a16:creationId xmlns:a16="http://schemas.microsoft.com/office/drawing/2014/main" id="{8743F2BF-1011-4880-A9C1-29FBAC0F939A}"/>
+                <a16:creationId xmlns:a16="http://schemas.microsoft.com/office/drawing/2014/main" id="{61B37FA1-C207-4135-80E4-F0C15DB5AF58}"/>
               </a:ext>
             </a:extLst>
           </p:cNvPr>
@@ -17237,7 +20311,7 @@
           <p:cNvPr id="4" name="Date Placeholder 3">
             <a:extLst>
               <a:ext uri="{FF2B5EF4-FFF2-40B4-BE49-F238E27FC236}">
-                <a16:creationId xmlns:a16="http://schemas.microsoft.com/office/drawing/2014/main" id="{43A3ECE9-5792-4DAF-A08C-7AB7A371B627}"/>
+                <a16:creationId xmlns:a16="http://schemas.microsoft.com/office/drawing/2014/main" id="{C0809750-B6B5-4F72-B3C0-BAB8BE82568B}"/>
               </a:ext>
             </a:extLst>
           </p:cNvPr>
@@ -17284,7 +20358,7 @@
           <p:cNvPr id="5" name="Footer Placeholder 4">
             <a:extLst>
               <a:ext uri="{FF2B5EF4-FFF2-40B4-BE49-F238E27FC236}">
-                <a16:creationId xmlns:a16="http://schemas.microsoft.com/office/drawing/2014/main" id="{BCE784BA-B195-4844-8DF7-81E8A6011ACD}"/>
+                <a16:creationId xmlns:a16="http://schemas.microsoft.com/office/drawing/2014/main" id="{A84AB394-591D-44CD-AB29-06928F3DA389}"/>
               </a:ext>
             </a:extLst>
           </p:cNvPr>
@@ -17327,7 +20401,7 @@
           <p:cNvPr id="6" name="Slide Number Placeholder 5">
             <a:extLst>
               <a:ext uri="{FF2B5EF4-FFF2-40B4-BE49-F238E27FC236}">
-                <a16:creationId xmlns:a16="http://schemas.microsoft.com/office/drawing/2014/main" id="{AFDB40B0-6B9C-48DC-BE57-D9C81A2A67A0}"/>
+                <a16:creationId xmlns:a16="http://schemas.microsoft.com/office/drawing/2014/main" id="{04B6727D-45B1-4B79-9DBF-B281719C55AD}"/>
               </a:ext>
             </a:extLst>
           </p:cNvPr>
@@ -17372,23 +20446,23 @@
     </p:spTree>
     <p:extLst>
       <p:ext uri="{BB962C8B-B14F-4D97-AF65-F5344CB8AC3E}">
-        <p14:creationId xmlns:p14="http://schemas.microsoft.com/office/powerpoint/2010/main" val="2258565645"/>
+        <p14:creationId xmlns:p14="http://schemas.microsoft.com/office/powerpoint/2010/main" val="2300130367"/>
       </p:ext>
     </p:extLst>
   </p:cSld>
   <p:clrMap bg1="lt1" tx1="dk1" bg2="lt2" tx2="dk2" accent1="accent1" accent2="accent2" accent3="accent3" accent4="accent4" accent5="accent5" accent6="accent6" hlink="hlink" folHlink="folHlink"/>
   <p:sldLayoutIdLst>
-    <p:sldLayoutId id="2147483649" r:id="rId1"/>
-    <p:sldLayoutId id="2147483650" r:id="rId2"/>
-    <p:sldLayoutId id="2147483651" r:id="rId3"/>
-    <p:sldLayoutId id="2147483652" r:id="rId4"/>
-    <p:sldLayoutId id="2147483653" r:id="rId5"/>
-    <p:sldLayoutId id="2147483654" r:id="rId6"/>
-    <p:sldLayoutId id="2147483655" r:id="rId7"/>
-    <p:sldLayoutId id="2147483656" r:id="rId8"/>
-    <p:sldLayoutId id="2147483657" r:id="rId9"/>
-    <p:sldLayoutId id="2147483658" r:id="rId10"/>
-    <p:sldLayoutId id="2147483659" r:id="rId11"/>
+    <p:sldLayoutId id="2147483673" r:id="rId1"/>
+    <p:sldLayoutId id="2147483674" r:id="rId2"/>
+    <p:sldLayoutId id="2147483675" r:id="rId3"/>
+    <p:sldLayoutId id="2147483676" r:id="rId4"/>
+    <p:sldLayoutId id="2147483677" r:id="rId5"/>
+    <p:sldLayoutId id="2147483678" r:id="rId6"/>
+    <p:sldLayoutId id="2147483679" r:id="rId7"/>
+    <p:sldLayoutId id="2147483680" r:id="rId8"/>
+    <p:sldLayoutId id="2147483681" r:id="rId9"/>
+    <p:sldLayoutId id="2147483682" r:id="rId10"/>
+    <p:sldLayoutId id="2147483683" r:id="rId11"/>
   </p:sldLayoutIdLst>
   <p:txStyles>
     <p:titleStyle>
@@ -17676,6 +20750,14 @@
 <file path=ppt/slides/slide1.xml><?xml version="1.0" encoding="utf-8"?>
 <p:sld xmlns:a="http://schemas.openxmlformats.org/drawingml/2006/main" xmlns:r="http://schemas.openxmlformats.org/officeDocument/2006/relationships" xmlns:p="http://schemas.openxmlformats.org/presentationml/2006/main">
   <p:cSld>
+    <p:bg>
+      <p:bgPr>
+        <a:solidFill>
+          <a:schemeClr val="bg1"/>
+        </a:solidFill>
+        <a:effectLst/>
+      </p:bgPr>
+    </p:bg>
     <p:spTree>
       <p:nvGrpSpPr>
         <p:cNvPr id="1" name=""/>
@@ -17690,6 +20772,136 @@
           <a:chExt cx="0" cy="0"/>
         </a:xfrm>
       </p:grpSpPr>
+      <p:sp>
+        <p:nvSpPr>
+          <p:cNvPr id="7" name="Rectangle 6">
+            <a:extLst>
+              <a:ext uri="{FF2B5EF4-FFF2-40B4-BE49-F238E27FC236}">
+                <a16:creationId xmlns:a16="http://schemas.microsoft.com/office/drawing/2014/main" id="{23962611-DFD5-4092-AAFD-559E3DFCE2C9}"/>
+              </a:ext>
+              <a:ext uri="{C183D7F6-B498-43B3-948B-1728B52AA6E4}">
+                <adec:decorative xmlns:adec="http://schemas.microsoft.com/office/drawing/2017/decorative" val="1"/>
+              </a:ext>
+            </a:extLst>
+          </p:cNvPr>
+          <p:cNvSpPr>
+            <a:spLocks noGrp="1" noRot="1" noChangeAspect="1" noMove="1" noResize="1" noEditPoints="1" noAdjustHandles="1" noChangeArrowheads="1" noChangeShapeType="1" noTextEdit="1"/>
+          </p:cNvSpPr>
+          <p:nvPr>
+            <p:extLst>
+              <p:ext uri="{386F3935-93C4-4BCD-93E2-E3B085C9AB24}">
+                <p16:designElem xmlns:p16="http://schemas.microsoft.com/office/powerpoint/2015/main" val="1"/>
+              </p:ext>
+            </p:extLst>
+          </p:nvPr>
+        </p:nvSpPr>
+        <p:spPr>
+          <a:xfrm>
+            <a:off x="475488" y="0"/>
+            <a:ext cx="10910292" cy="6858000"/>
+          </a:xfrm>
+          <a:prstGeom prst="rect">
+            <a:avLst/>
+          </a:prstGeom>
+          <a:gradFill>
+            <a:gsLst>
+              <a:gs pos="0">
+                <a:schemeClr val="accent1">
+                  <a:lumMod val="90000"/>
+                </a:schemeClr>
+              </a:gs>
+              <a:gs pos="25000">
+                <a:schemeClr val="accent1">
+                  <a:lumMod val="90000"/>
+                </a:schemeClr>
+              </a:gs>
+              <a:gs pos="94000">
+                <a:schemeClr val="bg2">
+                  <a:lumMod val="25000"/>
+                </a:schemeClr>
+              </a:gs>
+              <a:gs pos="100000">
+                <a:schemeClr val="bg2">
+                  <a:lumMod val="25000"/>
+                </a:schemeClr>
+              </a:gs>
+            </a:gsLst>
+            <a:lin ang="4200000" scaled="0"/>
+          </a:gradFill>
+          <a:ln>
+            <a:noFill/>
+          </a:ln>
+        </p:spPr>
+        <p:style>
+          <a:lnRef idx="2">
+            <a:schemeClr val="accent1">
+              <a:shade val="50000"/>
+            </a:schemeClr>
+          </a:lnRef>
+          <a:fillRef idx="1">
+            <a:schemeClr val="accent1"/>
+          </a:fillRef>
+          <a:effectRef idx="0">
+            <a:schemeClr val="accent1"/>
+          </a:effectRef>
+          <a:fontRef idx="minor">
+            <a:schemeClr val="lt1"/>
+          </a:fontRef>
+        </p:style>
+        <p:txBody>
+          <a:bodyPr rtlCol="0" anchor="ctr"/>
+          <a:lstStyle/>
+          <a:p>
+            <a:pPr algn="ctr"/>
+            <a:endParaRPr lang="en-US"/>
+          </a:p>
+        </p:txBody>
+      </p:sp>
+      <p:pic>
+        <p:nvPicPr>
+          <p:cNvPr id="9" name="Picture 8">
+            <a:extLst>
+              <a:ext uri="{FF2B5EF4-FFF2-40B4-BE49-F238E27FC236}">
+                <a16:creationId xmlns:a16="http://schemas.microsoft.com/office/drawing/2014/main" id="{2270F1FA-0425-408F-9861-80BF5AFB276D}"/>
+              </a:ext>
+              <a:ext uri="{C183D7F6-B498-43B3-948B-1728B52AA6E4}">
+                <adec:decorative xmlns:adec="http://schemas.microsoft.com/office/drawing/2017/decorative" val="1"/>
+              </a:ext>
+            </a:extLst>
+          </p:cNvPr>
+          <p:cNvPicPr>
+            <a:picLocks noGrp="1" noRot="1" noChangeAspect="1" noMove="1" noResize="1" noEditPoints="1" noAdjustHandles="1" noChangeArrowheads="1" noChangeShapeType="1" noCrop="1"/>
+          </p:cNvPicPr>
+          <p:nvPr>
+            <p:extLst>
+              <p:ext uri="{386F3935-93C4-4BCD-93E2-E3B085C9AB24}">
+                <p16:designElem xmlns:p16="http://schemas.microsoft.com/office/powerpoint/2015/main" val="1"/>
+              </p:ext>
+            </p:extLst>
+          </p:nvPr>
+        </p:nvPicPr>
+        <p:blipFill>
+          <a:blip r:embed="rId2">
+            <a:extLst>
+              <a:ext uri="{28A0092B-C50C-407E-A947-70E740481C1C}">
+                <a14:useLocalDpi xmlns:a14="http://schemas.microsoft.com/office/drawing/2010/main" val="0"/>
+              </a:ext>
+            </a:extLst>
+          </a:blip>
+          <a:stretch>
+            <a:fillRect/>
+          </a:stretch>
+        </p:blipFill>
+        <p:spPr>
+          <a:xfrm>
+            <a:off x="0" y="0"/>
+            <a:ext cx="12192000" cy="6858000"/>
+          </a:xfrm>
+          <a:prstGeom prst="rect">
+            <a:avLst/>
+          </a:prstGeom>
+        </p:spPr>
+      </p:pic>
       <p:sp>
         <p:nvSpPr>
           <p:cNvPr id="2" name="Title 1">
@@ -17708,27 +20920,23 @@
         </p:nvSpPr>
         <p:spPr>
           <a:xfrm>
-            <a:off x="-290052" y="894736"/>
-            <a:ext cx="12772103" cy="2890682"/>
+            <a:off x="3045368" y="2043663"/>
+            <a:ext cx="6105194" cy="2031055"/>
           </a:xfrm>
         </p:spPr>
         <p:txBody>
           <a:bodyPr>
-            <a:noAutofit/>
+            <a:normAutofit/>
           </a:bodyPr>
           <a:lstStyle/>
           <a:p>
             <a:r>
-              <a:rPr lang="en-CA" sz="9600" dirty="0"/>
-              <a:t>{</a:t>
-            </a:r>
-            <a:r>
-              <a:rPr lang="en-CA" sz="9600" dirty="0" err="1"/>
-              <a:t>TransCore.Transformed</a:t>
-            </a:r>
-            <a:r>
-              <a:rPr lang="en-CA" sz="9600" dirty="0"/>
-              <a:t>}</a:t>
+              <a:rPr lang="en-CA" sz="4700" b="1">
+                <a:solidFill>
+                  <a:srgbClr val="FFFFFF"/>
+                </a:solidFill>
+              </a:rPr>
+              <a:t>TransCore.Transformed()</a:t>
             </a:r>
           </a:p>
         </p:txBody>
@@ -17749,6 +20957,14 @@
 <file path=ppt/slides/slide10.xml><?xml version="1.0" encoding="utf-8"?>
 <p:sld xmlns:a="http://schemas.openxmlformats.org/drawingml/2006/main" xmlns:r="http://schemas.openxmlformats.org/officeDocument/2006/relationships" xmlns:p="http://schemas.openxmlformats.org/presentationml/2006/main">
   <p:cSld>
+    <p:bg>
+      <p:bgPr>
+        <a:solidFill>
+          <a:schemeClr val="bg1"/>
+        </a:solidFill>
+        <a:effectLst/>
+      </p:bgPr>
+    </p:bg>
     <p:spTree>
       <p:nvGrpSpPr>
         <p:cNvPr id="1" name=""/>
@@ -17763,6 +20979,136 @@
           <a:chExt cx="0" cy="0"/>
         </a:xfrm>
       </p:grpSpPr>
+      <p:sp>
+        <p:nvSpPr>
+          <p:cNvPr id="7" name="Rectangle 6">
+            <a:extLst>
+              <a:ext uri="{FF2B5EF4-FFF2-40B4-BE49-F238E27FC236}">
+                <a16:creationId xmlns:a16="http://schemas.microsoft.com/office/drawing/2014/main" id="{23962611-DFD5-4092-AAFD-559E3DFCE2C9}"/>
+              </a:ext>
+              <a:ext uri="{C183D7F6-B498-43B3-948B-1728B52AA6E4}">
+                <adec:decorative xmlns:adec="http://schemas.microsoft.com/office/drawing/2017/decorative" val="1"/>
+              </a:ext>
+            </a:extLst>
+          </p:cNvPr>
+          <p:cNvSpPr>
+            <a:spLocks noGrp="1" noRot="1" noChangeAspect="1" noMove="1" noResize="1" noEditPoints="1" noAdjustHandles="1" noChangeArrowheads="1" noChangeShapeType="1" noTextEdit="1"/>
+          </p:cNvSpPr>
+          <p:nvPr>
+            <p:extLst>
+              <p:ext uri="{386F3935-93C4-4BCD-93E2-E3B085C9AB24}">
+                <p16:designElem xmlns:p16="http://schemas.microsoft.com/office/powerpoint/2015/main" val="1"/>
+              </p:ext>
+            </p:extLst>
+          </p:nvPr>
+        </p:nvSpPr>
+        <p:spPr>
+          <a:xfrm>
+            <a:off x="475488" y="0"/>
+            <a:ext cx="10910292" cy="6858000"/>
+          </a:xfrm>
+          <a:prstGeom prst="rect">
+            <a:avLst/>
+          </a:prstGeom>
+          <a:gradFill>
+            <a:gsLst>
+              <a:gs pos="0">
+                <a:schemeClr val="accent1">
+                  <a:lumMod val="90000"/>
+                </a:schemeClr>
+              </a:gs>
+              <a:gs pos="25000">
+                <a:schemeClr val="accent1">
+                  <a:lumMod val="90000"/>
+                </a:schemeClr>
+              </a:gs>
+              <a:gs pos="94000">
+                <a:schemeClr val="bg2">
+                  <a:lumMod val="25000"/>
+                </a:schemeClr>
+              </a:gs>
+              <a:gs pos="100000">
+                <a:schemeClr val="bg2">
+                  <a:lumMod val="25000"/>
+                </a:schemeClr>
+              </a:gs>
+            </a:gsLst>
+            <a:lin ang="4200000" scaled="0"/>
+          </a:gradFill>
+          <a:ln>
+            <a:noFill/>
+          </a:ln>
+        </p:spPr>
+        <p:style>
+          <a:lnRef idx="2">
+            <a:schemeClr val="accent1">
+              <a:shade val="50000"/>
+            </a:schemeClr>
+          </a:lnRef>
+          <a:fillRef idx="1">
+            <a:schemeClr val="accent1"/>
+          </a:fillRef>
+          <a:effectRef idx="0">
+            <a:schemeClr val="accent1"/>
+          </a:effectRef>
+          <a:fontRef idx="minor">
+            <a:schemeClr val="lt1"/>
+          </a:fontRef>
+        </p:style>
+        <p:txBody>
+          <a:bodyPr rtlCol="0" anchor="ctr"/>
+          <a:lstStyle/>
+          <a:p>
+            <a:pPr algn="ctr"/>
+            <a:endParaRPr lang="en-US"/>
+          </a:p>
+        </p:txBody>
+      </p:sp>
+      <p:pic>
+        <p:nvPicPr>
+          <p:cNvPr id="9" name="Picture 8">
+            <a:extLst>
+              <a:ext uri="{FF2B5EF4-FFF2-40B4-BE49-F238E27FC236}">
+                <a16:creationId xmlns:a16="http://schemas.microsoft.com/office/drawing/2014/main" id="{2270F1FA-0425-408F-9861-80BF5AFB276D}"/>
+              </a:ext>
+              <a:ext uri="{C183D7F6-B498-43B3-948B-1728B52AA6E4}">
+                <adec:decorative xmlns:adec="http://schemas.microsoft.com/office/drawing/2017/decorative" val="1"/>
+              </a:ext>
+            </a:extLst>
+          </p:cNvPr>
+          <p:cNvPicPr>
+            <a:picLocks noGrp="1" noRot="1" noChangeAspect="1" noMove="1" noResize="1" noEditPoints="1" noAdjustHandles="1" noChangeArrowheads="1" noChangeShapeType="1" noCrop="1"/>
+          </p:cNvPicPr>
+          <p:nvPr>
+            <p:extLst>
+              <p:ext uri="{386F3935-93C4-4BCD-93E2-E3B085C9AB24}">
+                <p16:designElem xmlns:p16="http://schemas.microsoft.com/office/powerpoint/2015/main" val="1"/>
+              </p:ext>
+            </p:extLst>
+          </p:nvPr>
+        </p:nvPicPr>
+        <p:blipFill>
+          <a:blip r:embed="rId2">
+            <a:extLst>
+              <a:ext uri="{28A0092B-C50C-407E-A947-70E740481C1C}">
+                <a14:useLocalDpi xmlns:a14="http://schemas.microsoft.com/office/drawing/2010/main" val="0"/>
+              </a:ext>
+            </a:extLst>
+          </a:blip>
+          <a:stretch>
+            <a:fillRect/>
+          </a:stretch>
+        </p:blipFill>
+        <p:spPr>
+          <a:xfrm>
+            <a:off x="0" y="0"/>
+            <a:ext cx="12192000" cy="6858000"/>
+          </a:xfrm>
+          <a:prstGeom prst="rect">
+            <a:avLst/>
+          </a:prstGeom>
+        </p:spPr>
+      </p:pic>
       <p:sp>
         <p:nvSpPr>
           <p:cNvPr id="2" name="Title 1">
@@ -17781,19 +21127,23 @@
         </p:nvSpPr>
         <p:spPr>
           <a:xfrm>
-            <a:off x="983226" y="2705355"/>
-            <a:ext cx="9812594" cy="1709329"/>
+            <a:off x="3045368" y="2043663"/>
+            <a:ext cx="6105194" cy="2031055"/>
           </a:xfrm>
         </p:spPr>
         <p:txBody>
           <a:bodyPr>
-            <a:noAutofit/>
+            <a:normAutofit/>
           </a:bodyPr>
           <a:lstStyle/>
           <a:p>
             <a:r>
-              <a:rPr lang="en-CA" sz="9600" dirty="0"/>
-              <a:t>We hope this helps!</a:t>
+              <a:rPr lang="en-CA">
+                <a:solidFill>
+                  <a:srgbClr val="FFFFFF"/>
+                </a:solidFill>
+              </a:rPr>
+              <a:t>Thank you!</a:t>
             </a:r>
           </a:p>
         </p:txBody>
@@ -17828,8 +21178,8 @@
           <a:chExt cx="0" cy="0"/>
         </a:xfrm>
       </p:grpSpPr>
-      <mc:AlternateContent xmlns:mc="http://schemas.openxmlformats.org/markup-compatibility/2006">
-        <mc:Choice xmlns:a14="http://schemas.microsoft.com/office/drawing/2010/main" Requires="a14">
+      <mc:AlternateContent xmlns:mc="http://schemas.openxmlformats.org/markup-compatibility/2006" xmlns:a14="http://schemas.microsoft.com/office/drawing/2010/main">
+        <mc:Choice Requires="a14">
           <p:graphicFrame>
             <p:nvGraphicFramePr>
               <p:cNvPr id="2" name="Diagram 1">
@@ -17859,7 +21209,7 @@
             </a:graphic>
           </p:graphicFrame>
         </mc:Choice>
-        <mc:Fallback>
+        <mc:Fallback xmlns="">
           <p:graphicFrame>
             <p:nvGraphicFramePr>
               <p:cNvPr id="2" name="Diagram 1">
@@ -17884,7 +21234,7 @@
             </p:xfrm>
             <a:graphic>
               <a:graphicData uri="http://schemas.openxmlformats.org/drawingml/2006/diagram">
-                <dgm:relIds xmlns:dgm="http://schemas.openxmlformats.org/drawingml/2006/diagram" xmlns:r="http://schemas.openxmlformats.org/officeDocument/2006/relationships" r:dm="rId8" r:lo="rId4" r:qs="rId5" r:cs="rId6"/>
+                <dgm:relIds xmlns:dgm="http://schemas.openxmlformats.org/drawingml/2006/diagram" xmlns:r="http://schemas.openxmlformats.org/officeDocument/2006/relationships" r:dm="rId8" r:lo="rId9" r:qs="rId10" r:cs="rId11"/>
               </a:graphicData>
             </a:graphic>
           </p:graphicFrame>
@@ -17972,8 +21322,8 @@
           <a:chExt cx="0" cy="0"/>
         </a:xfrm>
       </p:grpSpPr>
-      <mc:AlternateContent xmlns:mc="http://schemas.openxmlformats.org/markup-compatibility/2006">
-        <mc:Choice xmlns:a14="http://schemas.microsoft.com/office/drawing/2010/main" Requires="a14">
+      <mc:AlternateContent xmlns:mc="http://schemas.openxmlformats.org/markup-compatibility/2006" xmlns:a14="http://schemas.microsoft.com/office/drawing/2010/main">
+        <mc:Choice Requires="a14">
           <p:graphicFrame>
             <p:nvGraphicFramePr>
               <p:cNvPr id="3" name="Diagram 2">
@@ -18003,7 +21353,7 @@
             </a:graphic>
           </p:graphicFrame>
         </mc:Choice>
-        <mc:Fallback>
+        <mc:Fallback xmlns="">
           <p:graphicFrame>
             <p:nvGraphicFramePr>
               <p:cNvPr id="3" name="Diagram 2">
@@ -18028,7 +21378,7 @@
             </p:xfrm>
             <a:graphic>
               <a:graphicData uri="http://schemas.openxmlformats.org/drawingml/2006/diagram">
-                <dgm:relIds xmlns:dgm="http://schemas.openxmlformats.org/drawingml/2006/diagram" xmlns:r="http://schemas.openxmlformats.org/officeDocument/2006/relationships" r:dm="rId8" r:lo="rId4" r:qs="rId5" r:cs="rId6"/>
+                <dgm:relIds xmlns:dgm="http://schemas.openxmlformats.org/drawingml/2006/diagram" xmlns:r="http://schemas.openxmlformats.org/officeDocument/2006/relationships" r:dm="rId8" r:lo="rId9" r:qs="rId10" r:cs="rId11"/>
               </a:graphicData>
             </a:graphic>
           </p:graphicFrame>
@@ -18064,8 +21414,8 @@
           <a:chExt cx="0" cy="0"/>
         </a:xfrm>
       </p:grpSpPr>
-      <mc:AlternateContent xmlns:mc="http://schemas.openxmlformats.org/markup-compatibility/2006">
-        <mc:Choice xmlns:a14="http://schemas.microsoft.com/office/drawing/2010/main" Requires="a14">
+      <mc:AlternateContent xmlns:mc="http://schemas.openxmlformats.org/markup-compatibility/2006" xmlns:a14="http://schemas.microsoft.com/office/drawing/2010/main">
+        <mc:Choice Requires="a14">
           <p:graphicFrame>
             <p:nvGraphicFramePr>
               <p:cNvPr id="2" name="Diagram 1">
@@ -18095,7 +21445,7 @@
             </a:graphic>
           </p:graphicFrame>
         </mc:Choice>
-        <mc:Fallback>
+        <mc:Fallback xmlns="">
           <p:graphicFrame>
             <p:nvGraphicFramePr>
               <p:cNvPr id="2" name="Diagram 1">
@@ -18120,7 +21470,7 @@
             </p:xfrm>
             <a:graphic>
               <a:graphicData uri="http://schemas.openxmlformats.org/drawingml/2006/diagram">
-                <dgm:relIds xmlns:dgm="http://schemas.openxmlformats.org/drawingml/2006/diagram" xmlns:r="http://schemas.openxmlformats.org/officeDocument/2006/relationships" r:dm="rId8" r:lo="rId4" r:qs="rId5" r:cs="rId6"/>
+                <dgm:relIds xmlns:dgm="http://schemas.openxmlformats.org/drawingml/2006/diagram" xmlns:r="http://schemas.openxmlformats.org/officeDocument/2006/relationships" r:dm="rId8" r:lo="rId9" r:qs="rId10" r:cs="rId11"/>
               </a:graphicData>
             </a:graphic>
           </p:graphicFrame>
@@ -18194,6 +21544,14 @@
 <file path=ppt/slides/slide5.xml><?xml version="1.0" encoding="utf-8"?>
 <p:sld xmlns:a="http://schemas.openxmlformats.org/drawingml/2006/main" xmlns:r="http://schemas.openxmlformats.org/officeDocument/2006/relationships" xmlns:p="http://schemas.openxmlformats.org/presentationml/2006/main">
   <p:cSld>
+    <p:bg>
+      <p:bgPr>
+        <a:solidFill>
+          <a:schemeClr val="bg1"/>
+        </a:solidFill>
+        <a:effectLst/>
+      </p:bgPr>
+    </p:bg>
     <p:spTree>
       <p:nvGrpSpPr>
         <p:cNvPr id="1" name=""/>
@@ -18226,33 +21584,93 @@
         </p:nvSpPr>
         <p:spPr>
           <a:xfrm>
-            <a:off x="1327355" y="4121200"/>
-            <a:ext cx="9144000" cy="1001405"/>
+            <a:off x="4974335" y="640081"/>
+            <a:ext cx="6611533" cy="5574451"/>
           </a:xfrm>
         </p:spPr>
         <p:txBody>
-          <a:bodyPr>
-            <a:noAutofit/>
+          <a:bodyPr vert="horz" lIns="91440" tIns="45720" rIns="91440" bIns="45720" rtlCol="0" anchor="ctr">
+            <a:normAutofit/>
           </a:bodyPr>
           <a:lstStyle/>
           <a:p>
+            <a:pPr algn="l"/>
             <a:r>
-              <a:rPr lang="en-CA" sz="9600" dirty="0"/>
+              <a:rPr lang="en-US" sz="4400" kern="1200">
+                <a:solidFill>
+                  <a:schemeClr val="tx1"/>
+                </a:solidFill>
+                <a:latin typeface="+mj-lt"/>
+                <a:ea typeface="+mj-ea"/>
+                <a:cs typeface="+mj-cs"/>
+              </a:rPr>
               <a:t>For every problem, there is a solution </a:t>
             </a:r>
             <a:r>
-              <a:rPr lang="en-CA" sz="9600" dirty="0">
+              <a:rPr lang="en-US" sz="4400" kern="1200">
+                <a:solidFill>
+                  <a:schemeClr val="tx1"/>
+                </a:solidFill>
+                <a:latin typeface="+mj-lt"/>
+                <a:ea typeface="+mj-ea"/>
+                <a:cs typeface="+mj-cs"/>
                 <a:sym typeface="Wingdings" panose="05000000000000000000" pitchFamily="2" charset="2"/>
               </a:rPr>
               <a:t> </a:t>
             </a:r>
             <a:r>
-              <a:rPr lang="en-CA" sz="9600" dirty="0"/>
+              <a:rPr lang="en-US" sz="4400" kern="1200">
+                <a:solidFill>
+                  <a:schemeClr val="tx1"/>
+                </a:solidFill>
+                <a:latin typeface="+mj-lt"/>
+                <a:ea typeface="+mj-ea"/>
+                <a:cs typeface="+mj-cs"/>
+              </a:rPr>
               <a:t>…</a:t>
             </a:r>
           </a:p>
         </p:txBody>
       </p:sp>
+      <p:pic>
+        <p:nvPicPr>
+          <p:cNvPr id="6" name="Graphic 5" descr="Plant">
+            <a:extLst>
+              <a:ext uri="{FF2B5EF4-FFF2-40B4-BE49-F238E27FC236}">
+                <a16:creationId xmlns:a16="http://schemas.microsoft.com/office/drawing/2014/main" id="{C332F1B6-030B-4224-93D9-E01F6C6C9323}"/>
+              </a:ext>
+            </a:extLst>
+          </p:cNvPr>
+          <p:cNvPicPr>
+            <a:picLocks noChangeAspect="1"/>
+          </p:cNvPicPr>
+          <p:nvPr/>
+        </p:nvPicPr>
+        <p:blipFill>
+          <a:blip r:embed="rId2">
+            <a:extLst>
+              <a:ext uri="{28A0092B-C50C-407E-A947-70E740481C1C}">
+                <a14:useLocalDpi xmlns:a14="http://schemas.microsoft.com/office/drawing/2010/main" val="0"/>
+              </a:ext>
+              <a:ext uri="{96DAC541-7B7A-43D3-8B79-37D633B846F1}">
+                <asvg:svgBlip xmlns:asvg="http://schemas.microsoft.com/office/drawing/2016/SVG/main" r:embed="rId3"/>
+              </a:ext>
+            </a:extLst>
+          </a:blip>
+          <a:stretch>
+            <a:fillRect/>
+          </a:stretch>
+        </p:blipFill>
+        <p:spPr>
+          <a:xfrm>
+            <a:off x="643467" y="1421892"/>
+            <a:ext cx="4010829" cy="4010829"/>
+          </a:xfrm>
+          <a:prstGeom prst="rect">
+            <a:avLst/>
+          </a:prstGeom>
+        </p:spPr>
+      </p:pic>
     </p:spTree>
     <p:extLst>
       <p:ext uri="{BB962C8B-B14F-4D97-AF65-F5344CB8AC3E}">
@@ -18269,6 +21687,14 @@
 <file path=ppt/slides/slide6.xml><?xml version="1.0" encoding="utf-8"?>
 <p:sld xmlns:a="http://schemas.openxmlformats.org/drawingml/2006/main" xmlns:r="http://schemas.openxmlformats.org/officeDocument/2006/relationships" xmlns:p="http://schemas.openxmlformats.org/presentationml/2006/main">
   <p:cSld>
+    <p:bg>
+      <p:bgPr>
+        <a:solidFill>
+          <a:schemeClr val="bg1"/>
+        </a:solidFill>
+        <a:effectLst/>
+      </p:bgPr>
+    </p:bg>
     <p:spTree>
       <p:nvGrpSpPr>
         <p:cNvPr id="1" name=""/>
@@ -18285,6 +21711,136 @@
       </p:grpSpPr>
       <p:sp>
         <p:nvSpPr>
+          <p:cNvPr id="8" name="Rectangle 7">
+            <a:extLst>
+              <a:ext uri="{FF2B5EF4-FFF2-40B4-BE49-F238E27FC236}">
+                <a16:creationId xmlns:a16="http://schemas.microsoft.com/office/drawing/2014/main" id="{4351DFE5-F63D-4BE0-BDA9-E3EB88F01AA5}"/>
+              </a:ext>
+              <a:ext uri="{C183D7F6-B498-43B3-948B-1728B52AA6E4}">
+                <adec:decorative xmlns:adec="http://schemas.microsoft.com/office/drawing/2017/decorative" val="1"/>
+              </a:ext>
+            </a:extLst>
+          </p:cNvPr>
+          <p:cNvSpPr>
+            <a:spLocks noGrp="1" noRot="1" noChangeAspect="1" noMove="1" noResize="1" noEditPoints="1" noAdjustHandles="1" noChangeArrowheads="1" noChangeShapeType="1" noTextEdit="1"/>
+          </p:cNvSpPr>
+          <p:nvPr>
+            <p:extLst>
+              <p:ext uri="{386F3935-93C4-4BCD-93E2-E3B085C9AB24}">
+                <p16:designElem xmlns:p16="http://schemas.microsoft.com/office/powerpoint/2015/main" val="1"/>
+              </p:ext>
+            </p:extLst>
+          </p:nvPr>
+        </p:nvSpPr>
+        <p:spPr>
+          <a:xfrm>
+            <a:off x="355601" y="0"/>
+            <a:ext cx="11480494" cy="2753936"/>
+          </a:xfrm>
+          <a:prstGeom prst="rect">
+            <a:avLst/>
+          </a:prstGeom>
+          <a:gradFill>
+            <a:gsLst>
+              <a:gs pos="0">
+                <a:schemeClr val="accent1">
+                  <a:lumMod val="90000"/>
+                </a:schemeClr>
+              </a:gs>
+              <a:gs pos="25000">
+                <a:schemeClr val="accent1">
+                  <a:lumMod val="90000"/>
+                </a:schemeClr>
+              </a:gs>
+              <a:gs pos="94000">
+                <a:schemeClr val="bg2">
+                  <a:lumMod val="25000"/>
+                </a:schemeClr>
+              </a:gs>
+              <a:gs pos="100000">
+                <a:schemeClr val="bg2">
+                  <a:lumMod val="25000"/>
+                </a:schemeClr>
+              </a:gs>
+            </a:gsLst>
+            <a:lin ang="4200000" scaled="0"/>
+          </a:gradFill>
+          <a:ln>
+            <a:noFill/>
+          </a:ln>
+        </p:spPr>
+        <p:style>
+          <a:lnRef idx="2">
+            <a:schemeClr val="accent1">
+              <a:shade val="50000"/>
+            </a:schemeClr>
+          </a:lnRef>
+          <a:fillRef idx="1">
+            <a:schemeClr val="accent1"/>
+          </a:fillRef>
+          <a:effectRef idx="0">
+            <a:schemeClr val="accent1"/>
+          </a:effectRef>
+          <a:fontRef idx="minor">
+            <a:schemeClr val="lt1"/>
+          </a:fontRef>
+        </p:style>
+        <p:txBody>
+          <a:bodyPr rtlCol="0" anchor="ctr"/>
+          <a:lstStyle/>
+          <a:p>
+            <a:pPr algn="ctr"/>
+            <a:endParaRPr lang="en-US"/>
+          </a:p>
+        </p:txBody>
+      </p:sp>
+      <p:pic>
+        <p:nvPicPr>
+          <p:cNvPr id="10" name="Picture 9">
+            <a:extLst>
+              <a:ext uri="{FF2B5EF4-FFF2-40B4-BE49-F238E27FC236}">
+                <a16:creationId xmlns:a16="http://schemas.microsoft.com/office/drawing/2014/main" id="{3AA16612-ACD2-4A16-8F2B-4514FD6BF28F}"/>
+              </a:ext>
+              <a:ext uri="{C183D7F6-B498-43B3-948B-1728B52AA6E4}">
+                <adec:decorative xmlns:adec="http://schemas.microsoft.com/office/drawing/2017/decorative" val="1"/>
+              </a:ext>
+            </a:extLst>
+          </p:cNvPr>
+          <p:cNvPicPr>
+            <a:picLocks noGrp="1" noRot="1" noChangeAspect="1" noMove="1" noResize="1" noEditPoints="1" noAdjustHandles="1" noChangeArrowheads="1" noChangeShapeType="1" noCrop="1"/>
+          </p:cNvPicPr>
+          <p:nvPr>
+            <p:extLst>
+              <p:ext uri="{386F3935-93C4-4BCD-93E2-E3B085C9AB24}">
+                <p16:designElem xmlns:p16="http://schemas.microsoft.com/office/powerpoint/2015/main" val="1"/>
+              </p:ext>
+            </p:extLst>
+          </p:nvPr>
+        </p:nvPicPr>
+        <p:blipFill>
+          <a:blip r:embed="rId3">
+            <a:extLst>
+              <a:ext uri="{28A0092B-C50C-407E-A947-70E740481C1C}">
+                <a14:useLocalDpi xmlns:a14="http://schemas.microsoft.com/office/drawing/2010/main" val="0"/>
+              </a:ext>
+            </a:extLst>
+          </a:blip>
+          <a:stretch>
+            <a:fillRect/>
+          </a:stretch>
+        </p:blipFill>
+        <p:spPr>
+          <a:xfrm>
+            <a:off x="0" y="0"/>
+            <a:ext cx="12192000" cy="6858000"/>
+          </a:xfrm>
+          <a:prstGeom prst="rect">
+            <a:avLst/>
+          </a:prstGeom>
+        </p:spPr>
+      </p:pic>
+      <p:sp>
+        <p:nvSpPr>
           <p:cNvPr id="2" name="Title 1">
             <a:extLst>
               <a:ext uri="{FF2B5EF4-FFF2-40B4-BE49-F238E27FC236}">
@@ -18299,17 +21855,33 @@
             <p:ph type="title"/>
           </p:nvPr>
         </p:nvSpPr>
-        <p:spPr/>
+        <p:spPr>
+          <a:xfrm>
+            <a:off x="1179226" y="826680"/>
+            <a:ext cx="9833548" cy="1325563"/>
+          </a:xfrm>
+        </p:spPr>
         <p:txBody>
-          <a:bodyPr/>
+          <a:bodyPr>
+            <a:normAutofit/>
+          </a:bodyPr>
           <a:lstStyle/>
           <a:p>
+            <a:pPr algn="ctr"/>
             <a:r>
-              <a:rPr lang="en-CA" dirty="0"/>
+              <a:rPr lang="en-CA" sz="4000" dirty="0">
+                <a:solidFill>
+                  <a:srgbClr val="FFFFFF"/>
+                </a:solidFill>
+              </a:rPr>
               <a:t>GPS Location </a:t>
             </a:r>
             <a:r>
-              <a:rPr lang="en-CA" strike="sngStrike" dirty="0"/>
+              <a:rPr lang="en-CA" sz="4000" strike="sngStrike" dirty="0">
+                <a:solidFill>
+                  <a:srgbClr val="FFFFFF"/>
+                </a:solidFill>
+              </a:rPr>
               <a:t>IP Address</a:t>
             </a:r>
           </a:p>
@@ -18331,52 +21903,89 @@
             <p:ph idx="1"/>
           </p:nvPr>
         </p:nvSpPr>
-        <p:spPr/>
+        <p:spPr>
+          <a:xfrm>
+            <a:off x="1179226" y="3092970"/>
+            <a:ext cx="9833548" cy="2693976"/>
+          </a:xfrm>
+        </p:spPr>
         <p:txBody>
           <a:bodyPr>
-            <a:normAutofit lnSpcReduction="10000"/>
+            <a:normAutofit fontScale="92500" lnSpcReduction="10000"/>
           </a:bodyPr>
           <a:lstStyle/>
           <a:p>
             <a:r>
-              <a:rPr lang="en-CA" dirty="0"/>
+              <a:rPr lang="en-CA" sz="1800" dirty="0">
+                <a:solidFill>
+                  <a:srgbClr val="000000"/>
+                </a:solidFill>
+              </a:rPr>
               <a:t>Mandate consent to location access while use of the app</a:t>
             </a:r>
           </a:p>
           <a:p>
-            <a:endParaRPr lang="en-CA" dirty="0"/>
+            <a:endParaRPr lang="en-CA" sz="1800" dirty="0">
+              <a:solidFill>
+                <a:srgbClr val="000000"/>
+              </a:solidFill>
+            </a:endParaRPr>
           </a:p>
           <a:p>
             <a:r>
-              <a:rPr lang="en-CA" dirty="0"/>
+              <a:rPr lang="en-CA" sz="1800" dirty="0">
+                <a:solidFill>
+                  <a:srgbClr val="000000"/>
+                </a:solidFill>
+              </a:rPr>
               <a:t>Superior spatial accuracy</a:t>
             </a:r>
           </a:p>
           <a:p>
             <a:r>
-              <a:rPr lang="en-CA" dirty="0"/>
+              <a:rPr lang="en-CA" sz="1800" dirty="0">
+                <a:solidFill>
+                  <a:srgbClr val="000000"/>
+                </a:solidFill>
+              </a:rPr>
               <a:t>Real-time location information</a:t>
             </a:r>
           </a:p>
           <a:p>
-            <a:endParaRPr lang="en-CA" dirty="0"/>
+            <a:endParaRPr lang="en-CA" sz="1800" dirty="0">
+              <a:solidFill>
+                <a:srgbClr val="000000"/>
+              </a:solidFill>
+            </a:endParaRPr>
           </a:p>
           <a:p>
             <a:r>
-              <a:rPr lang="en-CA" b="1" dirty="0"/>
+              <a:rPr lang="en-CA" sz="1800" b="1" dirty="0">
+                <a:solidFill>
+                  <a:srgbClr val="000000"/>
+                </a:solidFill>
+              </a:rPr>
               <a:t>Can determine which locations are “office” locations based on frequency and duration of users activity</a:t>
             </a:r>
           </a:p>
           <a:p>
             <a:pPr lvl="1"/>
             <a:r>
-              <a:rPr lang="en-CA" b="1" dirty="0"/>
+              <a:rPr lang="en-CA" sz="1800" b="1" dirty="0">
+                <a:solidFill>
+                  <a:srgbClr val="000000"/>
+                </a:solidFill>
+              </a:rPr>
               <a:t>Can then check if unregistered</a:t>
             </a:r>
           </a:p>
           <a:p>
             <a:r>
-              <a:rPr lang="en-CA" b="1" dirty="0"/>
+              <a:rPr lang="en-CA" sz="1800" b="1" dirty="0">
+                <a:solidFill>
+                  <a:srgbClr val="000000"/>
+                </a:solidFill>
+              </a:rPr>
               <a:t>Can restrict account usage to 1 GPS address for a time, largely eliminating multi-usage</a:t>
             </a:r>
           </a:p>
@@ -18384,10 +21993,18 @@
             <a:pPr marL="0" indent="0">
               <a:buNone/>
             </a:pPr>
-            <a:endParaRPr lang="en-CA" dirty="0"/>
+            <a:endParaRPr lang="en-CA" sz="1800" dirty="0">
+              <a:solidFill>
+                <a:srgbClr val="000000"/>
+              </a:solidFill>
+            </a:endParaRPr>
           </a:p>
           <a:p>
-            <a:endParaRPr lang="en-CA" dirty="0"/>
+            <a:endParaRPr lang="en-CA" sz="1800" dirty="0">
+              <a:solidFill>
+                <a:srgbClr val="000000"/>
+              </a:solidFill>
+            </a:endParaRPr>
           </a:p>
         </p:txBody>
       </p:sp>
@@ -18407,6 +22024,14 @@
 <file path=ppt/slides/slide7.xml><?xml version="1.0" encoding="utf-8"?>
 <p:sld xmlns:a="http://schemas.openxmlformats.org/drawingml/2006/main" xmlns:r="http://schemas.openxmlformats.org/officeDocument/2006/relationships" xmlns:p="http://schemas.openxmlformats.org/presentationml/2006/main">
   <p:cSld>
+    <p:bg>
+      <p:bgPr>
+        <a:solidFill>
+          <a:schemeClr val="bg1"/>
+        </a:solidFill>
+        <a:effectLst/>
+      </p:bgPr>
+    </p:bg>
     <p:spTree>
       <p:nvGrpSpPr>
         <p:cNvPr id="1" name=""/>
@@ -18423,6 +22048,136 @@
       </p:grpSpPr>
       <p:sp>
         <p:nvSpPr>
+          <p:cNvPr id="48" name="Rectangle 7">
+            <a:extLst>
+              <a:ext uri="{FF2B5EF4-FFF2-40B4-BE49-F238E27FC236}">
+                <a16:creationId xmlns:a16="http://schemas.microsoft.com/office/drawing/2014/main" id="{4351DFE5-F63D-4BE0-BDA9-E3EB88F01AA5}"/>
+              </a:ext>
+              <a:ext uri="{C183D7F6-B498-43B3-948B-1728B52AA6E4}">
+                <adec:decorative xmlns:adec="http://schemas.microsoft.com/office/drawing/2017/decorative" val="1"/>
+              </a:ext>
+            </a:extLst>
+          </p:cNvPr>
+          <p:cNvSpPr>
+            <a:spLocks noGrp="1" noRot="1" noChangeAspect="1" noMove="1" noResize="1" noEditPoints="1" noAdjustHandles="1" noChangeArrowheads="1" noChangeShapeType="1" noTextEdit="1"/>
+          </p:cNvSpPr>
+          <p:nvPr>
+            <p:extLst>
+              <p:ext uri="{386F3935-93C4-4BCD-93E2-E3B085C9AB24}">
+                <p16:designElem xmlns:p16="http://schemas.microsoft.com/office/powerpoint/2015/main" val="1"/>
+              </p:ext>
+            </p:extLst>
+          </p:nvPr>
+        </p:nvSpPr>
+        <p:spPr>
+          <a:xfrm>
+            <a:off x="355601" y="0"/>
+            <a:ext cx="11480494" cy="2753936"/>
+          </a:xfrm>
+          <a:prstGeom prst="rect">
+            <a:avLst/>
+          </a:prstGeom>
+          <a:gradFill>
+            <a:gsLst>
+              <a:gs pos="0">
+                <a:schemeClr val="accent1">
+                  <a:lumMod val="90000"/>
+                </a:schemeClr>
+              </a:gs>
+              <a:gs pos="25000">
+                <a:schemeClr val="accent1">
+                  <a:lumMod val="90000"/>
+                </a:schemeClr>
+              </a:gs>
+              <a:gs pos="94000">
+                <a:schemeClr val="bg2">
+                  <a:lumMod val="25000"/>
+                </a:schemeClr>
+              </a:gs>
+              <a:gs pos="100000">
+                <a:schemeClr val="bg2">
+                  <a:lumMod val="25000"/>
+                </a:schemeClr>
+              </a:gs>
+            </a:gsLst>
+            <a:lin ang="4200000" scaled="0"/>
+          </a:gradFill>
+          <a:ln>
+            <a:noFill/>
+          </a:ln>
+        </p:spPr>
+        <p:style>
+          <a:lnRef idx="2">
+            <a:schemeClr val="accent1">
+              <a:shade val="50000"/>
+            </a:schemeClr>
+          </a:lnRef>
+          <a:fillRef idx="1">
+            <a:schemeClr val="accent1"/>
+          </a:fillRef>
+          <a:effectRef idx="0">
+            <a:schemeClr val="accent1"/>
+          </a:effectRef>
+          <a:fontRef idx="minor">
+            <a:schemeClr val="lt1"/>
+          </a:fontRef>
+        </p:style>
+        <p:txBody>
+          <a:bodyPr rtlCol="0" anchor="ctr"/>
+          <a:lstStyle/>
+          <a:p>
+            <a:pPr algn="ctr"/>
+            <a:endParaRPr lang="en-US"/>
+          </a:p>
+        </p:txBody>
+      </p:sp>
+      <p:pic>
+        <p:nvPicPr>
+          <p:cNvPr id="10" name="Picture 9">
+            <a:extLst>
+              <a:ext uri="{FF2B5EF4-FFF2-40B4-BE49-F238E27FC236}">
+                <a16:creationId xmlns:a16="http://schemas.microsoft.com/office/drawing/2014/main" id="{3AA16612-ACD2-4A16-8F2B-4514FD6BF28F}"/>
+              </a:ext>
+              <a:ext uri="{C183D7F6-B498-43B3-948B-1728B52AA6E4}">
+                <adec:decorative xmlns:adec="http://schemas.microsoft.com/office/drawing/2017/decorative" val="1"/>
+              </a:ext>
+            </a:extLst>
+          </p:cNvPr>
+          <p:cNvPicPr>
+            <a:picLocks noGrp="1" noRot="1" noChangeAspect="1" noMove="1" noResize="1" noEditPoints="1" noAdjustHandles="1" noChangeArrowheads="1" noChangeShapeType="1" noCrop="1"/>
+          </p:cNvPicPr>
+          <p:nvPr>
+            <p:extLst>
+              <p:ext uri="{386F3935-93C4-4BCD-93E2-E3B085C9AB24}">
+                <p16:designElem xmlns:p16="http://schemas.microsoft.com/office/powerpoint/2015/main" val="1"/>
+              </p:ext>
+            </p:extLst>
+          </p:nvPr>
+        </p:nvPicPr>
+        <p:blipFill>
+          <a:blip r:embed="rId2">
+            <a:extLst>
+              <a:ext uri="{28A0092B-C50C-407E-A947-70E740481C1C}">
+                <a14:useLocalDpi xmlns:a14="http://schemas.microsoft.com/office/drawing/2010/main" val="0"/>
+              </a:ext>
+            </a:extLst>
+          </a:blip>
+          <a:stretch>
+            <a:fillRect/>
+          </a:stretch>
+        </p:blipFill>
+        <p:spPr>
+          <a:xfrm>
+            <a:off x="0" y="0"/>
+            <a:ext cx="12192000" cy="6858000"/>
+          </a:xfrm>
+          <a:prstGeom prst="rect">
+            <a:avLst/>
+          </a:prstGeom>
+        </p:spPr>
+      </p:pic>
+      <p:sp>
+        <p:nvSpPr>
           <p:cNvPr id="2" name="Title 1">
             <a:extLst>
               <a:ext uri="{FF2B5EF4-FFF2-40B4-BE49-F238E27FC236}">
@@ -18437,13 +22192,25 @@
             <p:ph type="title"/>
           </p:nvPr>
         </p:nvSpPr>
-        <p:spPr/>
+        <p:spPr>
+          <a:xfrm>
+            <a:off x="1179226" y="826680"/>
+            <a:ext cx="9833548" cy="1325563"/>
+          </a:xfrm>
+        </p:spPr>
         <p:txBody>
-          <a:bodyPr/>
+          <a:bodyPr>
+            <a:normAutofit/>
+          </a:bodyPr>
           <a:lstStyle/>
           <a:p>
+            <a:pPr algn="ctr"/>
             <a:r>
-              <a:rPr lang="en-CA" dirty="0"/>
+              <a:rPr lang="en-CA" sz="4000" dirty="0">
+                <a:solidFill>
+                  <a:srgbClr val="FFFFFF"/>
+                </a:solidFill>
+              </a:rPr>
               <a:t>GPS + Phone Authentication</a:t>
             </a:r>
           </a:p>
@@ -18451,7 +22218,7 @@
       </p:sp>
       <p:sp>
         <p:nvSpPr>
-          <p:cNvPr id="3" name="Content Placeholder 2">
+          <p:cNvPr id="49" name="Content Placeholder 2">
             <a:extLst>
               <a:ext uri="{FF2B5EF4-FFF2-40B4-BE49-F238E27FC236}">
                 <a16:creationId xmlns:a16="http://schemas.microsoft.com/office/drawing/2014/main" id="{9B739496-2515-4C78-AC54-7C1C123BD944}"/>
@@ -18465,48 +22232,84 @@
             <p:ph idx="1"/>
           </p:nvPr>
         </p:nvSpPr>
-        <p:spPr/>
+        <p:spPr>
+          <a:xfrm>
+            <a:off x="1179226" y="3092970"/>
+            <a:ext cx="9833548" cy="2693976"/>
+          </a:xfrm>
+        </p:spPr>
         <p:txBody>
           <a:bodyPr>
-            <a:normAutofit fontScale="92500" lnSpcReduction="10000"/>
+            <a:normAutofit fontScale="92500" lnSpcReduction="20000"/>
           </a:bodyPr>
           <a:lstStyle/>
           <a:p>
             <a:r>
-              <a:rPr lang="en-CA" dirty="0"/>
-              <a:t>Mandate + restrict ability to download app on the phone with registered phone number</a:t>
+              <a:rPr lang="en-CA" sz="1800" dirty="0">
+                <a:solidFill>
+                  <a:srgbClr val="000000"/>
+                </a:solidFill>
+              </a:rPr>
+              <a:t>Mandate + restrict ability to download app on one phone only with registered phone number</a:t>
             </a:r>
           </a:p>
           <a:p>
             <a:r>
-              <a:rPr lang="en-CA" dirty="0"/>
+              <a:rPr lang="en-CA" sz="1800" dirty="0">
+                <a:solidFill>
+                  <a:srgbClr val="000000"/>
+                </a:solidFill>
+              </a:rPr>
               <a:t>If not an office location already listed as paid for &amp; authorized, app from phone used to check proximity of a device using GPS </a:t>
             </a:r>
           </a:p>
           <a:p>
             <a:r>
-              <a:rPr lang="en-CA" dirty="0"/>
+              <a:rPr lang="en-CA" sz="1800" dirty="0">
+                <a:solidFill>
+                  <a:srgbClr val="000000"/>
+                </a:solidFill>
+              </a:rPr>
               <a:t>If device in proximity of phone, authenticate device</a:t>
             </a:r>
           </a:p>
           <a:p>
-            <a:endParaRPr lang="en-CA" dirty="0"/>
+            <a:pPr marL="0" indent="0">
+              <a:buNone/>
+            </a:pPr>
+            <a:endParaRPr lang="en-CA" sz="1800" dirty="0">
+              <a:solidFill>
+                <a:srgbClr val="000000"/>
+              </a:solidFill>
+            </a:endParaRPr>
           </a:p>
           <a:p>
             <a:r>
-              <a:rPr lang="en-CA" b="1" dirty="0"/>
+              <a:rPr lang="en-CA" sz="1800" b="1" dirty="0">
+                <a:solidFill>
+                  <a:srgbClr val="000000"/>
+                </a:solidFill>
+              </a:rPr>
               <a:t>Can ensure account can’t be used by people outside immediate vicinity of user with the registered phone number, minimizing multi-usage</a:t>
             </a:r>
           </a:p>
           <a:p>
             <a:r>
-              <a:rPr lang="en-CA" b="1" dirty="0"/>
+              <a:rPr lang="en-CA" sz="1800" b="1" dirty="0">
+                <a:solidFill>
+                  <a:srgbClr val="000000"/>
+                </a:solidFill>
+              </a:rPr>
               <a:t>High confidence = No need to verify most cases through calling </a:t>
             </a:r>
           </a:p>
           <a:p>
             <a:r>
-              <a:rPr lang="en-CA" b="1" dirty="0"/>
+              <a:rPr lang="en-CA" sz="1800" b="1" dirty="0">
+                <a:solidFill>
+                  <a:srgbClr val="000000"/>
+                </a:solidFill>
+              </a:rPr>
               <a:t>Can allow users to switch device if authenticated like this</a:t>
             </a:r>
           </a:p>
@@ -18528,6 +22331,14 @@
 <file path=ppt/slides/slide8.xml><?xml version="1.0" encoding="utf-8"?>
 <p:sld xmlns:a="http://schemas.openxmlformats.org/drawingml/2006/main" xmlns:r="http://schemas.openxmlformats.org/officeDocument/2006/relationships" xmlns:p="http://schemas.openxmlformats.org/presentationml/2006/main">
   <p:cSld>
+    <p:bg>
+      <p:bgPr>
+        <a:solidFill>
+          <a:schemeClr val="bg1"/>
+        </a:solidFill>
+        <a:effectLst/>
+      </p:bgPr>
+    </p:bg>
     <p:spTree>
       <p:nvGrpSpPr>
         <p:cNvPr id="1" name=""/>
@@ -18544,6 +22355,136 @@
       </p:grpSpPr>
       <p:sp>
         <p:nvSpPr>
+          <p:cNvPr id="18" name="Rectangle 7">
+            <a:extLst>
+              <a:ext uri="{FF2B5EF4-FFF2-40B4-BE49-F238E27FC236}">
+                <a16:creationId xmlns:a16="http://schemas.microsoft.com/office/drawing/2014/main" id="{4351DFE5-F63D-4BE0-BDA9-E3EB88F01AA5}"/>
+              </a:ext>
+              <a:ext uri="{C183D7F6-B498-43B3-948B-1728B52AA6E4}">
+                <adec:decorative xmlns:adec="http://schemas.microsoft.com/office/drawing/2017/decorative" val="1"/>
+              </a:ext>
+            </a:extLst>
+          </p:cNvPr>
+          <p:cNvSpPr>
+            <a:spLocks noGrp="1" noRot="1" noChangeAspect="1" noMove="1" noResize="1" noEditPoints="1" noAdjustHandles="1" noChangeArrowheads="1" noChangeShapeType="1" noTextEdit="1"/>
+          </p:cNvSpPr>
+          <p:nvPr>
+            <p:extLst>
+              <p:ext uri="{386F3935-93C4-4BCD-93E2-E3B085C9AB24}">
+                <p16:designElem xmlns:p16="http://schemas.microsoft.com/office/powerpoint/2015/main" val="1"/>
+              </p:ext>
+            </p:extLst>
+          </p:nvPr>
+        </p:nvSpPr>
+        <p:spPr>
+          <a:xfrm>
+            <a:off x="355601" y="0"/>
+            <a:ext cx="11480494" cy="2753936"/>
+          </a:xfrm>
+          <a:prstGeom prst="rect">
+            <a:avLst/>
+          </a:prstGeom>
+          <a:gradFill>
+            <a:gsLst>
+              <a:gs pos="0">
+                <a:schemeClr val="accent1">
+                  <a:lumMod val="90000"/>
+                </a:schemeClr>
+              </a:gs>
+              <a:gs pos="25000">
+                <a:schemeClr val="accent1">
+                  <a:lumMod val="90000"/>
+                </a:schemeClr>
+              </a:gs>
+              <a:gs pos="94000">
+                <a:schemeClr val="bg2">
+                  <a:lumMod val="25000"/>
+                </a:schemeClr>
+              </a:gs>
+              <a:gs pos="100000">
+                <a:schemeClr val="bg2">
+                  <a:lumMod val="25000"/>
+                </a:schemeClr>
+              </a:gs>
+            </a:gsLst>
+            <a:lin ang="4200000" scaled="0"/>
+          </a:gradFill>
+          <a:ln>
+            <a:noFill/>
+          </a:ln>
+        </p:spPr>
+        <p:style>
+          <a:lnRef idx="2">
+            <a:schemeClr val="accent1">
+              <a:shade val="50000"/>
+            </a:schemeClr>
+          </a:lnRef>
+          <a:fillRef idx="1">
+            <a:schemeClr val="accent1"/>
+          </a:fillRef>
+          <a:effectRef idx="0">
+            <a:schemeClr val="accent1"/>
+          </a:effectRef>
+          <a:fontRef idx="minor">
+            <a:schemeClr val="lt1"/>
+          </a:fontRef>
+        </p:style>
+        <p:txBody>
+          <a:bodyPr rtlCol="0" anchor="ctr"/>
+          <a:lstStyle/>
+          <a:p>
+            <a:pPr algn="ctr"/>
+            <a:endParaRPr lang="en-US"/>
+          </a:p>
+        </p:txBody>
+      </p:sp>
+      <p:pic>
+        <p:nvPicPr>
+          <p:cNvPr id="10" name="Picture 9">
+            <a:extLst>
+              <a:ext uri="{FF2B5EF4-FFF2-40B4-BE49-F238E27FC236}">
+                <a16:creationId xmlns:a16="http://schemas.microsoft.com/office/drawing/2014/main" id="{3AA16612-ACD2-4A16-8F2B-4514FD6BF28F}"/>
+              </a:ext>
+              <a:ext uri="{C183D7F6-B498-43B3-948B-1728B52AA6E4}">
+                <adec:decorative xmlns:adec="http://schemas.microsoft.com/office/drawing/2017/decorative" val="1"/>
+              </a:ext>
+            </a:extLst>
+          </p:cNvPr>
+          <p:cNvPicPr>
+            <a:picLocks noGrp="1" noRot="1" noChangeAspect="1" noMove="1" noResize="1" noEditPoints="1" noAdjustHandles="1" noChangeArrowheads="1" noChangeShapeType="1" noCrop="1"/>
+          </p:cNvPicPr>
+          <p:nvPr>
+            <p:extLst>
+              <p:ext uri="{386F3935-93C4-4BCD-93E2-E3B085C9AB24}">
+                <p16:designElem xmlns:p16="http://schemas.microsoft.com/office/powerpoint/2015/main" val="1"/>
+              </p:ext>
+            </p:extLst>
+          </p:nvPr>
+        </p:nvPicPr>
+        <p:blipFill>
+          <a:blip r:embed="rId2">
+            <a:extLst>
+              <a:ext uri="{28A0092B-C50C-407E-A947-70E740481C1C}">
+                <a14:useLocalDpi xmlns:a14="http://schemas.microsoft.com/office/drawing/2010/main" val="0"/>
+              </a:ext>
+            </a:extLst>
+          </a:blip>
+          <a:stretch>
+            <a:fillRect/>
+          </a:stretch>
+        </p:blipFill>
+        <p:spPr>
+          <a:xfrm>
+            <a:off x="0" y="0"/>
+            <a:ext cx="12192000" cy="6858000"/>
+          </a:xfrm>
+          <a:prstGeom prst="rect">
+            <a:avLst/>
+          </a:prstGeom>
+        </p:spPr>
+      </p:pic>
+      <p:sp>
+        <p:nvSpPr>
           <p:cNvPr id="2" name="Title 1">
             <a:extLst>
               <a:ext uri="{FF2B5EF4-FFF2-40B4-BE49-F238E27FC236}">
@@ -18558,21 +22499,33 @@
             <p:ph type="title"/>
           </p:nvPr>
         </p:nvSpPr>
-        <p:spPr/>
+        <p:spPr>
+          <a:xfrm>
+            <a:off x="1179226" y="826680"/>
+            <a:ext cx="9833548" cy="1325563"/>
+          </a:xfrm>
+        </p:spPr>
         <p:txBody>
-          <a:bodyPr/>
+          <a:bodyPr>
+            <a:normAutofit/>
+          </a:bodyPr>
           <a:lstStyle/>
           <a:p>
+            <a:pPr algn="ctr"/>
             <a:r>
-              <a:rPr lang="en-CA" dirty="0"/>
-              <a:t>AI + data</a:t>
+              <a:rPr lang="en-CA" sz="4000" dirty="0">
+                <a:solidFill>
+                  <a:srgbClr val="FFFFFF"/>
+                </a:solidFill>
+              </a:rPr>
+              <a:t>AI Integration</a:t>
             </a:r>
           </a:p>
         </p:txBody>
       </p:sp>
       <p:sp>
         <p:nvSpPr>
-          <p:cNvPr id="3" name="Content Placeholder 2">
+          <p:cNvPr id="19" name="Content Placeholder 2">
             <a:extLst>
               <a:ext uri="{FF2B5EF4-FFF2-40B4-BE49-F238E27FC236}">
                 <a16:creationId xmlns:a16="http://schemas.microsoft.com/office/drawing/2014/main" id="{D49E22B3-29DB-4A03-8C2C-941B8EADC2B2}"/>
@@ -18586,47 +22539,109 @@
             <p:ph idx="1"/>
           </p:nvPr>
         </p:nvSpPr>
-        <p:spPr/>
+        <p:spPr>
+          <a:xfrm>
+            <a:off x="1179226" y="3092970"/>
+            <a:ext cx="9833548" cy="2693976"/>
+          </a:xfrm>
+        </p:spPr>
         <p:txBody>
-          <a:bodyPr/>
+          <a:bodyPr>
+            <a:normAutofit/>
+          </a:bodyPr>
           <a:lstStyle/>
           <a:p>
             <a:r>
-              <a:rPr lang="en-CA" dirty="0"/>
+              <a:rPr lang="en-CA" sz="1900" dirty="0">
+                <a:solidFill>
+                  <a:srgbClr val="000000"/>
+                </a:solidFill>
+              </a:rPr>
               <a:t>Develop profiles for companies at the </a:t>
             </a:r>
             <a:r>
-              <a:rPr lang="en-CA" i="1" dirty="0"/>
+              <a:rPr lang="en-CA" sz="1900" i="1" dirty="0">
+                <a:solidFill>
+                  <a:srgbClr val="000000"/>
+                </a:solidFill>
+              </a:rPr>
               <a:t>company level</a:t>
             </a:r>
             <a:r>
-              <a:rPr lang="en-CA" dirty="0"/>
+              <a:rPr lang="en-CA" sz="1900" dirty="0">
+                <a:solidFill>
+                  <a:srgbClr val="000000"/>
+                </a:solidFill>
+              </a:rPr>
               <a:t> as well as </a:t>
             </a:r>
             <a:r>
-              <a:rPr lang="en-CA" i="1" dirty="0"/>
+              <a:rPr lang="en-CA" sz="1900" i="1" dirty="0">
+                <a:solidFill>
+                  <a:srgbClr val="000000"/>
+                </a:solidFill>
+              </a:rPr>
               <a:t>all companies level</a:t>
             </a:r>
             <a:r>
-              <a:rPr lang="en-CA" dirty="0"/>
+              <a:rPr lang="en-CA" sz="1900" dirty="0">
+                <a:solidFill>
+                  <a:srgbClr val="000000"/>
+                </a:solidFill>
+              </a:rPr>
               <a:t> based on routes most frequently used, load sizes transported, elapsed times and transactions information</a:t>
             </a:r>
           </a:p>
           <a:p>
+            <a:endParaRPr lang="en-CA" sz="1900" dirty="0">
+              <a:solidFill>
+                <a:srgbClr val="000000"/>
+              </a:solidFill>
+            </a:endParaRPr>
+          </a:p>
+          <a:p>
             <a:pPr lvl="1"/>
             <a:r>
-              <a:rPr lang="en-CA" dirty="0"/>
+              <a:rPr lang="en-CA" sz="1900" dirty="0">
+                <a:solidFill>
+                  <a:srgbClr val="000000"/>
+                </a:solidFill>
+              </a:rPr>
               <a:t>Can use models of company sizes to predict demand, analyze out-of-pattern activity or investigate suspicious volumes</a:t>
             </a:r>
           </a:p>
           <a:p>
+            <a:pPr lvl="1"/>
+            <a:endParaRPr lang="en-CA" sz="1900" dirty="0">
+              <a:solidFill>
+                <a:srgbClr val="000000"/>
+              </a:solidFill>
+            </a:endParaRPr>
+          </a:p>
+          <a:p>
+            <a:pPr lvl="1"/>
+            <a:endParaRPr lang="en-CA" sz="1900" dirty="0">
+              <a:solidFill>
+                <a:srgbClr val="000000"/>
+              </a:solidFill>
+            </a:endParaRPr>
+          </a:p>
+          <a:p>
             <a:r>
-              <a:rPr lang="en-CA" dirty="0"/>
+              <a:rPr lang="en-CA" sz="1900" dirty="0">
+                <a:solidFill>
+                  <a:srgbClr val="000000"/>
+                </a:solidFill>
+              </a:rPr>
               <a:t>Analyze aggregate of user location data to calculate probability of a different user being active</a:t>
             </a:r>
           </a:p>
           <a:p>
-            <a:endParaRPr lang="en-CA" dirty="0"/>
+            <a:endParaRPr lang="en-CA" sz="1900" dirty="0">
+              <a:solidFill>
+                <a:srgbClr val="000000"/>
+              </a:solidFill>
+            </a:endParaRPr>
           </a:p>
         </p:txBody>
       </p:sp>
@@ -18646,6 +22661,14 @@
 <file path=ppt/slides/slide9.xml><?xml version="1.0" encoding="utf-8"?>
 <p:sld xmlns:a="http://schemas.openxmlformats.org/drawingml/2006/main" xmlns:r="http://schemas.openxmlformats.org/officeDocument/2006/relationships" xmlns:p="http://schemas.openxmlformats.org/presentationml/2006/main">
   <p:cSld>
+    <p:bg>
+      <p:bgPr>
+        <a:solidFill>
+          <a:schemeClr val="bg1"/>
+        </a:solidFill>
+        <a:effectLst/>
+      </p:bgPr>
+    </p:bg>
     <p:spTree>
       <p:nvGrpSpPr>
         <p:cNvPr id="1" name=""/>
@@ -18662,6 +22685,487 @@
       </p:grpSpPr>
       <p:sp>
         <p:nvSpPr>
+          <p:cNvPr id="24" name="Freeform: Shape 19">
+            <a:extLst>
+              <a:ext uri="{FF2B5EF4-FFF2-40B4-BE49-F238E27FC236}">
+                <a16:creationId xmlns:a16="http://schemas.microsoft.com/office/drawing/2014/main" id="{46C2E80F-49A6-4372-B103-219D417A55ED}"/>
+              </a:ext>
+              <a:ext uri="{C183D7F6-B498-43B3-948B-1728B52AA6E4}">
+                <adec:decorative xmlns:adec="http://schemas.microsoft.com/office/drawing/2017/decorative" val="1"/>
+              </a:ext>
+            </a:extLst>
+          </p:cNvPr>
+          <p:cNvSpPr>
+            <a:spLocks noGrp="1" noRot="1" noChangeAspect="1" noMove="1" noResize="1" noEditPoints="1" noAdjustHandles="1" noChangeArrowheads="1" noChangeShapeType="1" noTextEdit="1"/>
+          </p:cNvSpPr>
+          <p:nvPr>
+            <p:extLst>
+              <p:ext uri="{386F3935-93C4-4BCD-93E2-E3B085C9AB24}">
+                <p16:designElem xmlns:p16="http://schemas.microsoft.com/office/powerpoint/2015/main" val="1"/>
+              </p:ext>
+            </p:extLst>
+          </p:nvPr>
+        </p:nvSpPr>
+        <p:spPr>
+          <a:xfrm>
+            <a:off x="484096" y="470925"/>
+            <a:ext cx="4381009" cy="5892104"/>
+          </a:xfrm>
+          <a:custGeom>
+            <a:avLst/>
+            <a:gdLst>
+              <a:gd name="connsiteX0" fmla="*/ 0 w 4381009"/>
+              <a:gd name="connsiteY0" fmla="*/ 0 h 5892104"/>
+              <a:gd name="connsiteX1" fmla="*/ 4157628 w 4381009"/>
+              <a:gd name="connsiteY1" fmla="*/ 0 h 5892104"/>
+              <a:gd name="connsiteX2" fmla="*/ 4169302 w 4381009"/>
+              <a:gd name="connsiteY2" fmla="*/ 68659 h 5892104"/>
+              <a:gd name="connsiteX3" fmla="*/ 4191571 w 4381009"/>
+              <a:gd name="connsiteY3" fmla="*/ 205472 h 5892104"/>
+              <a:gd name="connsiteX4" fmla="*/ 4213368 w 4381009"/>
+              <a:gd name="connsiteY4" fmla="*/ 342890 h 5892104"/>
+              <a:gd name="connsiteX5" fmla="*/ 4232030 w 4381009"/>
+              <a:gd name="connsiteY5" fmla="*/ 480913 h 5892104"/>
+              <a:gd name="connsiteX6" fmla="*/ 4250848 w 4381009"/>
+              <a:gd name="connsiteY6" fmla="*/ 618332 h 5892104"/>
+              <a:gd name="connsiteX7" fmla="*/ 4268412 w 4381009"/>
+              <a:gd name="connsiteY7" fmla="*/ 756355 h 5892104"/>
+              <a:gd name="connsiteX8" fmla="*/ 4283467 w 4381009"/>
+              <a:gd name="connsiteY8" fmla="*/ 892563 h 5892104"/>
+              <a:gd name="connsiteX9" fmla="*/ 4297737 w 4381009"/>
+              <a:gd name="connsiteY9" fmla="*/ 1030587 h 5892104"/>
+              <a:gd name="connsiteX10" fmla="*/ 4310754 w 4381009"/>
+              <a:gd name="connsiteY10" fmla="*/ 1168005 h 5892104"/>
+              <a:gd name="connsiteX11" fmla="*/ 4322045 w 4381009"/>
+              <a:gd name="connsiteY11" fmla="*/ 1303002 h 5892104"/>
+              <a:gd name="connsiteX12" fmla="*/ 4333336 w 4381009"/>
+              <a:gd name="connsiteY12" fmla="*/ 1439815 h 5892104"/>
+              <a:gd name="connsiteX13" fmla="*/ 4342745 w 4381009"/>
+              <a:gd name="connsiteY13" fmla="*/ 1574812 h 5892104"/>
+              <a:gd name="connsiteX14" fmla="*/ 4350115 w 4381009"/>
+              <a:gd name="connsiteY14" fmla="*/ 1709808 h 5892104"/>
+              <a:gd name="connsiteX15" fmla="*/ 4357799 w 4381009"/>
+              <a:gd name="connsiteY15" fmla="*/ 1844200 h 5892104"/>
+              <a:gd name="connsiteX16" fmla="*/ 4364229 w 4381009"/>
+              <a:gd name="connsiteY16" fmla="*/ 1977381 h 5892104"/>
+              <a:gd name="connsiteX17" fmla="*/ 4368777 w 4381009"/>
+              <a:gd name="connsiteY17" fmla="*/ 2109351 h 5892104"/>
+              <a:gd name="connsiteX18" fmla="*/ 4372697 w 4381009"/>
+              <a:gd name="connsiteY18" fmla="*/ 2241321 h 5892104"/>
+              <a:gd name="connsiteX19" fmla="*/ 4376461 w 4381009"/>
+              <a:gd name="connsiteY19" fmla="*/ 2372080 h 5892104"/>
+              <a:gd name="connsiteX20" fmla="*/ 4378186 w 4381009"/>
+              <a:gd name="connsiteY20" fmla="*/ 2501023 h 5892104"/>
+              <a:gd name="connsiteX21" fmla="*/ 4380068 w 4381009"/>
+              <a:gd name="connsiteY21" fmla="*/ 2629966 h 5892104"/>
+              <a:gd name="connsiteX22" fmla="*/ 4381009 w 4381009"/>
+              <a:gd name="connsiteY22" fmla="*/ 2757093 h 5892104"/>
+              <a:gd name="connsiteX23" fmla="*/ 4380068 w 4381009"/>
+              <a:gd name="connsiteY23" fmla="*/ 2883010 h 5892104"/>
+              <a:gd name="connsiteX24" fmla="*/ 4380068 w 4381009"/>
+              <a:gd name="connsiteY24" fmla="*/ 3007715 h 5892104"/>
+              <a:gd name="connsiteX25" fmla="*/ 4378186 w 4381009"/>
+              <a:gd name="connsiteY25" fmla="*/ 3131210 h 5892104"/>
+              <a:gd name="connsiteX26" fmla="*/ 4375363 w 4381009"/>
+              <a:gd name="connsiteY26" fmla="*/ 3252283 h 5892104"/>
+              <a:gd name="connsiteX27" fmla="*/ 4372697 w 4381009"/>
+              <a:gd name="connsiteY27" fmla="*/ 3372146 h 5892104"/>
+              <a:gd name="connsiteX28" fmla="*/ 4369718 w 4381009"/>
+              <a:gd name="connsiteY28" fmla="*/ 3489587 h 5892104"/>
+              <a:gd name="connsiteX29" fmla="*/ 4365170 w 4381009"/>
+              <a:gd name="connsiteY29" fmla="*/ 3606423 h 5892104"/>
+              <a:gd name="connsiteX30" fmla="*/ 4360309 w 4381009"/>
+              <a:gd name="connsiteY30" fmla="*/ 3721443 h 5892104"/>
+              <a:gd name="connsiteX31" fmla="*/ 4355918 w 4381009"/>
+              <a:gd name="connsiteY31" fmla="*/ 3834041 h 5892104"/>
+              <a:gd name="connsiteX32" fmla="*/ 4343529 w 4381009"/>
+              <a:gd name="connsiteY32" fmla="*/ 4053789 h 5892104"/>
+              <a:gd name="connsiteX33" fmla="*/ 4330356 w 4381009"/>
+              <a:gd name="connsiteY33" fmla="*/ 4264457 h 5892104"/>
+              <a:gd name="connsiteX34" fmla="*/ 4316556 w 4381009"/>
+              <a:gd name="connsiteY34" fmla="*/ 4466650 h 5892104"/>
+              <a:gd name="connsiteX35" fmla="*/ 4301344 w 4381009"/>
+              <a:gd name="connsiteY35" fmla="*/ 4657946 h 5892104"/>
+              <a:gd name="connsiteX36" fmla="*/ 4285506 w 4381009"/>
+              <a:gd name="connsiteY36" fmla="*/ 4840767 h 5892104"/>
+              <a:gd name="connsiteX37" fmla="*/ 4268412 w 4381009"/>
+              <a:gd name="connsiteY37" fmla="*/ 5010269 h 5892104"/>
+              <a:gd name="connsiteX38" fmla="*/ 4251633 w 4381009"/>
+              <a:gd name="connsiteY38" fmla="*/ 5169481 h 5892104"/>
+              <a:gd name="connsiteX39" fmla="*/ 4234853 w 4381009"/>
+              <a:gd name="connsiteY39" fmla="*/ 5315980 h 5892104"/>
+              <a:gd name="connsiteX40" fmla="*/ 4219014 w 4381009"/>
+              <a:gd name="connsiteY40" fmla="*/ 5450371 h 5892104"/>
+              <a:gd name="connsiteX41" fmla="*/ 4203959 w 4381009"/>
+              <a:gd name="connsiteY41" fmla="*/ 5569628 h 5892104"/>
+              <a:gd name="connsiteX42" fmla="*/ 4189689 w 4381009"/>
+              <a:gd name="connsiteY42" fmla="*/ 5677384 h 5892104"/>
+              <a:gd name="connsiteX43" fmla="*/ 4177770 w 4381009"/>
+              <a:gd name="connsiteY43" fmla="*/ 5768189 h 5892104"/>
+              <a:gd name="connsiteX44" fmla="*/ 4166479 w 4381009"/>
+              <a:gd name="connsiteY44" fmla="*/ 5844465 h 5892104"/>
+              <a:gd name="connsiteX45" fmla="*/ 4159132 w 4381009"/>
+              <a:gd name="connsiteY45" fmla="*/ 5892104 h 5892104"/>
+              <a:gd name="connsiteX46" fmla="*/ 0 w 4381009"/>
+              <a:gd name="connsiteY46" fmla="*/ 5892104 h 5892104"/>
+            </a:gdLst>
+            <a:ahLst/>
+            <a:cxnLst>
+              <a:cxn ang="0">
+                <a:pos x="connsiteX0" y="connsiteY0"/>
+              </a:cxn>
+              <a:cxn ang="0">
+                <a:pos x="connsiteX1" y="connsiteY1"/>
+              </a:cxn>
+              <a:cxn ang="0">
+                <a:pos x="connsiteX2" y="connsiteY2"/>
+              </a:cxn>
+              <a:cxn ang="0">
+                <a:pos x="connsiteX3" y="connsiteY3"/>
+              </a:cxn>
+              <a:cxn ang="0">
+                <a:pos x="connsiteX4" y="connsiteY4"/>
+              </a:cxn>
+              <a:cxn ang="0">
+                <a:pos x="connsiteX5" y="connsiteY5"/>
+              </a:cxn>
+              <a:cxn ang="0">
+                <a:pos x="connsiteX6" y="connsiteY6"/>
+              </a:cxn>
+              <a:cxn ang="0">
+                <a:pos x="connsiteX7" y="connsiteY7"/>
+              </a:cxn>
+              <a:cxn ang="0">
+                <a:pos x="connsiteX8" y="connsiteY8"/>
+              </a:cxn>
+              <a:cxn ang="0">
+                <a:pos x="connsiteX9" y="connsiteY9"/>
+              </a:cxn>
+              <a:cxn ang="0">
+                <a:pos x="connsiteX10" y="connsiteY10"/>
+              </a:cxn>
+              <a:cxn ang="0">
+                <a:pos x="connsiteX11" y="connsiteY11"/>
+              </a:cxn>
+              <a:cxn ang="0">
+                <a:pos x="connsiteX12" y="connsiteY12"/>
+              </a:cxn>
+              <a:cxn ang="0">
+                <a:pos x="connsiteX13" y="connsiteY13"/>
+              </a:cxn>
+              <a:cxn ang="0">
+                <a:pos x="connsiteX14" y="connsiteY14"/>
+              </a:cxn>
+              <a:cxn ang="0">
+                <a:pos x="connsiteX15" y="connsiteY15"/>
+              </a:cxn>
+              <a:cxn ang="0">
+                <a:pos x="connsiteX16" y="connsiteY16"/>
+              </a:cxn>
+              <a:cxn ang="0">
+                <a:pos x="connsiteX17" y="connsiteY17"/>
+              </a:cxn>
+              <a:cxn ang="0">
+                <a:pos x="connsiteX18" y="connsiteY18"/>
+              </a:cxn>
+              <a:cxn ang="0">
+                <a:pos x="connsiteX19" y="connsiteY19"/>
+              </a:cxn>
+              <a:cxn ang="0">
+                <a:pos x="connsiteX20" y="connsiteY20"/>
+              </a:cxn>
+              <a:cxn ang="0">
+                <a:pos x="connsiteX21" y="connsiteY21"/>
+              </a:cxn>
+              <a:cxn ang="0">
+                <a:pos x="connsiteX22" y="connsiteY22"/>
+              </a:cxn>
+              <a:cxn ang="0">
+                <a:pos x="connsiteX23" y="connsiteY23"/>
+              </a:cxn>
+              <a:cxn ang="0">
+                <a:pos x="connsiteX24" y="connsiteY24"/>
+              </a:cxn>
+              <a:cxn ang="0">
+                <a:pos x="connsiteX25" y="connsiteY25"/>
+              </a:cxn>
+              <a:cxn ang="0">
+                <a:pos x="connsiteX26" y="connsiteY26"/>
+              </a:cxn>
+              <a:cxn ang="0">
+                <a:pos x="connsiteX27" y="connsiteY27"/>
+              </a:cxn>
+              <a:cxn ang="0">
+                <a:pos x="connsiteX28" y="connsiteY28"/>
+              </a:cxn>
+              <a:cxn ang="0">
+                <a:pos x="connsiteX29" y="connsiteY29"/>
+              </a:cxn>
+              <a:cxn ang="0">
+                <a:pos x="connsiteX30" y="connsiteY30"/>
+              </a:cxn>
+              <a:cxn ang="0">
+                <a:pos x="connsiteX31" y="connsiteY31"/>
+              </a:cxn>
+              <a:cxn ang="0">
+                <a:pos x="connsiteX32" y="connsiteY32"/>
+              </a:cxn>
+              <a:cxn ang="0">
+                <a:pos x="connsiteX33" y="connsiteY33"/>
+              </a:cxn>
+              <a:cxn ang="0">
+                <a:pos x="connsiteX34" y="connsiteY34"/>
+              </a:cxn>
+              <a:cxn ang="0">
+                <a:pos x="connsiteX35" y="connsiteY35"/>
+              </a:cxn>
+              <a:cxn ang="0">
+                <a:pos x="connsiteX36" y="connsiteY36"/>
+              </a:cxn>
+              <a:cxn ang="0">
+                <a:pos x="connsiteX37" y="connsiteY37"/>
+              </a:cxn>
+              <a:cxn ang="0">
+                <a:pos x="connsiteX38" y="connsiteY38"/>
+              </a:cxn>
+              <a:cxn ang="0">
+                <a:pos x="connsiteX39" y="connsiteY39"/>
+              </a:cxn>
+              <a:cxn ang="0">
+                <a:pos x="connsiteX40" y="connsiteY40"/>
+              </a:cxn>
+              <a:cxn ang="0">
+                <a:pos x="connsiteX41" y="connsiteY41"/>
+              </a:cxn>
+              <a:cxn ang="0">
+                <a:pos x="connsiteX42" y="connsiteY42"/>
+              </a:cxn>
+              <a:cxn ang="0">
+                <a:pos x="connsiteX43" y="connsiteY43"/>
+              </a:cxn>
+              <a:cxn ang="0">
+                <a:pos x="connsiteX44" y="connsiteY44"/>
+              </a:cxn>
+              <a:cxn ang="0">
+                <a:pos x="connsiteX45" y="connsiteY45"/>
+              </a:cxn>
+              <a:cxn ang="0">
+                <a:pos x="connsiteX46" y="connsiteY46"/>
+              </a:cxn>
+            </a:cxnLst>
+            <a:rect l="l" t="t" r="r" b="b"/>
+            <a:pathLst>
+              <a:path w="4381009" h="5892104">
+                <a:moveTo>
+                  <a:pt x="0" y="0"/>
+                </a:moveTo>
+                <a:lnTo>
+                  <a:pt x="4157628" y="0"/>
+                </a:lnTo>
+                <a:lnTo>
+                  <a:pt x="4169302" y="68659"/>
+                </a:lnTo>
+                <a:lnTo>
+                  <a:pt x="4191571" y="205472"/>
+                </a:lnTo>
+                <a:lnTo>
+                  <a:pt x="4213368" y="342890"/>
+                </a:lnTo>
+                <a:lnTo>
+                  <a:pt x="4232030" y="480913"/>
+                </a:lnTo>
+                <a:lnTo>
+                  <a:pt x="4250848" y="618332"/>
+                </a:lnTo>
+                <a:lnTo>
+                  <a:pt x="4268412" y="756355"/>
+                </a:lnTo>
+                <a:lnTo>
+                  <a:pt x="4283467" y="892563"/>
+                </a:lnTo>
+                <a:lnTo>
+                  <a:pt x="4297737" y="1030587"/>
+                </a:lnTo>
+                <a:lnTo>
+                  <a:pt x="4310754" y="1168005"/>
+                </a:lnTo>
+                <a:lnTo>
+                  <a:pt x="4322045" y="1303002"/>
+                </a:lnTo>
+                <a:lnTo>
+                  <a:pt x="4333336" y="1439815"/>
+                </a:lnTo>
+                <a:lnTo>
+                  <a:pt x="4342745" y="1574812"/>
+                </a:lnTo>
+                <a:lnTo>
+                  <a:pt x="4350115" y="1709808"/>
+                </a:lnTo>
+                <a:lnTo>
+                  <a:pt x="4357799" y="1844200"/>
+                </a:lnTo>
+                <a:lnTo>
+                  <a:pt x="4364229" y="1977381"/>
+                </a:lnTo>
+                <a:lnTo>
+                  <a:pt x="4368777" y="2109351"/>
+                </a:lnTo>
+                <a:lnTo>
+                  <a:pt x="4372697" y="2241321"/>
+                </a:lnTo>
+                <a:lnTo>
+                  <a:pt x="4376461" y="2372080"/>
+                </a:lnTo>
+                <a:lnTo>
+                  <a:pt x="4378186" y="2501023"/>
+                </a:lnTo>
+                <a:lnTo>
+                  <a:pt x="4380068" y="2629966"/>
+                </a:lnTo>
+                <a:lnTo>
+                  <a:pt x="4381009" y="2757093"/>
+                </a:lnTo>
+                <a:lnTo>
+                  <a:pt x="4380068" y="2883010"/>
+                </a:lnTo>
+                <a:lnTo>
+                  <a:pt x="4380068" y="3007715"/>
+                </a:lnTo>
+                <a:lnTo>
+                  <a:pt x="4378186" y="3131210"/>
+                </a:lnTo>
+                <a:lnTo>
+                  <a:pt x="4375363" y="3252283"/>
+                </a:lnTo>
+                <a:lnTo>
+                  <a:pt x="4372697" y="3372146"/>
+                </a:lnTo>
+                <a:lnTo>
+                  <a:pt x="4369718" y="3489587"/>
+                </a:lnTo>
+                <a:lnTo>
+                  <a:pt x="4365170" y="3606423"/>
+                </a:lnTo>
+                <a:lnTo>
+                  <a:pt x="4360309" y="3721443"/>
+                </a:lnTo>
+                <a:lnTo>
+                  <a:pt x="4355918" y="3834041"/>
+                </a:lnTo>
+                <a:lnTo>
+                  <a:pt x="4343529" y="4053789"/>
+                </a:lnTo>
+                <a:lnTo>
+                  <a:pt x="4330356" y="4264457"/>
+                </a:lnTo>
+                <a:lnTo>
+                  <a:pt x="4316556" y="4466650"/>
+                </a:lnTo>
+                <a:lnTo>
+                  <a:pt x="4301344" y="4657946"/>
+                </a:lnTo>
+                <a:lnTo>
+                  <a:pt x="4285506" y="4840767"/>
+                </a:lnTo>
+                <a:lnTo>
+                  <a:pt x="4268412" y="5010269"/>
+                </a:lnTo>
+                <a:lnTo>
+                  <a:pt x="4251633" y="5169481"/>
+                </a:lnTo>
+                <a:lnTo>
+                  <a:pt x="4234853" y="5315980"/>
+                </a:lnTo>
+                <a:lnTo>
+                  <a:pt x="4219014" y="5450371"/>
+                </a:lnTo>
+                <a:lnTo>
+                  <a:pt x="4203959" y="5569628"/>
+                </a:lnTo>
+                <a:lnTo>
+                  <a:pt x="4189689" y="5677384"/>
+                </a:lnTo>
+                <a:lnTo>
+                  <a:pt x="4177770" y="5768189"/>
+                </a:lnTo>
+                <a:lnTo>
+                  <a:pt x="4166479" y="5844465"/>
+                </a:lnTo>
+                <a:lnTo>
+                  <a:pt x="4159132" y="5892104"/>
+                </a:lnTo>
+                <a:lnTo>
+                  <a:pt x="0" y="5892104"/>
+                </a:lnTo>
+                <a:close/>
+              </a:path>
+            </a:pathLst>
+          </a:custGeom>
+          <a:solidFill>
+            <a:srgbClr val="404040"/>
+          </a:solidFill>
+          <a:ln>
+            <a:noFill/>
+          </a:ln>
+        </p:spPr>
+        <p:style>
+          <a:lnRef idx="2">
+            <a:schemeClr val="accent1">
+              <a:shade val="50000"/>
+            </a:schemeClr>
+          </a:lnRef>
+          <a:fillRef idx="1">
+            <a:schemeClr val="accent1"/>
+          </a:fillRef>
+          <a:effectRef idx="0">
+            <a:schemeClr val="accent1"/>
+          </a:effectRef>
+          <a:fontRef idx="minor">
+            <a:schemeClr val="lt1"/>
+          </a:fontRef>
+        </p:style>
+        <p:txBody>
+          <a:bodyPr wrap="square" rtlCol="0" anchor="ctr">
+            <a:noAutofit/>
+          </a:bodyPr>
+          <a:lstStyle/>
+          <a:p>
+            <a:pPr marL="0" marR="0" lvl="0" indent="0" algn="ctr" defTabSz="457200" rtl="0" eaLnBrk="1" fontAlgn="auto" latinLnBrk="0" hangingPunct="1">
+              <a:lnSpc>
+                <a:spcPct val="100000"/>
+              </a:lnSpc>
+              <a:spcBef>
+                <a:spcPts val="0"/>
+              </a:spcBef>
+              <a:spcAft>
+                <a:spcPts val="0"/>
+              </a:spcAft>
+              <a:buClrTx/>
+              <a:buSzTx/>
+              <a:buFontTx/>
+              <a:buNone/>
+              <a:tabLst/>
+              <a:defRPr/>
+            </a:pPr>
+            <a:endParaRPr kumimoji="0" lang="en-US" sz="1800" b="0" i="0" u="none" strike="noStrike" kern="1200" cap="none" spc="0" normalizeH="0" baseline="0" noProof="0">
+              <a:ln>
+                <a:noFill/>
+              </a:ln>
+              <a:solidFill>
+                <a:prstClr val="white"/>
+              </a:solidFill>
+              <a:effectLst/>
+              <a:uLnTx/>
+              <a:uFillTx/>
+              <a:latin typeface="Calibri" panose="020F0502020204030204"/>
+              <a:ea typeface="+mn-ea"/>
+              <a:cs typeface="+mn-cs"/>
+            </a:endParaRPr>
+          </a:p>
+        </p:txBody>
+      </p:sp>
+      <p:sp>
+        <p:nvSpPr>
           <p:cNvPr id="2" name="Title 1">
             <a:extLst>
               <a:ext uri="{FF2B5EF4-FFF2-40B4-BE49-F238E27FC236}">
@@ -18676,64 +23180,60 @@
             <p:ph type="title"/>
           </p:nvPr>
         </p:nvSpPr>
-        <p:spPr/>
+        <p:spPr>
+          <a:xfrm>
+            <a:off x="863029" y="1012004"/>
+            <a:ext cx="3416158" cy="4795408"/>
+          </a:xfrm>
+        </p:spPr>
         <p:txBody>
-          <a:bodyPr/>
+          <a:bodyPr>
+            <a:normAutofit/>
+          </a:bodyPr>
           <a:lstStyle/>
           <a:p>
             <a:r>
-              <a:rPr lang="en-CA" dirty="0"/>
-              <a:t>Financial Methods Suggestion</a:t>
+              <a:rPr lang="en-CA">
+                <a:solidFill>
+                  <a:srgbClr val="FFFFFF"/>
+                </a:solidFill>
+              </a:rPr>
+              <a:t>Financial Methods</a:t>
             </a:r>
           </a:p>
         </p:txBody>
       </p:sp>
-      <p:sp>
-        <p:nvSpPr>
-          <p:cNvPr id="3" name="Content Placeholder 2">
+      <p:graphicFrame>
+        <p:nvGraphicFramePr>
+          <p:cNvPr id="5" name="Content Placeholder 2">
             <a:extLst>
               <a:ext uri="{FF2B5EF4-FFF2-40B4-BE49-F238E27FC236}">
-                <a16:creationId xmlns:a16="http://schemas.microsoft.com/office/drawing/2014/main" id="{C4C7E77A-3627-4D4F-9AEE-48A59F784E20}"/>
+                <a16:creationId xmlns:a16="http://schemas.microsoft.com/office/drawing/2014/main" id="{D94A3192-E0AF-411D-97E6-106DF01B8792}"/>
               </a:ext>
             </a:extLst>
           </p:cNvPr>
-          <p:cNvSpPr>
-            <a:spLocks noGrp="1"/>
-          </p:cNvSpPr>
+          <p:cNvGraphicFramePr>
+            <a:graphicFrameLocks noGrp="1"/>
+          </p:cNvGraphicFramePr>
           <p:nvPr>
             <p:ph idx="1"/>
+            <p:extLst>
+              <p:ext uri="{D42A27DB-BD31-4B8C-83A1-F6EECF244321}">
+                <p14:modId xmlns:p14="http://schemas.microsoft.com/office/powerpoint/2010/main" val="3783949550"/>
+              </p:ext>
+            </p:extLst>
           </p:nvPr>
-        </p:nvSpPr>
-        <p:spPr/>
-        <p:txBody>
-          <a:bodyPr/>
-          <a:lstStyle/>
-          <a:p>
-            <a:r>
-              <a:rPr lang="en-CA" dirty="0"/>
-              <a:t>Identify each company by their financial accounts rather than extraneous information</a:t>
-            </a:r>
-          </a:p>
-          <a:p>
-            <a:endParaRPr lang="en-CA" dirty="0"/>
-          </a:p>
-          <a:p>
-            <a:r>
-              <a:rPr lang="en-CA" b="1" dirty="0"/>
-              <a:t>Can exactly identify which users are doing transactions for which company</a:t>
-            </a:r>
-          </a:p>
-          <a:p>
-            <a:endParaRPr lang="en-CA" b="1" dirty="0"/>
-          </a:p>
-          <a:p>
-            <a:r>
-              <a:rPr lang="en-CA" dirty="0"/>
-              <a:t>Estimate size of company by analysis of transactions instead of bandwidth consumption</a:t>
-            </a:r>
-          </a:p>
-        </p:txBody>
-      </p:sp>
+        </p:nvGraphicFramePr>
+        <p:xfrm>
+          <a:off x="5194300" y="470924"/>
+          <a:ext cx="6513604" cy="5885426"/>
+        </p:xfrm>
+        <a:graphic>
+          <a:graphicData uri="http://schemas.openxmlformats.org/drawingml/2006/diagram">
+            <dgm:relIds xmlns:dgm="http://schemas.openxmlformats.org/drawingml/2006/diagram" xmlns:r="http://schemas.openxmlformats.org/officeDocument/2006/relationships" r:dm="rId2" r:lo="rId3" r:qs="rId4" r:cs="rId5"/>
+          </a:graphicData>
+        </a:graphic>
+      </p:graphicFrame>
     </p:spTree>
     <p:extLst>
       <p:ext uri="{BB962C8B-B14F-4D97-AF65-F5344CB8AC3E}">
